--- a/docs/ppt/fr/method/DDBM-Method-all-canvas-FR.pptx
+++ b/docs/ppt/fr/method/DDBM-Method-all-canvas-FR.pptx
@@ -27,6 +27,7 @@
     <p:sldId id="272" r:id="rId23"/>
     <p:sldId id="273" r:id="rId24"/>
     <p:sldId id="274" r:id="rId25"/>
+    <p:sldId id="275" r:id="rId26"/>
   </p:sldIdLst>
   <p:sldSz cy="6858000" cx="9144000"/>
   <p:notesSz cx="6858000" cy="9144000"/>
@@ -1179,7 +1180,7 @@
   <p:cSld>
     <p:spTree>
       <p:nvGrpSpPr>
-        <p:cNvPr id="207" name="Shape 207"/>
+        <p:cNvPr id="209" name="Shape 209"/>
         <p:cNvGrpSpPr/>
         <p:nvPr/>
       </p:nvGrpSpPr>
@@ -1193,7 +1194,7 @@
       </p:grpSpPr>
       <p:sp>
         <p:nvSpPr>
-          <p:cNvPr id="208" name="Google Shape;208;g42d579523a_26_0:notes"/>
+          <p:cNvPr id="210" name="Google Shape;210;g42d579523a_26_0:notes"/>
           <p:cNvSpPr/>
           <p:nvPr>
             <p:ph idx="2" type="sldImg"/>
@@ -1228,7 +1229,7 @@
       </p:sp>
       <p:sp>
         <p:nvSpPr>
-          <p:cNvPr id="209" name="Google Shape;209;g42d579523a_26_0:notes"/>
+          <p:cNvPr id="211" name="Google Shape;211;g42d579523a_26_0:notes"/>
           <p:cNvSpPr txBox="1"/>
           <p:nvPr>
             <p:ph idx="1" type="body"/>
@@ -1334,7 +1335,7 @@
   <p:cSld>
     <p:spTree>
       <p:nvGrpSpPr>
-        <p:cNvPr id="227" name="Shape 227"/>
+        <p:cNvPr id="229" name="Shape 229"/>
         <p:cNvGrpSpPr/>
         <p:nvPr/>
       </p:nvGrpSpPr>
@@ -1348,7 +1349,7 @@
       </p:grpSpPr>
       <p:sp>
         <p:nvSpPr>
-          <p:cNvPr id="228" name="Google Shape;228;g42d579523a_30_0:notes"/>
+          <p:cNvPr id="230" name="Google Shape;230;g42d579523a_30_0:notes"/>
           <p:cNvSpPr/>
           <p:nvPr>
             <p:ph idx="2" type="sldImg"/>
@@ -1383,7 +1384,7 @@
       </p:sp>
       <p:sp>
         <p:nvSpPr>
-          <p:cNvPr id="229" name="Google Shape;229;g42d579523a_30_0:notes"/>
+          <p:cNvPr id="231" name="Google Shape;231;g42d579523a_30_0:notes"/>
           <p:cNvSpPr txBox="1"/>
           <p:nvPr>
             <p:ph idx="1" type="body"/>
@@ -1463,7 +1464,7 @@
   <p:cSld>
     <p:spTree>
       <p:nvGrpSpPr>
-        <p:cNvPr id="234" name="Shape 234"/>
+        <p:cNvPr id="236" name="Shape 236"/>
         <p:cNvGrpSpPr/>
         <p:nvPr/>
       </p:nvGrpSpPr>
@@ -1477,7 +1478,7 @@
       </p:grpSpPr>
       <p:sp>
         <p:nvSpPr>
-          <p:cNvPr id="235" name="Google Shape;235;g2a203d2a6ee_0_8:notes"/>
+          <p:cNvPr id="237" name="Google Shape;237;g2a203d2a6ee_0_8:notes"/>
           <p:cNvSpPr/>
           <p:nvPr>
             <p:ph idx="2" type="sldImg"/>
@@ -1512,7 +1513,7 @@
       </p:sp>
       <p:sp>
         <p:nvSpPr>
-          <p:cNvPr id="236" name="Google Shape;236;g2a203d2a6ee_0_8:notes"/>
+          <p:cNvPr id="238" name="Google Shape;238;g2a203d2a6ee_0_8:notes"/>
           <p:cNvSpPr txBox="1"/>
           <p:nvPr>
             <p:ph idx="1" type="body"/>
@@ -1618,7 +1619,7 @@
   <p:cSld>
     <p:spTree>
       <p:nvGrpSpPr>
-        <p:cNvPr id="268" name="Shape 268"/>
+        <p:cNvPr id="270" name="Shape 270"/>
         <p:cNvGrpSpPr/>
         <p:nvPr/>
       </p:nvGrpSpPr>
@@ -1632,7 +1633,7 @@
       </p:grpSpPr>
       <p:sp>
         <p:nvSpPr>
-          <p:cNvPr id="269" name="Google Shape;269;g42d579523a_14_0:notes"/>
+          <p:cNvPr id="271" name="Google Shape;271;g42d579523a_14_0:notes"/>
           <p:cNvSpPr/>
           <p:nvPr>
             <p:ph idx="2" type="sldImg"/>
@@ -1667,7 +1668,7 @@
       </p:sp>
       <p:sp>
         <p:nvSpPr>
-          <p:cNvPr id="270" name="Google Shape;270;g42d579523a_14_0:notes"/>
+          <p:cNvPr id="272" name="Google Shape;272;g42d579523a_14_0:notes"/>
           <p:cNvSpPr txBox="1"/>
           <p:nvPr>
             <p:ph idx="1" type="body"/>
@@ -1792,7 +1793,7 @@
   <p:cSld>
     <p:spTree>
       <p:nvGrpSpPr>
-        <p:cNvPr id="290" name="Shape 290"/>
+        <p:cNvPr id="292" name="Shape 292"/>
         <p:cNvGrpSpPr/>
         <p:nvPr/>
       </p:nvGrpSpPr>
@@ -1806,7 +1807,7 @@
       </p:grpSpPr>
       <p:sp>
         <p:nvSpPr>
-          <p:cNvPr id="291" name="Google Shape;291;g42d579523a_39_0:notes"/>
+          <p:cNvPr id="293" name="Google Shape;293;g2a3677a6f91_0_26:notes"/>
           <p:cNvSpPr/>
           <p:nvPr>
             <p:ph idx="2" type="sldImg"/>
@@ -1841,7 +1842,7 @@
       </p:sp>
       <p:sp>
         <p:nvSpPr>
-          <p:cNvPr id="292" name="Google Shape;292;g42d579523a_39_0:notes"/>
+          <p:cNvPr id="294" name="Google Shape;294;g2a3677a6f91_0_26:notes"/>
           <p:cNvSpPr txBox="1"/>
           <p:nvPr>
             <p:ph idx="1" type="body"/>
@@ -1873,30 +1874,7 @@
             </a:pPr>
             <a:r>
               <a:rPr lang="fr"/>
-              <a:t>La solution élaborée au canevas précédent demande à être finement spécifiée. Ce canevas vous aide à identifier les </a:t>
-            </a:r>
-            <a:r>
-              <a:rPr lang="fr"/>
-              <a:t>multiples</a:t>
-            </a:r>
-            <a:r>
-              <a:rPr lang="fr"/>
-              <a:t> voies par lesquelles votre solution vient apporter apporter de la valeur à l’utilisateur final.</a:t>
-            </a:r>
-            <a:endParaRPr/>
-          </a:p>
-          <a:p>
-            <a:pPr indent="0" lvl="0" marL="0" rtl="0" algn="l">
-              <a:spcBef>
-                <a:spcPts val="0"/>
-              </a:spcBef>
-              <a:spcAft>
-                <a:spcPts val="0"/>
-              </a:spcAft>
-              <a:buNone/>
-            </a:pPr>
-            <a:r>
-              <a:t/>
+              <a:t>Nous sommes prêts à élaborer une solution de création de valeur par la donnée qui:</a:t>
             </a:r>
             <a:endParaRPr/>
           </a:p>
@@ -1912,12 +1890,8 @@
               <a:buChar char="-"/>
             </a:pPr>
             <a:r>
-              <a:rPr lang="fr">
-                <a:solidFill>
-                  <a:schemeClr val="dk1"/>
-                </a:solidFill>
-              </a:rPr>
-              <a:t>Case du centre : définissez les caractéristiques de votre solution: est-ce une app, un objet, un process, ...</a:t>
+              <a:rPr lang="fr"/>
+              <a:t>contribue aux objectifs stratégiques spécifiés dès le premier canevas</a:t>
             </a:r>
             <a:endParaRPr/>
           </a:p>
@@ -1934,7 +1908,7 @@
             </a:pPr>
             <a:r>
               <a:rPr lang="fr"/>
-              <a:t>Case en haut à gauche : expliquez en quoi la solution vient aider l’utilisatrice à accomplir / réaliser le service</a:t>
+              <a:t>présente une solution / apporte de la valeur aux utilisateurs cibles, également décrits dans les canevas précédents.</a:t>
             </a:r>
             <a:endParaRPr/>
           </a:p>
@@ -1951,41 +1925,7 @@
             </a:pPr>
             <a:r>
               <a:rPr lang="fr"/>
-              <a:t>Case en bas à gauche : les contraintes identifiées dans le canevas #4 doivent trouver ici une forme de solution</a:t>
-            </a:r>
-            <a:endParaRPr/>
-          </a:p>
-          <a:p>
-            <a:pPr indent="-298450" lvl="0" marL="457200" rtl="0" algn="l">
-              <a:spcBef>
-                <a:spcPts val="0"/>
-              </a:spcBef>
-              <a:spcAft>
-                <a:spcPts val="0"/>
-              </a:spcAft>
-              <a:buSzPts val="1100"/>
-              <a:buChar char="-"/>
-            </a:pPr>
-            <a:r>
-              <a:rPr lang="fr"/>
-              <a:t>Case en haut à droite : en quoi les aspirations de l’utilisatrice sont elles rendues réalisables par votre solution?</a:t>
-            </a:r>
-            <a:endParaRPr/>
-          </a:p>
-          <a:p>
-            <a:pPr indent="-298450" lvl="0" marL="457200" rtl="0" algn="l">
-              <a:spcBef>
-                <a:spcPts val="0"/>
-              </a:spcBef>
-              <a:spcAft>
-                <a:spcPts val="0"/>
-              </a:spcAft>
-              <a:buSzPts val="1100"/>
-              <a:buChar char="-"/>
-            </a:pPr>
-            <a:r>
-              <a:rPr lang="fr"/>
-              <a:t>Case en bas à droite : définissez des indicateurs objectifs sur lesquels votre utilisateur pourra mesurer ses progrès</a:t>
+              <a:t>qui valorise les sources de données existantes / aisément accessibles identifiées précédemment</a:t>
             </a:r>
             <a:endParaRPr/>
           </a:p>
@@ -2019,7 +1959,7 @@
   <p:cSld>
     <p:spTree>
       <p:nvGrpSpPr>
-        <p:cNvPr id="316" name="Shape 316"/>
+        <p:cNvPr id="300" name="Shape 300"/>
         <p:cNvGrpSpPr/>
         <p:nvPr/>
       </p:nvGrpSpPr>
@@ -2033,7 +1973,7 @@
       </p:grpSpPr>
       <p:sp>
         <p:nvSpPr>
-          <p:cNvPr id="317" name="Google Shape;317;g42d579523a_18_0:notes"/>
+          <p:cNvPr id="301" name="Google Shape;301;g42d579523a_39_0:notes"/>
           <p:cNvSpPr/>
           <p:nvPr>
             <p:ph idx="2" type="sldImg"/>
@@ -2068,7 +2008,7 @@
       </p:sp>
       <p:sp>
         <p:nvSpPr>
-          <p:cNvPr id="318" name="Google Shape;318;g42d579523a_18_0:notes"/>
+          <p:cNvPr id="302" name="Google Shape;302;g42d579523a_39_0:notes"/>
           <p:cNvSpPr txBox="1"/>
           <p:nvPr>
             <p:ph idx="1" type="body"/>
@@ -2088,6 +2028,134 @@
             <a:noAutofit/>
           </a:bodyPr>
           <a:lstStyle/>
+          <a:p>
+            <a:pPr indent="0" lvl="0" marL="0" rtl="0" algn="l">
+              <a:spcBef>
+                <a:spcPts val="0"/>
+              </a:spcBef>
+              <a:spcAft>
+                <a:spcPts val="0"/>
+              </a:spcAft>
+              <a:buNone/>
+            </a:pPr>
+            <a:r>
+              <a:rPr lang="fr"/>
+              <a:t>La solution élaborée au canevas précédent demande à être finement spécifiée. Ce canevas vous aide à identifier les </a:t>
+            </a:r>
+            <a:r>
+              <a:rPr lang="fr"/>
+              <a:t>multiples</a:t>
+            </a:r>
+            <a:r>
+              <a:rPr lang="fr"/>
+              <a:t> voies par lesquelles votre solution vient apporter apporter de la valeur à l’utilisateur final.</a:t>
+            </a:r>
+            <a:endParaRPr/>
+          </a:p>
+          <a:p>
+            <a:pPr indent="0" lvl="0" marL="0" rtl="0" algn="l">
+              <a:spcBef>
+                <a:spcPts val="0"/>
+              </a:spcBef>
+              <a:spcAft>
+                <a:spcPts val="0"/>
+              </a:spcAft>
+              <a:buNone/>
+            </a:pPr>
+            <a:r>
+              <a:t/>
+            </a:r>
+            <a:endParaRPr/>
+          </a:p>
+          <a:p>
+            <a:pPr indent="-298450" lvl="0" marL="457200" rtl="0" algn="l">
+              <a:spcBef>
+                <a:spcPts val="0"/>
+              </a:spcBef>
+              <a:spcAft>
+                <a:spcPts val="0"/>
+              </a:spcAft>
+              <a:buSzPts val="1100"/>
+              <a:buChar char="-"/>
+            </a:pPr>
+            <a:r>
+              <a:rPr lang="fr">
+                <a:solidFill>
+                  <a:schemeClr val="dk1"/>
+                </a:solidFill>
+              </a:rPr>
+              <a:t>Case du centre : définissez les caractéristiques de votre solution: est-ce une app, un objet, un process, ...</a:t>
+            </a:r>
+            <a:endParaRPr/>
+          </a:p>
+          <a:p>
+            <a:pPr indent="-298450" lvl="0" marL="457200" rtl="0" algn="l">
+              <a:spcBef>
+                <a:spcPts val="0"/>
+              </a:spcBef>
+              <a:spcAft>
+                <a:spcPts val="0"/>
+              </a:spcAft>
+              <a:buSzPts val="1100"/>
+              <a:buChar char="-"/>
+            </a:pPr>
+            <a:r>
+              <a:rPr lang="fr"/>
+              <a:t>Case en haut à gauche : expliquez en quoi la solution vient aider l’utilisatrice à accomplir / réaliser le service</a:t>
+            </a:r>
+            <a:endParaRPr/>
+          </a:p>
+          <a:p>
+            <a:pPr indent="-298450" lvl="0" marL="457200" rtl="0" algn="l">
+              <a:spcBef>
+                <a:spcPts val="0"/>
+              </a:spcBef>
+              <a:spcAft>
+                <a:spcPts val="0"/>
+              </a:spcAft>
+              <a:buSzPts val="1100"/>
+              <a:buChar char="-"/>
+            </a:pPr>
+            <a:r>
+              <a:rPr lang="fr"/>
+              <a:t>Case en bas à gauche : les contraintes identifiées dans le canevas #4 doivent trouver ici une forme de solution</a:t>
+            </a:r>
+            <a:endParaRPr/>
+          </a:p>
+          <a:p>
+            <a:pPr indent="-298450" lvl="0" marL="457200" rtl="0" algn="l">
+              <a:spcBef>
+                <a:spcPts val="0"/>
+              </a:spcBef>
+              <a:spcAft>
+                <a:spcPts val="0"/>
+              </a:spcAft>
+              <a:buSzPts val="1100"/>
+              <a:buChar char="-"/>
+            </a:pPr>
+            <a:r>
+              <a:rPr lang="fr"/>
+              <a:t>Case en haut à droite : en quoi les aspirations de l’utilisatrice sont elles rendues réalisables par votre solution?</a:t>
+            </a:r>
+            <a:endParaRPr/>
+          </a:p>
+          <a:p>
+            <a:pPr indent="-298450" lvl="0" marL="457200" rtl="0" algn="l">
+              <a:spcBef>
+                <a:spcPts val="0"/>
+              </a:spcBef>
+              <a:spcAft>
+                <a:spcPts val="0"/>
+              </a:spcAft>
+              <a:buSzPts val="1100"/>
+              <a:buChar char="-"/>
+            </a:pPr>
+            <a:r>
+              <a:rPr lang="fr"/>
+              <a:t>Case en bas à droite : définissez des indicateurs objectifs sur lesquels votre utilisateur pourra mesurer ses progrès</a:t>
+            </a:r>
+            <a:endParaRPr/>
+          </a:p>
           <a:p>
             <a:pPr indent="0" lvl="0" marL="0" rtl="0" algn="l">
               <a:spcBef>
@@ -2118,7 +2186,7 @@
   <p:cSld>
     <p:spTree>
       <p:nvGrpSpPr>
-        <p:cNvPr id="345" name="Shape 345"/>
+        <p:cNvPr id="326" name="Shape 326"/>
         <p:cNvGrpSpPr/>
         <p:nvPr/>
       </p:nvGrpSpPr>
@@ -2132,7 +2200,7 @@
       </p:grpSpPr>
       <p:sp>
         <p:nvSpPr>
-          <p:cNvPr id="346" name="Google Shape;346;g42d579523a_10_0:notes"/>
+          <p:cNvPr id="327" name="Google Shape;327;g42d579523a_18_0:notes"/>
           <p:cNvSpPr/>
           <p:nvPr>
             <p:ph idx="2" type="sldImg"/>
@@ -2140,7 +2208,7 @@
         </p:nvSpPr>
         <p:spPr>
           <a:xfrm>
-            <a:off x="1143298" y="685800"/>
+            <a:off x="1143309" y="685800"/>
             <a:ext cx="4572000" cy="3429000"/>
           </a:xfrm>
           <a:custGeom>
@@ -2167,7 +2235,7 @@
       </p:sp>
       <p:sp>
         <p:nvSpPr>
-          <p:cNvPr id="347" name="Google Shape;347;g42d579523a_10_0:notes"/>
+          <p:cNvPr id="328" name="Google Shape;328;g42d579523a_18_0:notes"/>
           <p:cNvSpPr txBox="1"/>
           <p:nvPr>
             <p:ph idx="1" type="body"/>
@@ -2217,7 +2285,7 @@
   <p:cSld>
     <p:spTree>
       <p:nvGrpSpPr>
-        <p:cNvPr id="353" name="Shape 353"/>
+        <p:cNvPr id="355" name="Shape 355"/>
         <p:cNvGrpSpPr/>
         <p:nvPr/>
       </p:nvGrpSpPr>
@@ -2231,7 +2299,7 @@
       </p:grpSpPr>
       <p:sp>
         <p:nvSpPr>
-          <p:cNvPr id="354" name="Google Shape;354;g2a203d2a6ee_0_62:notes"/>
+          <p:cNvPr id="356" name="Google Shape;356;g42d579523a_10_0:notes"/>
           <p:cNvSpPr/>
           <p:nvPr>
             <p:ph idx="2" type="sldImg"/>
@@ -2239,7 +2307,7 @@
         </p:nvSpPr>
         <p:spPr>
           <a:xfrm>
-            <a:off x="1143309" y="685800"/>
+            <a:off x="1143298" y="685800"/>
             <a:ext cx="4572000" cy="3429000"/>
           </a:xfrm>
           <a:custGeom>
@@ -2266,7 +2334,7 @@
       </p:sp>
       <p:sp>
         <p:nvSpPr>
-          <p:cNvPr id="355" name="Google Shape;355;g2a203d2a6ee_0_62:notes"/>
+          <p:cNvPr id="357" name="Google Shape;357;g42d579523a_10_0:notes"/>
           <p:cNvSpPr txBox="1"/>
           <p:nvPr>
             <p:ph idx="1" type="body"/>
@@ -2366,6 +2434,105 @@
       <p:sp>
         <p:nvSpPr>
           <p:cNvPr id="61" name="Google Shape;61;gdc20760017_0_0:notes"/>
+          <p:cNvSpPr txBox="1"/>
+          <p:nvPr>
+            <p:ph idx="1" type="body"/>
+          </p:nvPr>
+        </p:nvSpPr>
+        <p:spPr>
+          <a:xfrm>
+            <a:off x="685800" y="4343400"/>
+            <a:ext cx="5486400" cy="4114800"/>
+          </a:xfrm>
+          <a:prstGeom prst="rect">
+            <a:avLst/>
+          </a:prstGeom>
+        </p:spPr>
+        <p:txBody>
+          <a:bodyPr anchorCtr="0" anchor="t" bIns="91425" lIns="91425" spcFirstLastPara="1" rIns="91425" wrap="square" tIns="91425">
+            <a:noAutofit/>
+          </a:bodyPr>
+          <a:lstStyle/>
+          <a:p>
+            <a:pPr indent="0" lvl="0" marL="0" rtl="0" algn="l">
+              <a:spcBef>
+                <a:spcPts val="0"/>
+              </a:spcBef>
+              <a:spcAft>
+                <a:spcPts val="0"/>
+              </a:spcAft>
+              <a:buNone/>
+            </a:pPr>
+            <a:r>
+              <a:t/>
+            </a:r>
+            <a:endParaRPr/>
+          </a:p>
+        </p:txBody>
+      </p:sp>
+    </p:spTree>
+  </p:cSld>
+  <p:clrMapOvr>
+    <a:masterClrMapping/>
+  </p:clrMapOvr>
+</p:notes>
+</file>
+
+<file path=ppt/notesSlides/notesSlide20.xml><?xml version="1.0" encoding="utf-8"?>
+<p:notes xmlns:a="http://schemas.openxmlformats.org/drawingml/2006/main" xmlns:r="http://schemas.openxmlformats.org/officeDocument/2006/relationships" xmlns:mc="http://schemas.openxmlformats.org/markup-compatibility/2006" xmlns:mv="urn:schemas-microsoft-com:mac:vml" xmlns:p="http://schemas.openxmlformats.org/presentationml/2006/main" xmlns:c="http://schemas.openxmlformats.org/drawingml/2006/chart" xmlns:dgm="http://schemas.openxmlformats.org/drawingml/2006/diagram" xmlns:o="urn:schemas-microsoft-com:office:office" xmlns:v="urn:schemas-microsoft-com:vml" xmlns:pvml="urn:schemas-microsoft-com:office:powerpoint" xmlns:com="http://schemas.openxmlformats.org/drawingml/2006/compatibility" xmlns:p14="http://schemas.microsoft.com/office/powerpoint/2010/main" xmlns:p15="http://schemas.microsoft.com/office/powerpoint/2012/main" xmlns:ahyp="http://schemas.microsoft.com/office/drawing/2018/hyperlinkcolor" showMasterPhAnim="0" showMasterSp="0">
+  <p:cSld>
+    <p:spTree>
+      <p:nvGrpSpPr>
+        <p:cNvPr id="363" name="Shape 363"/>
+        <p:cNvGrpSpPr/>
+        <p:nvPr/>
+      </p:nvGrpSpPr>
+      <p:grpSpPr>
+        <a:xfrm>
+          <a:off x="0" y="0"/>
+          <a:ext cx="0" cy="0"/>
+          <a:chOff x="0" y="0"/>
+          <a:chExt cx="0" cy="0"/>
+        </a:xfrm>
+      </p:grpSpPr>
+      <p:sp>
+        <p:nvSpPr>
+          <p:cNvPr id="364" name="Google Shape;364;g2a203d2a6ee_0_62:notes"/>
+          <p:cNvSpPr/>
+          <p:nvPr>
+            <p:ph idx="2" type="sldImg"/>
+          </p:nvPr>
+        </p:nvSpPr>
+        <p:spPr>
+          <a:xfrm>
+            <a:off x="1143309" y="685800"/>
+            <a:ext cx="4572000" cy="3429000"/>
+          </a:xfrm>
+          <a:custGeom>
+            <a:rect b="b" l="l" r="r" t="t"/>
+            <a:pathLst>
+              <a:path extrusionOk="0" h="120000" w="120000">
+                <a:moveTo>
+                  <a:pt x="0" y="0"/>
+                </a:moveTo>
+                <a:lnTo>
+                  <a:pt x="120000" y="0"/>
+                </a:lnTo>
+                <a:lnTo>
+                  <a:pt x="120000" y="120000"/>
+                </a:lnTo>
+                <a:lnTo>
+                  <a:pt x="0" y="120000"/>
+                </a:lnTo>
+                <a:close/>
+              </a:path>
+            </a:pathLst>
+          </a:custGeom>
+        </p:spPr>
+      </p:sp>
+      <p:sp>
+        <p:nvSpPr>
+          <p:cNvPr id="365" name="Google Shape;365;g2a203d2a6ee_0_62:notes"/>
           <p:cNvSpPr txBox="1"/>
           <p:nvPr>
             <p:ph idx="1" type="body"/>
@@ -10252,6 +10419,123 @@
           </a:p>
         </p:txBody>
       </p:sp>
+      <p:sp>
+        <p:nvSpPr>
+          <p:cNvPr id="207" name="Google Shape;207;p23"/>
+          <p:cNvSpPr/>
+          <p:nvPr/>
+        </p:nvSpPr>
+        <p:spPr>
+          <a:xfrm>
+            <a:off x="845250" y="3195275"/>
+            <a:ext cx="1671300" cy="537600"/>
+          </a:xfrm>
+          <a:prstGeom prst="roundRect">
+            <a:avLst>
+              <a:gd fmla="val 16667" name="adj"/>
+            </a:avLst>
+          </a:prstGeom>
+          <a:solidFill>
+            <a:srgbClr val="FFE599"/>
+          </a:solidFill>
+          <a:ln cap="flat" cmpd="sng" w="9525">
+            <a:solidFill>
+              <a:schemeClr val="dk2"/>
+            </a:solidFill>
+            <a:prstDash val="solid"/>
+            <a:round/>
+            <a:headEnd len="sm" w="sm" type="none"/>
+            <a:tailEnd len="sm" w="sm" type="none"/>
+          </a:ln>
+        </p:spPr>
+        <p:txBody>
+          <a:bodyPr anchorCtr="0" anchor="ctr" bIns="91425" lIns="91425" spcFirstLastPara="1" rIns="91425" wrap="square" tIns="91425">
+            <a:noAutofit/>
+          </a:bodyPr>
+          <a:lstStyle/>
+          <a:p>
+            <a:pPr indent="0" lvl="0" marL="0" rtl="0" algn="ctr">
+              <a:spcBef>
+                <a:spcPts val="0"/>
+              </a:spcBef>
+              <a:spcAft>
+                <a:spcPts val="0"/>
+              </a:spcAft>
+              <a:buClr>
+                <a:schemeClr val="dk1"/>
+              </a:buClr>
+              <a:buSzPts val="1100"/>
+              <a:buFont typeface="Arial"/>
+              <a:buNone/>
+            </a:pPr>
+            <a:r>
+              <a:rPr i="1" lang="fr" sz="1000">
+                <a:solidFill>
+                  <a:schemeClr val="dk1"/>
+                </a:solidFill>
+              </a:rPr>
+              <a:t>Les opportunités et limites de son cadre d’action</a:t>
+            </a:r>
+            <a:endParaRPr i="1" sz="1100"/>
+          </a:p>
+        </p:txBody>
+      </p:sp>
+      <p:sp>
+        <p:nvSpPr>
+          <p:cNvPr id="208" name="Google Shape;208;p23"/>
+          <p:cNvSpPr/>
+          <p:nvPr/>
+        </p:nvSpPr>
+        <p:spPr>
+          <a:xfrm>
+            <a:off x="7224275" y="3161350"/>
+            <a:ext cx="1458000" cy="537600"/>
+          </a:xfrm>
+          <a:prstGeom prst="roundRect">
+            <a:avLst>
+              <a:gd fmla="val 16667" name="adj"/>
+            </a:avLst>
+          </a:prstGeom>
+          <a:solidFill>
+            <a:srgbClr val="FFE599"/>
+          </a:solidFill>
+          <a:ln cap="flat" cmpd="sng" w="9525">
+            <a:solidFill>
+              <a:schemeClr val="dk2"/>
+            </a:solidFill>
+            <a:prstDash val="solid"/>
+            <a:round/>
+            <a:headEnd len="sm" w="sm" type="none"/>
+            <a:tailEnd len="sm" w="sm" type="none"/>
+          </a:ln>
+        </p:spPr>
+        <p:txBody>
+          <a:bodyPr anchorCtr="0" anchor="ctr" bIns="91425" lIns="91425" spcFirstLastPara="1" rIns="91425" wrap="square" tIns="91425">
+            <a:noAutofit/>
+          </a:bodyPr>
+          <a:lstStyle/>
+          <a:p>
+            <a:pPr indent="0" lvl="0" marL="0" rtl="0" algn="ctr">
+              <a:spcBef>
+                <a:spcPts val="0"/>
+              </a:spcBef>
+              <a:spcAft>
+                <a:spcPts val="0"/>
+              </a:spcAft>
+              <a:buNone/>
+            </a:pPr>
+            <a:r>
+              <a:rPr i="1" lang="fr" sz="1000">
+                <a:solidFill>
+                  <a:schemeClr val="dk1"/>
+                </a:solidFill>
+              </a:rPr>
+              <a:t>Ce que l’utilisateur désire accomplir</a:t>
+            </a:r>
+            <a:endParaRPr i="1" sz="1100"/>
+          </a:p>
+        </p:txBody>
+      </p:sp>
     </p:spTree>
   </p:cSld>
   <p:clrMapOvr>
@@ -10265,7 +10549,7 @@
   <p:cSld>
     <p:spTree>
       <p:nvGrpSpPr>
-        <p:cNvPr id="210" name="Shape 210"/>
+        <p:cNvPr id="212" name="Shape 212"/>
         <p:cNvGrpSpPr/>
         <p:nvPr/>
       </p:nvGrpSpPr>
@@ -10279,7 +10563,7 @@
       </p:grpSpPr>
       <p:sp>
         <p:nvSpPr>
-          <p:cNvPr id="211" name="Google Shape;211;p24"/>
+          <p:cNvPr id="213" name="Google Shape;213;p24"/>
           <p:cNvSpPr/>
           <p:nvPr/>
         </p:nvSpPr>
@@ -10326,7 +10610,7 @@
       </p:sp>
       <p:cxnSp>
         <p:nvCxnSpPr>
-          <p:cNvPr id="212" name="Google Shape;212;p24"/>
+          <p:cNvPr id="214" name="Google Shape;214;p24"/>
           <p:cNvCxnSpPr/>
           <p:nvPr/>
         </p:nvCxnSpPr>
@@ -10352,10 +10636,10 @@
       </p:cxnSp>
       <p:cxnSp>
         <p:nvCxnSpPr>
-          <p:cNvPr id="213" name="Google Shape;213;p24"/>
+          <p:cNvPr id="215" name="Google Shape;215;p24"/>
           <p:cNvCxnSpPr>
-            <a:stCxn id="211" idx="2"/>
-            <a:endCxn id="211" idx="0"/>
+            <a:stCxn id="213" idx="2"/>
+            <a:endCxn id="213" idx="0"/>
           </p:cNvCxnSpPr>
           <p:nvPr/>
         </p:nvCxnSpPr>
@@ -10381,7 +10665,7 @@
       </p:cxnSp>
       <p:cxnSp>
         <p:nvCxnSpPr>
-          <p:cNvPr id="214" name="Google Shape;214;p24"/>
+          <p:cNvPr id="216" name="Google Shape;216;p24"/>
           <p:cNvCxnSpPr/>
           <p:nvPr/>
         </p:nvCxnSpPr>
@@ -10407,7 +10691,7 @@
       </p:cxnSp>
       <p:sp>
         <p:nvSpPr>
-          <p:cNvPr id="215" name="Google Shape;215;p24"/>
+          <p:cNvPr id="217" name="Google Shape;217;p24"/>
           <p:cNvSpPr txBox="1"/>
           <p:nvPr/>
         </p:nvSpPr>
@@ -10442,90 +10726,6 @@
             <a:r>
               <a:rPr lang="fr"/>
               <a:t>via des objets (connectés)</a:t>
-            </a:r>
-            <a:endParaRPr/>
-          </a:p>
-        </p:txBody>
-      </p:sp>
-      <p:sp>
-        <p:nvSpPr>
-          <p:cNvPr id="216" name="Google Shape;216;p24"/>
-          <p:cNvSpPr txBox="1"/>
-          <p:nvPr/>
-        </p:nvSpPr>
-        <p:spPr>
-          <a:xfrm>
-            <a:off x="5595725" y="981175"/>
-            <a:ext cx="1508100" cy="412800"/>
-          </a:xfrm>
-          <a:prstGeom prst="rect">
-            <a:avLst/>
-          </a:prstGeom>
-          <a:noFill/>
-          <a:ln>
-            <a:noFill/>
-          </a:ln>
-        </p:spPr>
-        <p:txBody>
-          <a:bodyPr anchorCtr="0" anchor="ctr" bIns="91425" lIns="91425" spcFirstLastPara="1" rIns="91425" wrap="square" tIns="91425">
-            <a:noAutofit/>
-          </a:bodyPr>
-          <a:lstStyle/>
-          <a:p>
-            <a:pPr indent="0" lvl="0" marL="0" rtl="0" algn="ctr">
-              <a:spcBef>
-                <a:spcPts val="0"/>
-              </a:spcBef>
-              <a:spcAft>
-                <a:spcPts val="0"/>
-              </a:spcAft>
-              <a:buNone/>
-            </a:pPr>
-            <a:r>
-              <a:rPr lang="fr"/>
-              <a:t>Données personnelles</a:t>
-            </a:r>
-            <a:endParaRPr/>
-          </a:p>
-        </p:txBody>
-      </p:sp>
-      <p:sp>
-        <p:nvSpPr>
-          <p:cNvPr id="217" name="Google Shape;217;p24"/>
-          <p:cNvSpPr txBox="1"/>
-          <p:nvPr/>
-        </p:nvSpPr>
-        <p:spPr>
-          <a:xfrm>
-            <a:off x="6868050" y="4410950"/>
-            <a:ext cx="1508100" cy="412800"/>
-          </a:xfrm>
-          <a:prstGeom prst="rect">
-            <a:avLst/>
-          </a:prstGeom>
-          <a:noFill/>
-          <a:ln>
-            <a:noFill/>
-          </a:ln>
-        </p:spPr>
-        <p:txBody>
-          <a:bodyPr anchorCtr="0" anchor="ctr" bIns="91425" lIns="91425" spcFirstLastPara="1" rIns="91425" wrap="square" tIns="91425">
-            <a:noAutofit/>
-          </a:bodyPr>
-          <a:lstStyle/>
-          <a:p>
-            <a:pPr indent="0" lvl="0" marL="0" rtl="0" algn="ctr">
-              <a:spcBef>
-                <a:spcPts val="0"/>
-              </a:spcBef>
-              <a:spcAft>
-                <a:spcPts val="0"/>
-              </a:spcAft>
-              <a:buNone/>
-            </a:pPr>
-            <a:r>
-              <a:rPr lang="fr"/>
-              <a:t>données en ligne / web (scrapping, etc.)</a:t>
             </a:r>
             <a:endParaRPr/>
           </a:p>
@@ -10539,8 +10739,8 @@
         </p:nvSpPr>
         <p:spPr>
           <a:xfrm>
-            <a:off x="1656425" y="5949850"/>
-            <a:ext cx="2566800" cy="412800"/>
+            <a:off x="5595725" y="981175"/>
+            <a:ext cx="1508100" cy="412800"/>
           </a:xfrm>
           <a:prstGeom prst="rect">
             <a:avLst/>
@@ -10567,7 +10767,7 @@
             </a:pPr>
             <a:r>
               <a:rPr lang="fr"/>
-              <a:t>liées à un événement</a:t>
+              <a:t>Données personnelles</a:t>
             </a:r>
             <a:endParaRPr/>
           </a:p>
@@ -10581,8 +10781,8 @@
         </p:nvSpPr>
         <p:spPr>
           <a:xfrm>
-            <a:off x="5129550" y="5894100"/>
-            <a:ext cx="2943900" cy="412800"/>
+            <a:off x="6868050" y="4410950"/>
+            <a:ext cx="1508100" cy="412800"/>
           </a:xfrm>
           <a:prstGeom prst="rect">
             <a:avLst/>
@@ -10609,7 +10809,7 @@
             </a:pPr>
             <a:r>
               <a:rPr lang="fr"/>
-              <a:t>Données ouvertes</a:t>
+              <a:t>données en ligne / web (scrapping, etc.)</a:t>
             </a:r>
             <a:endParaRPr/>
           </a:p>
@@ -10623,8 +10823,8 @@
         </p:nvSpPr>
         <p:spPr>
           <a:xfrm>
-            <a:off x="572550" y="4348058"/>
-            <a:ext cx="1508100" cy="1007100"/>
+            <a:off x="1656425" y="5949850"/>
+            <a:ext cx="2566800" cy="412800"/>
           </a:xfrm>
           <a:prstGeom prst="rect">
             <a:avLst/>
@@ -10651,7 +10851,7 @@
             </a:pPr>
             <a:r>
               <a:rPr lang="fr"/>
-              <a:t>venant d’archives / de sources historiques</a:t>
+              <a:t>liées à un événement</a:t>
             </a:r>
             <a:endParaRPr/>
           </a:p>
@@ -10665,8 +10865,8 @@
         </p:nvSpPr>
         <p:spPr>
           <a:xfrm>
-            <a:off x="438075" y="0"/>
-            <a:ext cx="4776900" cy="596400"/>
+            <a:off x="5129550" y="5894100"/>
+            <a:ext cx="2943900" cy="412800"/>
           </a:xfrm>
           <a:prstGeom prst="rect">
             <a:avLst/>
@@ -10677,33 +10877,25 @@
           </a:ln>
         </p:spPr>
         <p:txBody>
-          <a:bodyPr anchorCtr="0" anchor="t" bIns="91425" lIns="91425" spcFirstLastPara="1" rIns="91425" wrap="square" tIns="91425">
+          <a:bodyPr anchorCtr="0" anchor="ctr" bIns="91425" lIns="91425" spcFirstLastPara="1" rIns="91425" wrap="square" tIns="91425">
             <a:noAutofit/>
           </a:bodyPr>
           <a:lstStyle/>
           <a:p>
-            <a:pPr indent="0" lvl="0" marL="0" rtl="0" algn="l">
-              <a:spcBef>
-                <a:spcPts val="0"/>
-              </a:spcBef>
-              <a:spcAft>
-                <a:spcPts val="0"/>
-              </a:spcAft>
-              <a:buNone/>
-            </a:pPr>
-            <a:r>
-              <a:rPr b="1" lang="fr" sz="1600">
-                <a:solidFill>
-                  <a:schemeClr val="accent1"/>
-                </a:solidFill>
-              </a:rPr>
-              <a:t>Canevas #05 - sources de données</a:t>
-            </a:r>
-            <a:endParaRPr b="1" sz="1600">
-              <a:solidFill>
-                <a:schemeClr val="accent1"/>
-              </a:solidFill>
-            </a:endParaRPr>
+            <a:pPr indent="0" lvl="0" marL="0" rtl="0" algn="ctr">
+              <a:spcBef>
+                <a:spcPts val="0"/>
+              </a:spcBef>
+              <a:spcAft>
+                <a:spcPts val="0"/>
+              </a:spcAft>
+              <a:buNone/>
+            </a:pPr>
+            <a:r>
+              <a:rPr lang="fr"/>
+              <a:t>Données ouvertes</a:t>
+            </a:r>
+            <a:endParaRPr/>
           </a:p>
         </p:txBody>
       </p:sp>
@@ -10715,8 +10907,8 @@
         </p:nvSpPr>
         <p:spPr>
           <a:xfrm>
-            <a:off x="638350" y="6520700"/>
-            <a:ext cx="8196300" cy="278100"/>
+            <a:off x="572550" y="4348058"/>
+            <a:ext cx="1508100" cy="1007100"/>
           </a:xfrm>
           <a:prstGeom prst="rect">
             <a:avLst/>
@@ -10732,20 +10924,20 @@
           </a:bodyPr>
           <a:lstStyle/>
           <a:p>
-            <a:pPr indent="0" lvl="0" marL="0" rtl="0" algn="l">
-              <a:spcBef>
-                <a:spcPts val="0"/>
-              </a:spcBef>
-              <a:spcAft>
-                <a:spcPts val="0"/>
-              </a:spcAft>
-              <a:buNone/>
-            </a:pPr>
-            <a:r>
-              <a:rPr b="1" lang="fr" sz="800"/>
-              <a:t>Copyright © 2017-2023, Guillaume Lecuyer et Clement Levallois. DDBM is for you to use without restriction in modeling your own or other people's businesses. License CC BY-SA 4.0 Deed</a:t>
-            </a:r>
-            <a:endParaRPr sz="800"/>
+            <a:pPr indent="0" lvl="0" marL="0" rtl="0" algn="ctr">
+              <a:spcBef>
+                <a:spcPts val="0"/>
+              </a:spcBef>
+              <a:spcAft>
+                <a:spcPts val="0"/>
+              </a:spcAft>
+              <a:buNone/>
+            </a:pPr>
+            <a:r>
+              <a:rPr lang="fr"/>
+              <a:t>venant d’archives / de sources historiques</a:t>
+            </a:r>
+            <a:endParaRPr/>
           </a:p>
         </p:txBody>
       </p:sp>
@@ -10757,8 +10949,8 @@
         </p:nvSpPr>
         <p:spPr>
           <a:xfrm>
-            <a:off x="7103825" y="1908400"/>
-            <a:ext cx="1508100" cy="412800"/>
+            <a:off x="438075" y="0"/>
+            <a:ext cx="4776900" cy="596400"/>
           </a:xfrm>
           <a:prstGeom prst="rect">
             <a:avLst/>
@@ -10769,25 +10961,33 @@
           </a:ln>
         </p:spPr>
         <p:txBody>
-          <a:bodyPr anchorCtr="0" anchor="ctr" bIns="91425" lIns="91425" spcFirstLastPara="1" rIns="91425" wrap="square" tIns="91425">
+          <a:bodyPr anchorCtr="0" anchor="t" bIns="91425" lIns="91425" spcFirstLastPara="1" rIns="91425" wrap="square" tIns="91425">
             <a:noAutofit/>
           </a:bodyPr>
           <a:lstStyle/>
           <a:p>
-            <a:pPr indent="0" lvl="0" marL="0" rtl="0" algn="ctr">
-              <a:spcBef>
-                <a:spcPts val="0"/>
-              </a:spcBef>
-              <a:spcAft>
-                <a:spcPts val="0"/>
-              </a:spcAft>
-              <a:buNone/>
-            </a:pPr>
-            <a:r>
-              <a:rPr lang="fr"/>
-              <a:t>via des APIs</a:t>
-            </a:r>
-            <a:endParaRPr/>
+            <a:pPr indent="0" lvl="0" marL="0" rtl="0" algn="l">
+              <a:spcBef>
+                <a:spcPts val="0"/>
+              </a:spcBef>
+              <a:spcAft>
+                <a:spcPts val="0"/>
+              </a:spcAft>
+              <a:buNone/>
+            </a:pPr>
+            <a:r>
+              <a:rPr b="1" lang="fr" sz="1600">
+                <a:solidFill>
+                  <a:schemeClr val="accent1"/>
+                </a:solidFill>
+              </a:rPr>
+              <a:t>Canevas #05 - sources de données</a:t>
+            </a:r>
+            <a:endParaRPr b="1" sz="1600">
+              <a:solidFill>
+                <a:schemeClr val="accent1"/>
+              </a:solidFill>
+            </a:endParaRPr>
           </a:p>
         </p:txBody>
       </p:sp>
@@ -10799,8 +10999,8 @@
         </p:nvSpPr>
         <p:spPr>
           <a:xfrm>
-            <a:off x="638375" y="2264575"/>
-            <a:ext cx="1633800" cy="650100"/>
+            <a:off x="638350" y="6520700"/>
+            <a:ext cx="8196300" cy="278100"/>
           </a:xfrm>
           <a:prstGeom prst="rect">
             <a:avLst/>
@@ -10826,6 +11026,90 @@
               <a:buNone/>
             </a:pPr>
             <a:r>
+              <a:rPr b="1" lang="fr" sz="800"/>
+              <a:t>Copyright © 2017-2023, Guillaume Lecuyer et Clement Levallois. DDBM is for you to use without restriction in modeling your own or other people's businesses. License CC BY-SA 4.0 Deed</a:t>
+            </a:r>
+            <a:endParaRPr sz="800"/>
+          </a:p>
+        </p:txBody>
+      </p:sp>
+      <p:sp>
+        <p:nvSpPr>
+          <p:cNvPr id="225" name="Google Shape;225;p24"/>
+          <p:cNvSpPr txBox="1"/>
+          <p:nvPr/>
+        </p:nvSpPr>
+        <p:spPr>
+          <a:xfrm>
+            <a:off x="7103825" y="1908400"/>
+            <a:ext cx="1508100" cy="412800"/>
+          </a:xfrm>
+          <a:prstGeom prst="rect">
+            <a:avLst/>
+          </a:prstGeom>
+          <a:noFill/>
+          <a:ln>
+            <a:noFill/>
+          </a:ln>
+        </p:spPr>
+        <p:txBody>
+          <a:bodyPr anchorCtr="0" anchor="ctr" bIns="91425" lIns="91425" spcFirstLastPara="1" rIns="91425" wrap="square" tIns="91425">
+            <a:noAutofit/>
+          </a:bodyPr>
+          <a:lstStyle/>
+          <a:p>
+            <a:pPr indent="0" lvl="0" marL="0" rtl="0" algn="ctr">
+              <a:spcBef>
+                <a:spcPts val="0"/>
+              </a:spcBef>
+              <a:spcAft>
+                <a:spcPts val="0"/>
+              </a:spcAft>
+              <a:buNone/>
+            </a:pPr>
+            <a:r>
+              <a:rPr lang="fr"/>
+              <a:t>via des APIs</a:t>
+            </a:r>
+            <a:endParaRPr/>
+          </a:p>
+        </p:txBody>
+      </p:sp>
+      <p:sp>
+        <p:nvSpPr>
+          <p:cNvPr id="226" name="Google Shape;226;p24"/>
+          <p:cNvSpPr txBox="1"/>
+          <p:nvPr/>
+        </p:nvSpPr>
+        <p:spPr>
+          <a:xfrm>
+            <a:off x="638375" y="2264575"/>
+            <a:ext cx="1633800" cy="650100"/>
+          </a:xfrm>
+          <a:prstGeom prst="rect">
+            <a:avLst/>
+          </a:prstGeom>
+          <a:noFill/>
+          <a:ln>
+            <a:noFill/>
+          </a:ln>
+        </p:spPr>
+        <p:txBody>
+          <a:bodyPr anchorCtr="0" anchor="ctr" bIns="91425" lIns="91425" spcFirstLastPara="1" rIns="91425" wrap="square" tIns="91425">
+            <a:noAutofit/>
+          </a:bodyPr>
+          <a:lstStyle/>
+          <a:p>
+            <a:pPr indent="0" lvl="0" marL="0" rtl="0" algn="l">
+              <a:spcBef>
+                <a:spcPts val="0"/>
+              </a:spcBef>
+              <a:spcAft>
+                <a:spcPts val="0"/>
+              </a:spcAft>
+              <a:buNone/>
+            </a:pPr>
+            <a:r>
               <a:rPr lang="fr"/>
               <a:t>données acquises auprès de vendeurs</a:t>
             </a:r>
@@ -10835,10 +11119,10 @@
       </p:sp>
       <p:cxnSp>
         <p:nvCxnSpPr>
-          <p:cNvPr id="225" name="Google Shape;225;p24"/>
+          <p:cNvPr id="227" name="Google Shape;227;p24"/>
           <p:cNvCxnSpPr>
-            <a:stCxn id="211" idx="1"/>
-            <a:endCxn id="211" idx="3"/>
+            <a:stCxn id="213" idx="1"/>
+            <a:endCxn id="213" idx="3"/>
           </p:cNvCxnSpPr>
           <p:nvPr/>
         </p:nvCxnSpPr>
@@ -10864,7 +11148,7 @@
       </p:cxnSp>
       <p:sp>
         <p:nvSpPr>
-          <p:cNvPr id="226" name="Google Shape;226;p24"/>
+          <p:cNvPr id="228" name="Google Shape;228;p24"/>
           <p:cNvSpPr/>
           <p:nvPr/>
         </p:nvSpPr>
@@ -10941,7 +11225,7 @@
   <p:cSld>
     <p:spTree>
       <p:nvGrpSpPr>
-        <p:cNvPr id="230" name="Shape 230"/>
+        <p:cNvPr id="232" name="Shape 232"/>
         <p:cNvGrpSpPr/>
         <p:nvPr/>
       </p:nvGrpSpPr>
@@ -10955,7 +11239,7 @@
       </p:grpSpPr>
       <p:sp>
         <p:nvSpPr>
-          <p:cNvPr id="231" name="Google Shape;231;p25"/>
+          <p:cNvPr id="233" name="Google Shape;233;p25"/>
           <p:cNvSpPr txBox="1"/>
           <p:nvPr/>
         </p:nvSpPr>
@@ -11005,7 +11289,7 @@
       </p:sp>
       <p:graphicFrame>
         <p:nvGraphicFramePr>
-          <p:cNvPr id="232" name="Google Shape;232;p25"/>
+          <p:cNvPr id="234" name="Google Shape;234;p25"/>
           <p:cNvGraphicFramePr/>
           <p:nvPr/>
         </p:nvGraphicFramePr>
@@ -11018,7 +11302,7 @@
             <a:tbl>
               <a:tblPr>
                 <a:noFill/>
-                <a:tableStyleId>{E6E7CAA3-9B1A-4DFF-A5A4-CB7AF06DA902}</a:tableStyleId>
+                <a:tableStyleId>{B23CE5A9-F1DB-48BC-8CF8-31BB7A3CC92A}</a:tableStyleId>
               </a:tblPr>
               <a:tblGrid>
                 <a:gridCol w="1513875"/>
@@ -13089,7 +13373,7 @@
       </p:graphicFrame>
       <p:sp>
         <p:nvSpPr>
-          <p:cNvPr id="233" name="Google Shape;233;p25"/>
+          <p:cNvPr id="235" name="Google Shape;235;p25"/>
           <p:cNvSpPr txBox="1"/>
           <p:nvPr/>
         </p:nvSpPr>
@@ -13142,7 +13426,7 @@
   <p:cSld>
     <p:spTree>
       <p:nvGrpSpPr>
-        <p:cNvPr id="237" name="Shape 237"/>
+        <p:cNvPr id="239" name="Shape 239"/>
         <p:cNvGrpSpPr/>
         <p:nvPr/>
       </p:nvGrpSpPr>
@@ -13156,7 +13440,7 @@
       </p:grpSpPr>
       <p:sp>
         <p:nvSpPr>
-          <p:cNvPr id="238" name="Google Shape;238;p26"/>
+          <p:cNvPr id="240" name="Google Shape;240;p26"/>
           <p:cNvSpPr txBox="1"/>
           <p:nvPr/>
         </p:nvSpPr>
@@ -13246,7 +13530,7 @@
       </p:sp>
       <p:sp>
         <p:nvSpPr>
-          <p:cNvPr id="239" name="Google Shape;239;p26"/>
+          <p:cNvPr id="241" name="Google Shape;241;p26"/>
           <p:cNvSpPr txBox="1"/>
           <p:nvPr/>
         </p:nvSpPr>
@@ -13288,7 +13572,7 @@
       </p:sp>
       <p:sp>
         <p:nvSpPr>
-          <p:cNvPr id="240" name="Google Shape;240;p26"/>
+          <p:cNvPr id="242" name="Google Shape;242;p26"/>
           <p:cNvSpPr txBox="1"/>
           <p:nvPr/>
         </p:nvSpPr>
@@ -13368,7 +13652,7 @@
       </p:sp>
       <p:sp>
         <p:nvSpPr>
-          <p:cNvPr id="241" name="Google Shape;241;p26"/>
+          <p:cNvPr id="243" name="Google Shape;243;p26"/>
           <p:cNvSpPr txBox="1"/>
           <p:nvPr/>
         </p:nvSpPr>
@@ -13448,7 +13732,7 @@
       </p:sp>
       <p:sp>
         <p:nvSpPr>
-          <p:cNvPr id="242" name="Google Shape;242;p26"/>
+          <p:cNvPr id="244" name="Google Shape;244;p26"/>
           <p:cNvSpPr/>
           <p:nvPr/>
         </p:nvSpPr>
@@ -13498,7 +13782,7 @@
       </p:sp>
       <p:sp>
         <p:nvSpPr>
-          <p:cNvPr id="243" name="Google Shape;243;p26"/>
+          <p:cNvPr id="245" name="Google Shape;245;p26"/>
           <p:cNvSpPr txBox="1"/>
           <p:nvPr/>
         </p:nvSpPr>
@@ -13728,7 +14012,7 @@
       </p:sp>
       <p:sp>
         <p:nvSpPr>
-          <p:cNvPr id="244" name="Google Shape;244;p26"/>
+          <p:cNvPr id="246" name="Google Shape;246;p26"/>
           <p:cNvSpPr txBox="1"/>
           <p:nvPr/>
         </p:nvSpPr>
@@ -13808,7 +14092,7 @@
       </p:sp>
       <p:sp>
         <p:nvSpPr>
-          <p:cNvPr id="245" name="Google Shape;245;p26"/>
+          <p:cNvPr id="247" name="Google Shape;247;p26"/>
           <p:cNvSpPr/>
           <p:nvPr/>
         </p:nvSpPr>
@@ -13858,7 +14142,7 @@
       </p:sp>
       <p:sp>
         <p:nvSpPr>
-          <p:cNvPr id="246" name="Google Shape;246;p26"/>
+          <p:cNvPr id="248" name="Google Shape;248;p26"/>
           <p:cNvSpPr txBox="1"/>
           <p:nvPr/>
         </p:nvSpPr>
@@ -14123,7 +14407,7 @@
       </p:sp>
       <p:sp>
         <p:nvSpPr>
-          <p:cNvPr id="247" name="Google Shape;247;p26"/>
+          <p:cNvPr id="249" name="Google Shape;249;p26"/>
           <p:cNvSpPr txBox="1"/>
           <p:nvPr/>
         </p:nvSpPr>
@@ -14203,7 +14487,7 @@
       </p:sp>
       <p:sp>
         <p:nvSpPr>
-          <p:cNvPr id="248" name="Google Shape;248;p26"/>
+          <p:cNvPr id="250" name="Google Shape;250;p26"/>
           <p:cNvSpPr/>
           <p:nvPr/>
         </p:nvSpPr>
@@ -14253,7 +14537,7 @@
       </p:sp>
       <p:sp>
         <p:nvSpPr>
-          <p:cNvPr id="249" name="Google Shape;249;p26"/>
+          <p:cNvPr id="251" name="Google Shape;251;p26"/>
           <p:cNvSpPr txBox="1"/>
           <p:nvPr/>
         </p:nvSpPr>
@@ -14470,7 +14754,7 @@
       </p:sp>
       <p:sp>
         <p:nvSpPr>
-          <p:cNvPr id="250" name="Google Shape;250;p26"/>
+          <p:cNvPr id="252" name="Google Shape;252;p26"/>
           <p:cNvSpPr/>
           <p:nvPr/>
         </p:nvSpPr>
@@ -14520,7 +14804,7 @@
       </p:sp>
       <p:sp>
         <p:nvSpPr>
-          <p:cNvPr id="251" name="Google Shape;251;p26"/>
+          <p:cNvPr id="253" name="Google Shape;253;p26"/>
           <p:cNvSpPr txBox="1"/>
           <p:nvPr/>
         </p:nvSpPr>
@@ -14586,7 +14870,7 @@
       </p:sp>
       <p:sp>
         <p:nvSpPr>
-          <p:cNvPr id="252" name="Google Shape;252;p26"/>
+          <p:cNvPr id="254" name="Google Shape;254;p26"/>
           <p:cNvSpPr txBox="1"/>
           <p:nvPr/>
         </p:nvSpPr>
@@ -14633,7 +14917,7 @@
       </p:sp>
       <p:pic>
         <p:nvPicPr>
-          <p:cNvPr id="253" name="Google Shape;253;p26"/>
+          <p:cNvPr id="255" name="Google Shape;255;p26"/>
           <p:cNvPicPr preferRelativeResize="0"/>
           <p:nvPr/>
         </p:nvPicPr>
@@ -14661,7 +14945,7 @@
       </p:pic>
       <p:pic>
         <p:nvPicPr>
-          <p:cNvPr id="254" name="Google Shape;254;p26"/>
+          <p:cNvPr id="256" name="Google Shape;256;p26"/>
           <p:cNvPicPr preferRelativeResize="0"/>
           <p:nvPr/>
         </p:nvPicPr>
@@ -14689,7 +14973,7 @@
       </p:pic>
       <p:pic>
         <p:nvPicPr>
-          <p:cNvPr id="255" name="Google Shape;255;p26"/>
+          <p:cNvPr id="257" name="Google Shape;257;p26"/>
           <p:cNvPicPr preferRelativeResize="0"/>
           <p:nvPr/>
         </p:nvPicPr>
@@ -14717,7 +15001,7 @@
       </p:pic>
       <p:pic>
         <p:nvPicPr>
-          <p:cNvPr id="256" name="Google Shape;256;p26"/>
+          <p:cNvPr id="258" name="Google Shape;258;p26"/>
           <p:cNvPicPr preferRelativeResize="0"/>
           <p:nvPr/>
         </p:nvPicPr>
@@ -14745,7 +15029,7 @@
       </p:pic>
       <p:pic>
         <p:nvPicPr>
-          <p:cNvPr id="257" name="Google Shape;257;p26"/>
+          <p:cNvPr id="259" name="Google Shape;259;p26"/>
           <p:cNvPicPr preferRelativeResize="0"/>
           <p:nvPr/>
         </p:nvPicPr>
@@ -14773,7 +15057,7 @@
       </p:pic>
       <p:pic>
         <p:nvPicPr>
-          <p:cNvPr id="258" name="Google Shape;258;p26"/>
+          <p:cNvPr id="260" name="Google Shape;260;p26"/>
           <p:cNvPicPr preferRelativeResize="0"/>
           <p:nvPr/>
         </p:nvPicPr>
@@ -14800,7 +15084,7 @@
       </p:pic>
       <p:pic>
         <p:nvPicPr>
-          <p:cNvPr id="259" name="Google Shape;259;p26"/>
+          <p:cNvPr id="261" name="Google Shape;261;p26"/>
           <p:cNvPicPr preferRelativeResize="0"/>
           <p:nvPr/>
         </p:nvPicPr>
@@ -14828,7 +15112,7 @@
       </p:pic>
       <p:pic>
         <p:nvPicPr>
-          <p:cNvPr id="260" name="Google Shape;260;p26"/>
+          <p:cNvPr id="262" name="Google Shape;262;p26"/>
           <p:cNvPicPr preferRelativeResize="0"/>
           <p:nvPr/>
         </p:nvPicPr>
@@ -14856,7 +15140,7 @@
       </p:pic>
       <p:pic>
         <p:nvPicPr>
-          <p:cNvPr id="261" name="Google Shape;261;p26"/>
+          <p:cNvPr id="263" name="Google Shape;263;p26"/>
           <p:cNvPicPr preferRelativeResize="0"/>
           <p:nvPr/>
         </p:nvPicPr>
@@ -14884,7 +15168,7 @@
       </p:pic>
       <p:pic>
         <p:nvPicPr>
-          <p:cNvPr id="262" name="Google Shape;262;p26"/>
+          <p:cNvPr id="264" name="Google Shape;264;p26"/>
           <p:cNvPicPr preferRelativeResize="0"/>
           <p:nvPr/>
         </p:nvPicPr>
@@ -14912,7 +15196,7 @@
       </p:pic>
       <p:sp>
         <p:nvSpPr>
-          <p:cNvPr id="263" name="Google Shape;263;p26"/>
+          <p:cNvPr id="265" name="Google Shape;265;p26"/>
           <p:cNvSpPr txBox="1"/>
           <p:nvPr/>
         </p:nvSpPr>
@@ -14960,98 +15244,6 @@
                 <a:schemeClr val="dk1"/>
               </a:solidFill>
             </a:endParaRPr>
-          </a:p>
-        </p:txBody>
-      </p:sp>
-      <p:sp>
-        <p:nvSpPr>
-          <p:cNvPr id="264" name="Google Shape;264;p26"/>
-          <p:cNvSpPr txBox="1"/>
-          <p:nvPr/>
-        </p:nvSpPr>
-        <p:spPr>
-          <a:xfrm>
-            <a:off x="133250" y="1337125"/>
-            <a:ext cx="438000" cy="554100"/>
-          </a:xfrm>
-          <a:prstGeom prst="rect">
-            <a:avLst/>
-          </a:prstGeom>
-          <a:noFill/>
-          <a:ln>
-            <a:noFill/>
-          </a:ln>
-        </p:spPr>
-        <p:txBody>
-          <a:bodyPr anchorCtr="0" anchor="t" bIns="91425" lIns="91425" spcFirstLastPara="1" rIns="91425" wrap="square" tIns="91425">
-            <a:spAutoFit/>
-          </a:bodyPr>
-          <a:lstStyle/>
-          <a:p>
-            <a:pPr indent="0" lvl="0" marL="0" rtl="0" algn="l">
-              <a:spcBef>
-                <a:spcPts val="0"/>
-              </a:spcBef>
-              <a:spcAft>
-                <a:spcPts val="0"/>
-              </a:spcAft>
-              <a:buNone/>
-            </a:pPr>
-            <a:r>
-              <a:rPr lang="fr" sz="2400">
-                <a:solidFill>
-                  <a:schemeClr val="dk1"/>
-                </a:solidFill>
-              </a:rPr>
-              <a:t>❑</a:t>
-            </a:r>
-            <a:endParaRPr/>
-          </a:p>
-        </p:txBody>
-      </p:sp>
-      <p:sp>
-        <p:nvSpPr>
-          <p:cNvPr id="265" name="Google Shape;265;p26"/>
-          <p:cNvSpPr txBox="1"/>
-          <p:nvPr/>
-        </p:nvSpPr>
-        <p:spPr>
-          <a:xfrm>
-            <a:off x="133250" y="2816750"/>
-            <a:ext cx="438000" cy="554100"/>
-          </a:xfrm>
-          <a:prstGeom prst="rect">
-            <a:avLst/>
-          </a:prstGeom>
-          <a:noFill/>
-          <a:ln>
-            <a:noFill/>
-          </a:ln>
-        </p:spPr>
-        <p:txBody>
-          <a:bodyPr anchorCtr="0" anchor="t" bIns="91425" lIns="91425" spcFirstLastPara="1" rIns="91425" wrap="square" tIns="91425">
-            <a:spAutoFit/>
-          </a:bodyPr>
-          <a:lstStyle/>
-          <a:p>
-            <a:pPr indent="0" lvl="0" marL="0" rtl="0" algn="l">
-              <a:spcBef>
-                <a:spcPts val="0"/>
-              </a:spcBef>
-              <a:spcAft>
-                <a:spcPts val="0"/>
-              </a:spcAft>
-              <a:buNone/>
-            </a:pPr>
-            <a:r>
-              <a:rPr lang="fr" sz="2400">
-                <a:solidFill>
-                  <a:schemeClr val="dk1"/>
-                </a:solidFill>
-              </a:rPr>
-              <a:t>❑</a:t>
-            </a:r>
-            <a:endParaRPr/>
           </a:p>
         </p:txBody>
       </p:sp>
@@ -15063,7 +15255,7 @@
         </p:nvSpPr>
         <p:spPr>
           <a:xfrm>
-            <a:off x="133250" y="4198150"/>
+            <a:off x="133250" y="1337125"/>
             <a:ext cx="438000" cy="554100"/>
           </a:xfrm>
           <a:prstGeom prst="rect">
@@ -15104,6 +15296,98 @@
       <p:sp>
         <p:nvSpPr>
           <p:cNvPr id="267" name="Google Shape;267;p26"/>
+          <p:cNvSpPr txBox="1"/>
+          <p:nvPr/>
+        </p:nvSpPr>
+        <p:spPr>
+          <a:xfrm>
+            <a:off x="133250" y="2816750"/>
+            <a:ext cx="438000" cy="554100"/>
+          </a:xfrm>
+          <a:prstGeom prst="rect">
+            <a:avLst/>
+          </a:prstGeom>
+          <a:noFill/>
+          <a:ln>
+            <a:noFill/>
+          </a:ln>
+        </p:spPr>
+        <p:txBody>
+          <a:bodyPr anchorCtr="0" anchor="t" bIns="91425" lIns="91425" spcFirstLastPara="1" rIns="91425" wrap="square" tIns="91425">
+            <a:spAutoFit/>
+          </a:bodyPr>
+          <a:lstStyle/>
+          <a:p>
+            <a:pPr indent="0" lvl="0" marL="0" rtl="0" algn="l">
+              <a:spcBef>
+                <a:spcPts val="0"/>
+              </a:spcBef>
+              <a:spcAft>
+                <a:spcPts val="0"/>
+              </a:spcAft>
+              <a:buNone/>
+            </a:pPr>
+            <a:r>
+              <a:rPr lang="fr" sz="2400">
+                <a:solidFill>
+                  <a:schemeClr val="dk1"/>
+                </a:solidFill>
+              </a:rPr>
+              <a:t>❑</a:t>
+            </a:r>
+            <a:endParaRPr/>
+          </a:p>
+        </p:txBody>
+      </p:sp>
+      <p:sp>
+        <p:nvSpPr>
+          <p:cNvPr id="268" name="Google Shape;268;p26"/>
+          <p:cNvSpPr txBox="1"/>
+          <p:nvPr/>
+        </p:nvSpPr>
+        <p:spPr>
+          <a:xfrm>
+            <a:off x="133250" y="4198150"/>
+            <a:ext cx="438000" cy="554100"/>
+          </a:xfrm>
+          <a:prstGeom prst="rect">
+            <a:avLst/>
+          </a:prstGeom>
+          <a:noFill/>
+          <a:ln>
+            <a:noFill/>
+          </a:ln>
+        </p:spPr>
+        <p:txBody>
+          <a:bodyPr anchorCtr="0" anchor="t" bIns="91425" lIns="91425" spcFirstLastPara="1" rIns="91425" wrap="square" tIns="91425">
+            <a:spAutoFit/>
+          </a:bodyPr>
+          <a:lstStyle/>
+          <a:p>
+            <a:pPr indent="0" lvl="0" marL="0" rtl="0" algn="l">
+              <a:spcBef>
+                <a:spcPts val="0"/>
+              </a:spcBef>
+              <a:spcAft>
+                <a:spcPts val="0"/>
+              </a:spcAft>
+              <a:buNone/>
+            </a:pPr>
+            <a:r>
+              <a:rPr lang="fr" sz="2400">
+                <a:solidFill>
+                  <a:schemeClr val="dk1"/>
+                </a:solidFill>
+              </a:rPr>
+              <a:t>❑</a:t>
+            </a:r>
+            <a:endParaRPr/>
+          </a:p>
+        </p:txBody>
+      </p:sp>
+      <p:sp>
+        <p:nvSpPr>
+          <p:cNvPr id="269" name="Google Shape;269;p26"/>
           <p:cNvSpPr txBox="1"/>
           <p:nvPr/>
         </p:nvSpPr>
@@ -15160,7 +15444,7 @@
   <p:cSld>
     <p:spTree>
       <p:nvGrpSpPr>
-        <p:cNvPr id="271" name="Shape 271"/>
+        <p:cNvPr id="273" name="Shape 273"/>
         <p:cNvGrpSpPr/>
         <p:nvPr/>
       </p:nvGrpSpPr>
@@ -15174,7 +15458,7 @@
       </p:grpSpPr>
       <p:sp>
         <p:nvSpPr>
-          <p:cNvPr id="272" name="Google Shape;272;p27"/>
+          <p:cNvPr id="274" name="Google Shape;274;p27"/>
           <p:cNvSpPr/>
           <p:nvPr/>
         </p:nvSpPr>
@@ -15226,7 +15510,7 @@
       </p:sp>
       <p:sp>
         <p:nvSpPr>
-          <p:cNvPr id="273" name="Google Shape;273;p27"/>
+          <p:cNvPr id="275" name="Google Shape;275;p27"/>
           <p:cNvSpPr txBox="1"/>
           <p:nvPr/>
         </p:nvSpPr>
@@ -15276,7 +15560,7 @@
       </p:sp>
       <p:grpSp>
         <p:nvGrpSpPr>
-          <p:cNvPr id="274" name="Google Shape;274;p27"/>
+          <p:cNvPr id="276" name="Google Shape;276;p27"/>
           <p:cNvGrpSpPr/>
           <p:nvPr/>
         </p:nvGrpSpPr>
@@ -15290,7 +15574,7 @@
         </p:grpSpPr>
         <p:sp>
           <p:nvSpPr>
-            <p:cNvPr id="275" name="Google Shape;275;p27"/>
+            <p:cNvPr id="277" name="Google Shape;277;p27"/>
             <p:cNvSpPr/>
             <p:nvPr/>
           </p:nvSpPr>
@@ -15337,7 +15621,7 @@
         </p:sp>
         <p:sp>
           <p:nvSpPr>
-            <p:cNvPr id="276" name="Google Shape;276;p27"/>
+            <p:cNvPr id="278" name="Google Shape;278;p27"/>
             <p:cNvSpPr/>
             <p:nvPr/>
           </p:nvSpPr>
@@ -15381,7 +15665,7 @@
       </p:grpSp>
       <p:sp>
         <p:nvSpPr>
-          <p:cNvPr id="277" name="Google Shape;277;p27"/>
+          <p:cNvPr id="279" name="Google Shape;279;p27"/>
           <p:cNvSpPr/>
           <p:nvPr/>
         </p:nvSpPr>
@@ -15467,7 +15751,7 @@
       </p:sp>
       <p:sp>
         <p:nvSpPr>
-          <p:cNvPr id="278" name="Google Shape;278;p27"/>
+          <p:cNvPr id="280" name="Google Shape;280;p27"/>
           <p:cNvSpPr/>
           <p:nvPr/>
         </p:nvSpPr>
@@ -15529,7 +15813,7 @@
       </p:sp>
       <p:sp>
         <p:nvSpPr>
-          <p:cNvPr id="279" name="Google Shape;279;p27"/>
+          <p:cNvPr id="281" name="Google Shape;281;p27"/>
           <p:cNvSpPr/>
           <p:nvPr/>
         </p:nvSpPr>
@@ -15638,7 +15922,7 @@
       </p:sp>
       <p:sp>
         <p:nvSpPr>
-          <p:cNvPr id="280" name="Google Shape;280;p27"/>
+          <p:cNvPr id="282" name="Google Shape;282;p27"/>
           <p:cNvSpPr/>
           <p:nvPr/>
         </p:nvSpPr>
@@ -15700,7 +15984,7 @@
       </p:sp>
       <p:sp>
         <p:nvSpPr>
-          <p:cNvPr id="281" name="Google Shape;281;p27"/>
+          <p:cNvPr id="283" name="Google Shape;283;p27"/>
           <p:cNvSpPr/>
           <p:nvPr/>
         </p:nvSpPr>
@@ -15892,7 +16176,7 @@
       </p:sp>
       <p:sp>
         <p:nvSpPr>
-          <p:cNvPr id="282" name="Google Shape;282;p27"/>
+          <p:cNvPr id="284" name="Google Shape;284;p27"/>
           <p:cNvSpPr/>
           <p:nvPr/>
         </p:nvSpPr>
@@ -15954,7 +16238,7 @@
       </p:sp>
       <p:pic>
         <p:nvPicPr>
-          <p:cNvPr id="283" name="Google Shape;283;p27"/>
+          <p:cNvPr id="285" name="Google Shape;285;p27"/>
           <p:cNvPicPr preferRelativeResize="0"/>
           <p:nvPr/>
         </p:nvPicPr>
@@ -15982,7 +16266,7 @@
       </p:pic>
       <p:sp>
         <p:nvSpPr>
-          <p:cNvPr id="284" name="Google Shape;284;p27"/>
+          <p:cNvPr id="286" name="Google Shape;286;p27"/>
           <p:cNvSpPr txBox="1"/>
           <p:nvPr/>
         </p:nvSpPr>
@@ -16024,7 +16308,7 @@
       </p:sp>
       <p:sp>
         <p:nvSpPr>
-          <p:cNvPr id="285" name="Google Shape;285;p27"/>
+          <p:cNvPr id="287" name="Google Shape;287;p27"/>
           <p:cNvSpPr txBox="1"/>
           <p:nvPr/>
         </p:nvSpPr>
@@ -16072,7 +16356,7 @@
       </p:sp>
       <p:sp>
         <p:nvSpPr>
-          <p:cNvPr id="286" name="Google Shape;286;p27"/>
+          <p:cNvPr id="288" name="Google Shape;288;p27"/>
           <p:cNvSpPr txBox="1"/>
           <p:nvPr/>
         </p:nvSpPr>
@@ -16120,7 +16404,7 @@
       </p:sp>
       <p:sp>
         <p:nvSpPr>
-          <p:cNvPr id="287" name="Google Shape;287;p27"/>
+          <p:cNvPr id="289" name="Google Shape;289;p27"/>
           <p:cNvSpPr txBox="1"/>
           <p:nvPr/>
         </p:nvSpPr>
@@ -16168,7 +16452,7 @@
       </p:sp>
       <p:sp>
         <p:nvSpPr>
-          <p:cNvPr id="288" name="Google Shape;288;p27"/>
+          <p:cNvPr id="290" name="Google Shape;290;p27"/>
           <p:cNvSpPr txBox="1"/>
           <p:nvPr/>
         </p:nvSpPr>
@@ -16210,7 +16494,7 @@
       </p:sp>
       <p:sp>
         <p:nvSpPr>
-          <p:cNvPr id="289" name="Google Shape;289;p27"/>
+          <p:cNvPr id="291" name="Google Shape;291;p27"/>
           <p:cNvSpPr txBox="1"/>
           <p:nvPr/>
         </p:nvSpPr>
@@ -16271,7 +16555,7 @@
   <p:cSld>
     <p:spTree>
       <p:nvGrpSpPr>
-        <p:cNvPr id="293" name="Shape 293"/>
+        <p:cNvPr id="295" name="Shape 295"/>
         <p:cNvGrpSpPr/>
         <p:nvPr/>
       </p:nvGrpSpPr>
@@ -16285,7 +16569,535 @@
       </p:grpSpPr>
       <p:sp>
         <p:nvSpPr>
-          <p:cNvPr id="294" name="Google Shape;294;p28"/>
+          <p:cNvPr id="296" name="Google Shape;296;p28"/>
+          <p:cNvSpPr/>
+          <p:nvPr/>
+        </p:nvSpPr>
+        <p:spPr>
+          <a:xfrm>
+            <a:off x="505500" y="772913"/>
+            <a:ext cx="8196300" cy="5667900"/>
+          </a:xfrm>
+          <a:prstGeom prst="rect">
+            <a:avLst/>
+          </a:prstGeom>
+          <a:noFill/>
+          <a:ln cap="flat" cmpd="sng" w="28575">
+            <a:solidFill>
+              <a:srgbClr val="4A86E8"/>
+            </a:solidFill>
+            <a:prstDash val="solid"/>
+            <a:round/>
+            <a:headEnd len="sm" w="sm" type="none"/>
+            <a:tailEnd len="sm" w="sm" type="none"/>
+          </a:ln>
+        </p:spPr>
+        <p:txBody>
+          <a:bodyPr anchorCtr="0" anchor="ctr" bIns="91425" lIns="91425" spcFirstLastPara="1" rIns="91425" wrap="square" tIns="91425">
+            <a:noAutofit/>
+          </a:bodyPr>
+          <a:lstStyle/>
+          <a:p>
+            <a:pPr indent="0" lvl="0" marL="0" rtl="0" algn="l">
+              <a:spcBef>
+                <a:spcPts val="0"/>
+              </a:spcBef>
+              <a:spcAft>
+                <a:spcPts val="0"/>
+              </a:spcAft>
+              <a:buClr>
+                <a:srgbClr val="000000"/>
+              </a:buClr>
+              <a:buSzPts val="1100"/>
+              <a:buFont typeface="Arial"/>
+              <a:buNone/>
+            </a:pPr>
+            <a:r>
+              <a:t/>
+            </a:r>
+            <a:endParaRPr/>
+          </a:p>
+        </p:txBody>
+      </p:sp>
+      <p:sp>
+        <p:nvSpPr>
+          <p:cNvPr id="297" name="Google Shape;297;p28"/>
+          <p:cNvSpPr txBox="1"/>
+          <p:nvPr/>
+        </p:nvSpPr>
+        <p:spPr>
+          <a:xfrm>
+            <a:off x="438075" y="0"/>
+            <a:ext cx="8196300" cy="672600"/>
+          </a:xfrm>
+          <a:prstGeom prst="rect">
+            <a:avLst/>
+          </a:prstGeom>
+          <a:noFill/>
+          <a:ln>
+            <a:noFill/>
+          </a:ln>
+        </p:spPr>
+        <p:txBody>
+          <a:bodyPr anchorCtr="0" anchor="t" bIns="91425" lIns="91425" spcFirstLastPara="1" rIns="91425" wrap="square" tIns="91425">
+            <a:noAutofit/>
+          </a:bodyPr>
+          <a:lstStyle/>
+          <a:p>
+            <a:pPr indent="0" lvl="0" marL="0" rtl="0" algn="l">
+              <a:spcBef>
+                <a:spcPts val="0"/>
+              </a:spcBef>
+              <a:spcAft>
+                <a:spcPts val="0"/>
+              </a:spcAft>
+              <a:buNone/>
+            </a:pPr>
+            <a:r>
+              <a:rPr b="1" lang="fr" sz="1600">
+                <a:solidFill>
+                  <a:schemeClr val="accent5"/>
+                </a:solidFill>
+              </a:rPr>
+              <a:t>Canevas #08.2 - Utiliser ChatGPT pour élaborer une solution </a:t>
+            </a:r>
+            <a:endParaRPr b="1" sz="1600">
+              <a:solidFill>
+                <a:schemeClr val="accent5"/>
+              </a:solidFill>
+            </a:endParaRPr>
+          </a:p>
+        </p:txBody>
+      </p:sp>
+      <p:sp>
+        <p:nvSpPr>
+          <p:cNvPr id="298" name="Google Shape;298;p28"/>
+          <p:cNvSpPr txBox="1"/>
+          <p:nvPr/>
+        </p:nvSpPr>
+        <p:spPr>
+          <a:xfrm>
+            <a:off x="638350" y="6520700"/>
+            <a:ext cx="8196300" cy="278100"/>
+          </a:xfrm>
+          <a:prstGeom prst="rect">
+            <a:avLst/>
+          </a:prstGeom>
+          <a:noFill/>
+          <a:ln>
+            <a:noFill/>
+          </a:ln>
+        </p:spPr>
+        <p:txBody>
+          <a:bodyPr anchorCtr="0" anchor="ctr" bIns="91425" lIns="91425" spcFirstLastPara="1" rIns="91425" wrap="square" tIns="91425">
+            <a:noAutofit/>
+          </a:bodyPr>
+          <a:lstStyle/>
+          <a:p>
+            <a:pPr indent="0" lvl="0" marL="0" rtl="0" algn="l">
+              <a:spcBef>
+                <a:spcPts val="0"/>
+              </a:spcBef>
+              <a:spcAft>
+                <a:spcPts val="0"/>
+              </a:spcAft>
+              <a:buNone/>
+            </a:pPr>
+            <a:r>
+              <a:rPr b="1" lang="fr" sz="800"/>
+              <a:t>Copyright © 2017-2023, Guillaume Lecuyer et Clement Levallois. DDBM is for you to use without restriction in modeling your own or other people's businesses. License CC BY-SA 4.0 Deed</a:t>
+            </a:r>
+            <a:endParaRPr sz="800"/>
+          </a:p>
+        </p:txBody>
+      </p:sp>
+      <p:sp>
+        <p:nvSpPr>
+          <p:cNvPr id="299" name="Google Shape;299;p28"/>
+          <p:cNvSpPr txBox="1"/>
+          <p:nvPr/>
+        </p:nvSpPr>
+        <p:spPr>
+          <a:xfrm>
+            <a:off x="763000" y="1122050"/>
+            <a:ext cx="7737600" cy="574500"/>
+          </a:xfrm>
+          <a:prstGeom prst="rect">
+            <a:avLst/>
+          </a:prstGeom>
+          <a:noFill/>
+          <a:ln>
+            <a:noFill/>
+          </a:ln>
+        </p:spPr>
+        <p:txBody>
+          <a:bodyPr anchorCtr="0" anchor="t" bIns="91425" lIns="91425" spcFirstLastPara="1" rIns="91425" wrap="square" tIns="91425">
+            <a:noAutofit/>
+          </a:bodyPr>
+          <a:lstStyle/>
+          <a:p>
+            <a:pPr indent="-336550" lvl="0" marL="457200" rtl="0" algn="l">
+              <a:spcBef>
+                <a:spcPts val="0"/>
+              </a:spcBef>
+              <a:spcAft>
+                <a:spcPts val="0"/>
+              </a:spcAft>
+              <a:buClr>
+                <a:schemeClr val="dk2"/>
+              </a:buClr>
+              <a:buSzPts val="1700"/>
+              <a:buAutoNum type="arabicPeriod"/>
+            </a:pPr>
+            <a:r>
+              <a:rPr lang="fr" sz="1700">
+                <a:solidFill>
+                  <a:schemeClr val="dk2"/>
+                </a:solidFill>
+              </a:rPr>
+              <a:t>[Recommandé] suivre ce guide sur “</a:t>
+            </a:r>
+            <a:r>
+              <a:rPr lang="fr" sz="1700" u="sng">
+                <a:solidFill>
+                  <a:schemeClr val="hlink"/>
+                </a:solidFill>
+                <a:hlinkClick r:id="rId3"/>
+              </a:rPr>
+              <a:t>comment prompter - les essentiels</a:t>
+            </a:r>
+            <a:r>
+              <a:rPr lang="fr" sz="1700">
+                <a:solidFill>
+                  <a:schemeClr val="dk2"/>
+                </a:solidFill>
+              </a:rPr>
+              <a:t>”</a:t>
+            </a:r>
+            <a:endParaRPr sz="1700">
+              <a:solidFill>
+                <a:schemeClr val="dk2"/>
+              </a:solidFill>
+            </a:endParaRPr>
+          </a:p>
+          <a:p>
+            <a:pPr indent="0" lvl="0" marL="0" rtl="0" algn="l">
+              <a:spcBef>
+                <a:spcPts val="0"/>
+              </a:spcBef>
+              <a:spcAft>
+                <a:spcPts val="0"/>
+              </a:spcAft>
+              <a:buNone/>
+            </a:pPr>
+            <a:r>
+              <a:t/>
+            </a:r>
+            <a:endParaRPr sz="1700">
+              <a:solidFill>
+                <a:schemeClr val="dk2"/>
+              </a:solidFill>
+            </a:endParaRPr>
+          </a:p>
+          <a:p>
+            <a:pPr indent="-336550" lvl="0" marL="457200" rtl="0" algn="l">
+              <a:spcBef>
+                <a:spcPts val="0"/>
+              </a:spcBef>
+              <a:spcAft>
+                <a:spcPts val="0"/>
+              </a:spcAft>
+              <a:buClr>
+                <a:schemeClr val="dk2"/>
+              </a:buClr>
+              <a:buSzPts val="1700"/>
+              <a:buAutoNum type="arabicPeriod"/>
+            </a:pPr>
+            <a:r>
+              <a:rPr lang="fr" sz="1700">
+                <a:solidFill>
+                  <a:schemeClr val="dk2"/>
+                </a:solidFill>
+              </a:rPr>
+              <a:t>Ouvrez </a:t>
+            </a:r>
+            <a:r>
+              <a:rPr lang="fr" sz="1700" u="sng">
+                <a:solidFill>
+                  <a:schemeClr val="hlink"/>
+                </a:solidFill>
+                <a:hlinkClick r:id="rId4"/>
+              </a:rPr>
+              <a:t>GPT par OpenAI</a:t>
+            </a:r>
+            <a:r>
+              <a:rPr lang="fr" sz="1700">
+                <a:solidFill>
+                  <a:schemeClr val="dk2"/>
+                </a:solidFill>
+              </a:rPr>
+              <a:t> (3.5 ou 4) ou </a:t>
+            </a:r>
+            <a:r>
+              <a:rPr lang="fr" sz="1700" u="sng">
+                <a:solidFill>
+                  <a:schemeClr val="hlink"/>
+                </a:solidFill>
+                <a:hlinkClick r:id="rId5"/>
+              </a:rPr>
+              <a:t>Bard par Google</a:t>
+            </a:r>
+            <a:endParaRPr sz="1700">
+              <a:solidFill>
+                <a:schemeClr val="dk2"/>
+              </a:solidFill>
+            </a:endParaRPr>
+          </a:p>
+          <a:p>
+            <a:pPr indent="0" lvl="0" marL="0" rtl="0" algn="l">
+              <a:spcBef>
+                <a:spcPts val="0"/>
+              </a:spcBef>
+              <a:spcAft>
+                <a:spcPts val="0"/>
+              </a:spcAft>
+              <a:buNone/>
+            </a:pPr>
+            <a:r>
+              <a:t/>
+            </a:r>
+            <a:endParaRPr sz="1700">
+              <a:solidFill>
+                <a:schemeClr val="dk2"/>
+              </a:solidFill>
+            </a:endParaRPr>
+          </a:p>
+          <a:p>
+            <a:pPr indent="-336550" lvl="0" marL="457200" rtl="0" algn="l">
+              <a:spcBef>
+                <a:spcPts val="0"/>
+              </a:spcBef>
+              <a:spcAft>
+                <a:spcPts val="0"/>
+              </a:spcAft>
+              <a:buClr>
+                <a:schemeClr val="dk2"/>
+              </a:buClr>
+              <a:buSzPts val="1700"/>
+              <a:buAutoNum type="arabicPeriod"/>
+            </a:pPr>
+            <a:r>
+              <a:rPr lang="fr" sz="1700">
+                <a:solidFill>
+                  <a:schemeClr val="dk2"/>
+                </a:solidFill>
+              </a:rPr>
+              <a:t>Copier &amp; Coller </a:t>
+            </a:r>
+            <a:r>
+              <a:rPr lang="fr" sz="1700" u="sng">
+                <a:solidFill>
+                  <a:schemeClr val="hlink"/>
+                </a:solidFill>
+                <a:hlinkClick r:id="rId6"/>
+              </a:rPr>
+              <a:t>le prompt spécialisé disponible ici</a:t>
+            </a:r>
+            <a:r>
+              <a:rPr lang="fr" sz="1700">
+                <a:solidFill>
+                  <a:schemeClr val="dk2"/>
+                </a:solidFill>
+              </a:rPr>
+              <a:t> dans la fenêtre de prompt du chatbot. Cela lance le “Professeur Synapse”, un outil de prompt efficace pour faciliter la découverte de solutions.</a:t>
+            </a:r>
+            <a:br>
+              <a:rPr lang="fr" sz="1700">
+                <a:solidFill>
+                  <a:schemeClr val="dk2"/>
+                </a:solidFill>
+              </a:rPr>
+            </a:br>
+            <a:endParaRPr sz="1700">
+              <a:solidFill>
+                <a:schemeClr val="dk2"/>
+              </a:solidFill>
+            </a:endParaRPr>
+          </a:p>
+          <a:p>
+            <a:pPr indent="-336550" lvl="0" marL="457200" rtl="0" algn="l">
+              <a:spcBef>
+                <a:spcPts val="0"/>
+              </a:spcBef>
+              <a:spcAft>
+                <a:spcPts val="0"/>
+              </a:spcAft>
+              <a:buClr>
+                <a:schemeClr val="dk2"/>
+              </a:buClr>
+              <a:buSzPts val="1700"/>
+              <a:buAutoNum type="arabicPeriod"/>
+            </a:pPr>
+            <a:r>
+              <a:rPr lang="fr" sz="1700">
+                <a:solidFill>
+                  <a:schemeClr val="dk2"/>
+                </a:solidFill>
+              </a:rPr>
+              <a:t>Copiez / collez le contenu des canevas #1 à #7 pour décrire au “Professeur Synapse” les éléments dont vous disposez.</a:t>
+            </a:r>
+            <a:br>
+              <a:rPr lang="fr" sz="1700">
+                <a:solidFill>
+                  <a:schemeClr val="dk2"/>
+                </a:solidFill>
+              </a:rPr>
+            </a:br>
+            <a:endParaRPr sz="1700">
+              <a:solidFill>
+                <a:schemeClr val="dk2"/>
+              </a:solidFill>
+            </a:endParaRPr>
+          </a:p>
+          <a:p>
+            <a:pPr indent="-336550" lvl="1" marL="914400" rtl="0" algn="l">
+              <a:spcBef>
+                <a:spcPts val="0"/>
+              </a:spcBef>
+              <a:spcAft>
+                <a:spcPts val="0"/>
+              </a:spcAft>
+              <a:buClr>
+                <a:schemeClr val="dk2"/>
+              </a:buClr>
+              <a:buSzPts val="1700"/>
+              <a:buAutoNum type="alphaLcPeriod"/>
+            </a:pPr>
+            <a:r>
+              <a:rPr lang="fr" sz="1700">
+                <a:solidFill>
+                  <a:schemeClr val="dk2"/>
+                </a:solidFill>
+              </a:rPr>
+              <a:t>un exemple est disponible dans le cadre du cas résolu “Gym Sports” (</a:t>
+            </a:r>
+            <a:r>
+              <a:rPr lang="fr" sz="1700" u="sng">
+                <a:solidFill>
+                  <a:schemeClr val="hlink"/>
+                </a:solidFill>
+                <a:hlinkClick r:id="rId7"/>
+              </a:rPr>
+              <a:t>version texte brut</a:t>
+            </a:r>
+            <a:r>
+              <a:rPr lang="fr" sz="1700">
+                <a:solidFill>
+                  <a:schemeClr val="dk2"/>
+                </a:solidFill>
+              </a:rPr>
+              <a:t>, version issue </a:t>
+            </a:r>
+            <a:r>
+              <a:rPr lang="fr" sz="1700" u="sng">
+                <a:solidFill>
+                  <a:schemeClr val="hlink"/>
+                </a:solidFill>
+                <a:hlinkClick r:id="rId8"/>
+              </a:rPr>
+              <a:t>directement de ChatGPT</a:t>
+            </a:r>
+            <a:r>
+              <a:rPr lang="fr" sz="1700">
+                <a:solidFill>
+                  <a:schemeClr val="dk2"/>
+                </a:solidFill>
+              </a:rPr>
+              <a:t>).</a:t>
+            </a:r>
+            <a:endParaRPr sz="1700">
+              <a:solidFill>
+                <a:schemeClr val="dk2"/>
+              </a:solidFill>
+            </a:endParaRPr>
+          </a:p>
+          <a:p>
+            <a:pPr indent="0" lvl="0" marL="457200" rtl="0" algn="l">
+              <a:spcBef>
+                <a:spcPts val="0"/>
+              </a:spcBef>
+              <a:spcAft>
+                <a:spcPts val="0"/>
+              </a:spcAft>
+              <a:buNone/>
+            </a:pPr>
+            <a:r>
+              <a:t/>
+            </a:r>
+            <a:endParaRPr sz="1700">
+              <a:solidFill>
+                <a:schemeClr val="dk2"/>
+              </a:solidFill>
+            </a:endParaRPr>
+          </a:p>
+          <a:p>
+            <a:pPr indent="-336550" lvl="0" marL="457200" rtl="0" algn="l">
+              <a:spcBef>
+                <a:spcPts val="0"/>
+              </a:spcBef>
+              <a:spcAft>
+                <a:spcPts val="0"/>
+              </a:spcAft>
+              <a:buClr>
+                <a:schemeClr val="dk2"/>
+              </a:buClr>
+              <a:buSzPts val="1700"/>
+              <a:buAutoNum type="arabicPeriod"/>
+            </a:pPr>
+            <a:r>
+              <a:rPr lang="fr" sz="1700">
+                <a:solidFill>
+                  <a:schemeClr val="dk2"/>
+                </a:solidFill>
+              </a:rPr>
+              <a:t>Discutez avec le “Professeur Synapse”, en proposant des éléments de réflexion pour avancer vers une solution, mais en lui demandant également de faire des suggestions.</a:t>
+            </a:r>
+            <a:endParaRPr sz="1700">
+              <a:solidFill>
+                <a:schemeClr val="dk2"/>
+              </a:solidFill>
+            </a:endParaRPr>
+          </a:p>
+        </p:txBody>
+      </p:sp>
+    </p:spTree>
+  </p:cSld>
+  <p:clrMapOvr>
+    <a:masterClrMapping/>
+  </p:clrMapOvr>
+</p:sld>
+</file>
+
+<file path=ppt/slides/slide17.xml><?xml version="1.0" encoding="utf-8"?>
+<p:sld xmlns:a="http://schemas.openxmlformats.org/drawingml/2006/main" xmlns:r="http://schemas.openxmlformats.org/officeDocument/2006/relationships" xmlns:mc="http://schemas.openxmlformats.org/markup-compatibility/2006" xmlns:mv="urn:schemas-microsoft-com:mac:vml" xmlns:p="http://schemas.openxmlformats.org/presentationml/2006/main" xmlns:c="http://schemas.openxmlformats.org/drawingml/2006/chart" xmlns:dgm="http://schemas.openxmlformats.org/drawingml/2006/diagram" xmlns:o="urn:schemas-microsoft-com:office:office" xmlns:v="urn:schemas-microsoft-com:vml" xmlns:pvml="urn:schemas-microsoft-com:office:powerpoint" xmlns:com="http://schemas.openxmlformats.org/drawingml/2006/compatibility" xmlns:p14="http://schemas.microsoft.com/office/powerpoint/2010/main" xmlns:p15="http://schemas.microsoft.com/office/powerpoint/2012/main" xmlns:ahyp="http://schemas.microsoft.com/office/drawing/2018/hyperlinkcolor">
+  <p:cSld>
+    <p:spTree>
+      <p:nvGrpSpPr>
+        <p:cNvPr id="303" name="Shape 303"/>
+        <p:cNvGrpSpPr/>
+        <p:nvPr/>
+      </p:nvGrpSpPr>
+      <p:grpSpPr>
+        <a:xfrm>
+          <a:off x="0" y="0"/>
+          <a:ext cx="0" cy="0"/>
+          <a:chOff x="0" y="0"/>
+          <a:chExt cx="0" cy="0"/>
+        </a:xfrm>
+      </p:grpSpPr>
+      <p:sp>
+        <p:nvSpPr>
+          <p:cNvPr id="304" name="Google Shape;304;p29"/>
           <p:cNvSpPr/>
           <p:nvPr/>
         </p:nvSpPr>
@@ -16333,7 +17145,7 @@
       </p:sp>
       <p:sp>
         <p:nvSpPr>
-          <p:cNvPr id="295" name="Google Shape;295;p28"/>
+          <p:cNvPr id="305" name="Google Shape;305;p29"/>
           <p:cNvSpPr txBox="1"/>
           <p:nvPr/>
         </p:nvSpPr>
@@ -16383,7 +17195,7 @@
       </p:sp>
       <p:grpSp>
         <p:nvGrpSpPr>
-          <p:cNvPr id="296" name="Google Shape;296;p28"/>
+          <p:cNvPr id="306" name="Google Shape;306;p29"/>
           <p:cNvGrpSpPr/>
           <p:nvPr/>
         </p:nvGrpSpPr>
@@ -16397,7 +17209,7 @@
         </p:grpSpPr>
         <p:sp>
           <p:nvSpPr>
-            <p:cNvPr id="297" name="Google Shape;297;p28"/>
+            <p:cNvPr id="307" name="Google Shape;307;p29"/>
             <p:cNvSpPr/>
             <p:nvPr/>
           </p:nvSpPr>
@@ -16450,7 +17262,7 @@
         </p:sp>
         <p:sp>
           <p:nvSpPr>
-            <p:cNvPr id="298" name="Google Shape;298;p28"/>
+            <p:cNvPr id="308" name="Google Shape;308;p29"/>
             <p:cNvSpPr txBox="1"/>
             <p:nvPr/>
           </p:nvSpPr>
@@ -16499,7 +17311,7 @@
       </p:grpSp>
       <p:grpSp>
         <p:nvGrpSpPr>
-          <p:cNvPr id="299" name="Google Shape;299;p28"/>
+          <p:cNvPr id="309" name="Google Shape;309;p29"/>
           <p:cNvGrpSpPr/>
           <p:nvPr/>
         </p:nvGrpSpPr>
@@ -16513,7 +17325,7 @@
         </p:grpSpPr>
         <p:sp>
           <p:nvSpPr>
-            <p:cNvPr id="300" name="Google Shape;300;p28"/>
+            <p:cNvPr id="310" name="Google Shape;310;p29"/>
             <p:cNvSpPr/>
             <p:nvPr/>
           </p:nvSpPr>
@@ -16566,7 +17378,7 @@
         </p:sp>
         <p:sp>
           <p:nvSpPr>
-            <p:cNvPr id="301" name="Google Shape;301;p28"/>
+            <p:cNvPr id="311" name="Google Shape;311;p29"/>
             <p:cNvSpPr txBox="1"/>
             <p:nvPr/>
           </p:nvSpPr>
@@ -16619,7 +17431,7 @@
       </p:grpSp>
       <p:grpSp>
         <p:nvGrpSpPr>
-          <p:cNvPr id="302" name="Google Shape;302;p28"/>
+          <p:cNvPr id="312" name="Google Shape;312;p29"/>
           <p:cNvGrpSpPr/>
           <p:nvPr/>
         </p:nvGrpSpPr>
@@ -16633,7 +17445,7 @@
         </p:grpSpPr>
         <p:sp>
           <p:nvSpPr>
-            <p:cNvPr id="303" name="Google Shape;303;p28"/>
+            <p:cNvPr id="313" name="Google Shape;313;p29"/>
             <p:cNvSpPr/>
             <p:nvPr/>
           </p:nvSpPr>
@@ -16686,7 +17498,7 @@
         </p:sp>
         <p:sp>
           <p:nvSpPr>
-            <p:cNvPr id="304" name="Google Shape;304;p28"/>
+            <p:cNvPr id="314" name="Google Shape;314;p29"/>
             <p:cNvSpPr txBox="1"/>
             <p:nvPr/>
           </p:nvSpPr>
@@ -16739,7 +17551,7 @@
       </p:grpSp>
       <p:grpSp>
         <p:nvGrpSpPr>
-          <p:cNvPr id="305" name="Google Shape;305;p28"/>
+          <p:cNvPr id="315" name="Google Shape;315;p29"/>
           <p:cNvGrpSpPr/>
           <p:nvPr/>
         </p:nvGrpSpPr>
@@ -16753,7 +17565,7 @@
         </p:grpSpPr>
         <p:sp>
           <p:nvSpPr>
-            <p:cNvPr id="306" name="Google Shape;306;p28"/>
+            <p:cNvPr id="316" name="Google Shape;316;p29"/>
             <p:cNvSpPr/>
             <p:nvPr/>
           </p:nvSpPr>
@@ -16806,7 +17618,7 @@
         </p:sp>
         <p:sp>
           <p:nvSpPr>
-            <p:cNvPr id="307" name="Google Shape;307;p28"/>
+            <p:cNvPr id="317" name="Google Shape;317;p29"/>
             <p:cNvSpPr txBox="1"/>
             <p:nvPr/>
           </p:nvSpPr>
@@ -16867,7 +17679,7 @@
       </p:grpSp>
       <p:grpSp>
         <p:nvGrpSpPr>
-          <p:cNvPr id="308" name="Google Shape;308;p28"/>
+          <p:cNvPr id="318" name="Google Shape;318;p29"/>
           <p:cNvGrpSpPr/>
           <p:nvPr/>
         </p:nvGrpSpPr>
@@ -16881,7 +17693,7 @@
         </p:grpSpPr>
         <p:sp>
           <p:nvSpPr>
-            <p:cNvPr id="309" name="Google Shape;309;p28"/>
+            <p:cNvPr id="319" name="Google Shape;319;p29"/>
             <p:cNvSpPr/>
             <p:nvPr/>
           </p:nvSpPr>
@@ -16932,7 +17744,7 @@
         </p:sp>
         <p:sp>
           <p:nvSpPr>
-            <p:cNvPr id="310" name="Google Shape;310;p28"/>
+            <p:cNvPr id="320" name="Google Shape;320;p29"/>
             <p:cNvSpPr txBox="1"/>
             <p:nvPr/>
           </p:nvSpPr>
@@ -16977,7 +17789,7 @@
       </p:grpSp>
       <p:pic>
         <p:nvPicPr>
-          <p:cNvPr id="311" name="Google Shape;311;p28"/>
+          <p:cNvPr id="321" name="Google Shape;321;p29"/>
           <p:cNvPicPr preferRelativeResize="0"/>
           <p:nvPr/>
         </p:nvPicPr>
@@ -17005,7 +17817,7 @@
       </p:pic>
       <p:pic>
         <p:nvPicPr>
-          <p:cNvPr id="312" name="Google Shape;312;p28"/>
+          <p:cNvPr id="322" name="Google Shape;322;p29"/>
           <p:cNvPicPr preferRelativeResize="0"/>
           <p:nvPr/>
         </p:nvPicPr>
@@ -17033,7 +17845,7 @@
       </p:pic>
       <p:pic>
         <p:nvPicPr>
-          <p:cNvPr id="313" name="Google Shape;313;p28"/>
+          <p:cNvPr id="323" name="Google Shape;323;p29"/>
           <p:cNvPicPr preferRelativeResize="0"/>
           <p:nvPr/>
         </p:nvPicPr>
@@ -17061,7 +17873,7 @@
       </p:pic>
       <p:pic>
         <p:nvPicPr>
-          <p:cNvPr id="314" name="Google Shape;314;p28"/>
+          <p:cNvPr id="324" name="Google Shape;324;p29"/>
           <p:cNvPicPr preferRelativeResize="0"/>
           <p:nvPr/>
         </p:nvPicPr>
@@ -17089,7 +17901,7 @@
       </p:pic>
       <p:sp>
         <p:nvSpPr>
-          <p:cNvPr id="315" name="Google Shape;315;p28"/>
+          <p:cNvPr id="325" name="Google Shape;325;p29"/>
           <p:cNvSpPr txBox="1"/>
           <p:nvPr/>
         </p:nvSpPr>
@@ -17126,1295 +17938,6 @@
               <a:t>Copyright © 2017-2023, Guillaume Lecuyer et Clement Levallois. DDBM is for you to use without restriction in modeling your own or other people's businesses. License CC BY-SA 4.0 Deed</a:t>
             </a:r>
             <a:endParaRPr sz="800"/>
-          </a:p>
-        </p:txBody>
-      </p:sp>
-    </p:spTree>
-  </p:cSld>
-  <p:clrMapOvr>
-    <a:masterClrMapping/>
-  </p:clrMapOvr>
-</p:sld>
-</file>
-
-<file path=ppt/slides/slide17.xml><?xml version="1.0" encoding="utf-8"?>
-<p:sld xmlns:a="http://schemas.openxmlformats.org/drawingml/2006/main" xmlns:r="http://schemas.openxmlformats.org/officeDocument/2006/relationships" xmlns:mc="http://schemas.openxmlformats.org/markup-compatibility/2006" xmlns:mv="urn:schemas-microsoft-com:mac:vml" xmlns:p="http://schemas.openxmlformats.org/presentationml/2006/main" xmlns:c="http://schemas.openxmlformats.org/drawingml/2006/chart" xmlns:dgm="http://schemas.openxmlformats.org/drawingml/2006/diagram" xmlns:o="urn:schemas-microsoft-com:office:office" xmlns:v="urn:schemas-microsoft-com:vml" xmlns:pvml="urn:schemas-microsoft-com:office:powerpoint" xmlns:com="http://schemas.openxmlformats.org/drawingml/2006/compatibility" xmlns:p14="http://schemas.microsoft.com/office/powerpoint/2010/main" xmlns:p15="http://schemas.microsoft.com/office/powerpoint/2012/main" xmlns:ahyp="http://schemas.microsoft.com/office/drawing/2018/hyperlinkcolor">
-  <p:cSld>
-    <p:spTree>
-      <p:nvGrpSpPr>
-        <p:cNvPr id="319" name="Shape 319"/>
-        <p:cNvGrpSpPr/>
-        <p:nvPr/>
-      </p:nvGrpSpPr>
-      <p:grpSpPr>
-        <a:xfrm>
-          <a:off x="0" y="0"/>
-          <a:ext cx="0" cy="0"/>
-          <a:chOff x="0" y="0"/>
-          <a:chExt cx="0" cy="0"/>
-        </a:xfrm>
-      </p:grpSpPr>
-      <p:sp>
-        <p:nvSpPr>
-          <p:cNvPr id="320" name="Google Shape;320;p29"/>
-          <p:cNvSpPr/>
-          <p:nvPr/>
-        </p:nvSpPr>
-        <p:spPr>
-          <a:xfrm>
-            <a:off x="505500" y="817600"/>
-            <a:ext cx="8196300" cy="5623200"/>
-          </a:xfrm>
-          <a:prstGeom prst="rect">
-            <a:avLst/>
-          </a:prstGeom>
-          <a:noFill/>
-          <a:ln cap="flat" cmpd="sng" w="28575">
-            <a:solidFill>
-              <a:srgbClr val="A64D79"/>
-            </a:solidFill>
-            <a:prstDash val="solid"/>
-            <a:round/>
-            <a:headEnd len="sm" w="sm" type="none"/>
-            <a:tailEnd len="sm" w="sm" type="none"/>
-          </a:ln>
-        </p:spPr>
-        <p:txBody>
-          <a:bodyPr anchorCtr="0" anchor="ctr" bIns="91425" lIns="91425" spcFirstLastPara="1" rIns="91425" wrap="square" tIns="91425">
-            <a:noAutofit/>
-          </a:bodyPr>
-          <a:lstStyle/>
-          <a:p>
-            <a:pPr indent="0" lvl="0" marL="0" rtl="0" algn="l">
-              <a:spcBef>
-                <a:spcPts val="0"/>
-              </a:spcBef>
-              <a:spcAft>
-                <a:spcPts val="0"/>
-              </a:spcAft>
-              <a:buNone/>
-            </a:pPr>
-            <a:r>
-              <a:t/>
-            </a:r>
-            <a:endParaRPr/>
-          </a:p>
-        </p:txBody>
-      </p:sp>
-      <p:sp>
-        <p:nvSpPr>
-          <p:cNvPr id="321" name="Google Shape;321;p29"/>
-          <p:cNvSpPr/>
-          <p:nvPr/>
-        </p:nvSpPr>
-        <p:spPr>
-          <a:xfrm>
-            <a:off x="2870500" y="2170545"/>
-            <a:ext cx="2834700" cy="2747100"/>
-          </a:xfrm>
-          <a:prstGeom prst="ellipse">
-            <a:avLst/>
-          </a:prstGeom>
-          <a:noFill/>
-          <a:ln cap="flat" cmpd="sng" w="28575">
-            <a:solidFill>
-              <a:srgbClr val="000000"/>
-            </a:solidFill>
-            <a:prstDash val="lgDash"/>
-            <a:round/>
-            <a:headEnd len="sm" w="sm" type="none"/>
-            <a:tailEnd len="sm" w="sm" type="none"/>
-          </a:ln>
-        </p:spPr>
-        <p:txBody>
-          <a:bodyPr anchorCtr="0" anchor="ctr" bIns="91425" lIns="91425" spcFirstLastPara="1" rIns="91425" wrap="square" tIns="91425">
-            <a:noAutofit/>
-          </a:bodyPr>
-          <a:lstStyle/>
-          <a:p>
-            <a:pPr indent="0" lvl="0" marL="0" rtl="0" algn="l">
-              <a:spcBef>
-                <a:spcPts val="0"/>
-              </a:spcBef>
-              <a:spcAft>
-                <a:spcPts val="0"/>
-              </a:spcAft>
-              <a:buNone/>
-            </a:pPr>
-            <a:r>
-              <a:t/>
-            </a:r>
-            <a:endParaRPr/>
-          </a:p>
-        </p:txBody>
-      </p:sp>
-      <p:sp>
-        <p:nvSpPr>
-          <p:cNvPr id="322" name="Google Shape;322;p29"/>
-          <p:cNvSpPr/>
-          <p:nvPr/>
-        </p:nvSpPr>
-        <p:spPr>
-          <a:xfrm>
-            <a:off x="2450650" y="1763601"/>
-            <a:ext cx="3674400" cy="3561000"/>
-          </a:xfrm>
-          <a:prstGeom prst="ellipse">
-            <a:avLst/>
-          </a:prstGeom>
-          <a:noFill/>
-          <a:ln cap="flat" cmpd="sng" w="28575">
-            <a:solidFill>
-              <a:srgbClr val="A64D79"/>
-            </a:solidFill>
-            <a:prstDash val="lgDash"/>
-            <a:round/>
-            <a:headEnd len="sm" w="sm" type="none"/>
-            <a:tailEnd len="sm" w="sm" type="none"/>
-          </a:ln>
-        </p:spPr>
-        <p:txBody>
-          <a:bodyPr anchorCtr="0" anchor="ctr" bIns="91425" lIns="91425" spcFirstLastPara="1" rIns="91425" wrap="square" tIns="91425">
-            <a:noAutofit/>
-          </a:bodyPr>
-          <a:lstStyle/>
-          <a:p>
-            <a:pPr indent="0" lvl="0" marL="0" rtl="0" algn="l">
-              <a:spcBef>
-                <a:spcPts val="0"/>
-              </a:spcBef>
-              <a:spcAft>
-                <a:spcPts val="0"/>
-              </a:spcAft>
-              <a:buNone/>
-            </a:pPr>
-            <a:r>
-              <a:t/>
-            </a:r>
-            <a:endParaRPr/>
-          </a:p>
-        </p:txBody>
-      </p:sp>
-      <p:sp>
-        <p:nvSpPr>
-          <p:cNvPr id="323" name="Google Shape;323;p29"/>
-          <p:cNvSpPr txBox="1"/>
-          <p:nvPr/>
-        </p:nvSpPr>
-        <p:spPr>
-          <a:xfrm>
-            <a:off x="438075" y="0"/>
-            <a:ext cx="3886800" cy="596400"/>
-          </a:xfrm>
-          <a:prstGeom prst="rect">
-            <a:avLst/>
-          </a:prstGeom>
-          <a:noFill/>
-          <a:ln>
-            <a:noFill/>
-          </a:ln>
-        </p:spPr>
-        <p:txBody>
-          <a:bodyPr anchorCtr="0" anchor="t" bIns="91425" lIns="91425" spcFirstLastPara="1" rIns="91425" wrap="square" tIns="91425">
-            <a:noAutofit/>
-          </a:bodyPr>
-          <a:lstStyle/>
-          <a:p>
-            <a:pPr indent="0" lvl="0" marL="0" rtl="0" algn="l">
-              <a:spcBef>
-                <a:spcPts val="0"/>
-              </a:spcBef>
-              <a:spcAft>
-                <a:spcPts val="0"/>
-              </a:spcAft>
-              <a:buNone/>
-            </a:pPr>
-            <a:r>
-              <a:rPr b="1" lang="fr" sz="1600">
-                <a:solidFill>
-                  <a:srgbClr val="A64D79"/>
-                </a:solidFill>
-              </a:rPr>
-              <a:t>Canevas #10.1</a:t>
-            </a:r>
-            <a:endParaRPr b="1" sz="1600">
-              <a:solidFill>
-                <a:srgbClr val="A64D79"/>
-              </a:solidFill>
-            </a:endParaRPr>
-          </a:p>
-          <a:p>
-            <a:pPr indent="0" lvl="0" marL="0" rtl="0" algn="l">
-              <a:spcBef>
-                <a:spcPts val="0"/>
-              </a:spcBef>
-              <a:spcAft>
-                <a:spcPts val="0"/>
-              </a:spcAft>
-              <a:buNone/>
-            </a:pPr>
-            <a:r>
-              <a:rPr b="1" lang="fr" sz="1600">
-                <a:solidFill>
-                  <a:srgbClr val="A64D79"/>
-                </a:solidFill>
-              </a:rPr>
-              <a:t>Synthèse Graphique</a:t>
-            </a:r>
-            <a:endParaRPr b="1" sz="1600">
-              <a:solidFill>
-                <a:srgbClr val="A64D79"/>
-              </a:solidFill>
-            </a:endParaRPr>
-          </a:p>
-        </p:txBody>
-      </p:sp>
-      <p:cxnSp>
-        <p:nvCxnSpPr>
-          <p:cNvPr id="324" name="Google Shape;324;p29"/>
-          <p:cNvCxnSpPr/>
-          <p:nvPr/>
-        </p:nvCxnSpPr>
-        <p:spPr>
-          <a:xfrm>
-            <a:off x="4349575" y="1600200"/>
-            <a:ext cx="0" cy="4164000"/>
-          </a:xfrm>
-          <a:prstGeom prst="straightConnector1">
-            <a:avLst/>
-          </a:prstGeom>
-          <a:noFill/>
-          <a:ln cap="flat" cmpd="sng" w="9525">
-            <a:solidFill>
-              <a:srgbClr val="000000"/>
-            </a:solidFill>
-            <a:prstDash val="solid"/>
-            <a:round/>
-            <a:headEnd len="med" w="med" type="none"/>
-            <a:tailEnd len="med" w="med" type="none"/>
-          </a:ln>
-        </p:spPr>
-      </p:cxnSp>
-      <p:cxnSp>
-        <p:nvCxnSpPr>
-          <p:cNvPr id="325" name="Google Shape;325;p29"/>
-          <p:cNvCxnSpPr/>
-          <p:nvPr/>
-        </p:nvCxnSpPr>
-        <p:spPr>
-          <a:xfrm flipH="1" rot="10800000">
-            <a:off x="2096525" y="3615250"/>
-            <a:ext cx="4712700" cy="18300"/>
-          </a:xfrm>
-          <a:prstGeom prst="straightConnector1">
-            <a:avLst/>
-          </a:prstGeom>
-          <a:noFill/>
-          <a:ln cap="flat" cmpd="sng" w="9525">
-            <a:solidFill>
-              <a:srgbClr val="000000"/>
-            </a:solidFill>
-            <a:prstDash val="solid"/>
-            <a:round/>
-            <a:headEnd len="med" w="med" type="none"/>
-            <a:tailEnd len="med" w="med" type="none"/>
-          </a:ln>
-        </p:spPr>
-      </p:cxnSp>
-      <p:cxnSp>
-        <p:nvCxnSpPr>
-          <p:cNvPr id="326" name="Google Shape;326;p29"/>
-          <p:cNvCxnSpPr/>
-          <p:nvPr/>
-        </p:nvCxnSpPr>
-        <p:spPr>
-          <a:xfrm>
-            <a:off x="2206550" y="1763200"/>
-            <a:ext cx="3979200" cy="3483900"/>
-          </a:xfrm>
-          <a:prstGeom prst="straightConnector1">
-            <a:avLst/>
-          </a:prstGeom>
-          <a:noFill/>
-          <a:ln cap="flat" cmpd="sng" w="9525">
-            <a:solidFill>
-              <a:srgbClr val="000000"/>
-            </a:solidFill>
-            <a:prstDash val="solid"/>
-            <a:round/>
-            <a:headEnd len="med" w="med" type="none"/>
-            <a:tailEnd len="med" w="med" type="none"/>
-          </a:ln>
-        </p:spPr>
-      </p:cxnSp>
-      <p:cxnSp>
-        <p:nvCxnSpPr>
-          <p:cNvPr id="327" name="Google Shape;327;p29"/>
-          <p:cNvCxnSpPr/>
-          <p:nvPr/>
-        </p:nvCxnSpPr>
-        <p:spPr>
-          <a:xfrm flipH="1">
-            <a:off x="2224700" y="1909900"/>
-            <a:ext cx="4382700" cy="3282300"/>
-          </a:xfrm>
-          <a:prstGeom prst="straightConnector1">
-            <a:avLst/>
-          </a:prstGeom>
-          <a:noFill/>
-          <a:ln cap="flat" cmpd="sng" w="9525">
-            <a:solidFill>
-              <a:srgbClr val="000000"/>
-            </a:solidFill>
-            <a:prstDash val="solid"/>
-            <a:round/>
-            <a:headEnd len="med" w="med" type="none"/>
-            <a:tailEnd len="med" w="med" type="none"/>
-          </a:ln>
-        </p:spPr>
-      </p:cxnSp>
-      <p:sp>
-        <p:nvSpPr>
-          <p:cNvPr id="328" name="Google Shape;328;p29"/>
-          <p:cNvSpPr txBox="1"/>
-          <p:nvPr/>
-        </p:nvSpPr>
-        <p:spPr>
-          <a:xfrm>
-            <a:off x="852975" y="904100"/>
-            <a:ext cx="2656500" cy="996300"/>
-          </a:xfrm>
-          <a:prstGeom prst="rect">
-            <a:avLst/>
-          </a:prstGeom>
-          <a:noFill/>
-          <a:ln>
-            <a:noFill/>
-          </a:ln>
-        </p:spPr>
-        <p:txBody>
-          <a:bodyPr anchorCtr="0" anchor="t" bIns="91425" lIns="91425" spcFirstLastPara="1" rIns="91425" wrap="square" tIns="91425">
-            <a:noAutofit/>
-          </a:bodyPr>
-          <a:lstStyle/>
-          <a:p>
-            <a:pPr indent="0" lvl="0" marL="0" rtl="0" algn="ctr">
-              <a:spcBef>
-                <a:spcPts val="0"/>
-              </a:spcBef>
-              <a:spcAft>
-                <a:spcPts val="0"/>
-              </a:spcAft>
-              <a:buNone/>
-            </a:pPr>
-            <a:r>
-              <a:rPr i="1" lang="fr" sz="900"/>
-              <a:t>Contribue à</a:t>
-            </a:r>
-            <a:endParaRPr i="1" sz="900"/>
-          </a:p>
-          <a:p>
-            <a:pPr indent="0" lvl="0" marL="0" rtl="0" algn="l">
-              <a:spcBef>
-                <a:spcPts val="0"/>
-              </a:spcBef>
-              <a:spcAft>
-                <a:spcPts val="0"/>
-              </a:spcAft>
-              <a:buNone/>
-            </a:pPr>
-            <a:r>
-              <a:rPr lang="fr" sz="1300"/>
-              <a:t>Objectif Stratégique 1</a:t>
-            </a:r>
-            <a:endParaRPr sz="1300"/>
-          </a:p>
-          <a:p>
-            <a:pPr indent="0" lvl="0" marL="0" rtl="0" algn="l">
-              <a:spcBef>
-                <a:spcPts val="0"/>
-              </a:spcBef>
-              <a:spcAft>
-                <a:spcPts val="0"/>
-              </a:spcAft>
-              <a:buNone/>
-            </a:pPr>
-            <a:r>
-              <a:t/>
-            </a:r>
-            <a:endParaRPr sz="700"/>
-          </a:p>
-          <a:p>
-            <a:pPr indent="0" lvl="0" marL="0" rtl="0" algn="l">
-              <a:spcBef>
-                <a:spcPts val="0"/>
-              </a:spcBef>
-              <a:spcAft>
-                <a:spcPts val="0"/>
-              </a:spcAft>
-              <a:buClr>
-                <a:schemeClr val="dk1"/>
-              </a:buClr>
-              <a:buSzPts val="1100"/>
-              <a:buFont typeface="Arial"/>
-              <a:buNone/>
-            </a:pPr>
-            <a:r>
-              <a:rPr lang="fr" sz="1300">
-                <a:solidFill>
-                  <a:schemeClr val="dk1"/>
-                </a:solidFill>
-              </a:rPr>
-              <a:t>__________________</a:t>
-            </a:r>
-            <a:endParaRPr sz="1300"/>
-          </a:p>
-        </p:txBody>
-      </p:sp>
-      <p:sp>
-        <p:nvSpPr>
-          <p:cNvPr id="329" name="Google Shape;329;p29"/>
-          <p:cNvSpPr txBox="1"/>
-          <p:nvPr/>
-        </p:nvSpPr>
-        <p:spPr>
-          <a:xfrm>
-            <a:off x="3509350" y="817600"/>
-            <a:ext cx="2043600" cy="756000"/>
-          </a:xfrm>
-          <a:prstGeom prst="rect">
-            <a:avLst/>
-          </a:prstGeom>
-          <a:noFill/>
-          <a:ln>
-            <a:noFill/>
-          </a:ln>
-        </p:spPr>
-        <p:txBody>
-          <a:bodyPr anchorCtr="0" anchor="t" bIns="91425" lIns="91425" spcFirstLastPara="1" rIns="91425" wrap="square" tIns="91425">
-            <a:noAutofit/>
-          </a:bodyPr>
-          <a:lstStyle/>
-          <a:p>
-            <a:pPr indent="0" lvl="0" marL="0" rtl="0" algn="r">
-              <a:spcBef>
-                <a:spcPts val="0"/>
-              </a:spcBef>
-              <a:spcAft>
-                <a:spcPts val="0"/>
-              </a:spcAft>
-              <a:buNone/>
-            </a:pPr>
-            <a:r>
-              <a:rPr i="1" lang="fr" sz="900"/>
-              <a:t>Contribue à</a:t>
-            </a:r>
-            <a:endParaRPr i="1" sz="900"/>
-          </a:p>
-          <a:p>
-            <a:pPr indent="0" lvl="0" marL="0" rtl="0" algn="l">
-              <a:spcBef>
-                <a:spcPts val="0"/>
-              </a:spcBef>
-              <a:spcAft>
-                <a:spcPts val="0"/>
-              </a:spcAft>
-              <a:buNone/>
-            </a:pPr>
-            <a:r>
-              <a:rPr lang="fr" sz="1300"/>
-              <a:t>Objectif Stratégique 2:</a:t>
-            </a:r>
-            <a:endParaRPr sz="1300"/>
-          </a:p>
-          <a:p>
-            <a:pPr indent="0" lvl="0" marL="0" rtl="0" algn="l">
-              <a:spcBef>
-                <a:spcPts val="0"/>
-              </a:spcBef>
-              <a:spcAft>
-                <a:spcPts val="0"/>
-              </a:spcAft>
-              <a:buNone/>
-            </a:pPr>
-            <a:r>
-              <a:t/>
-            </a:r>
-            <a:endParaRPr sz="700"/>
-          </a:p>
-          <a:p>
-            <a:pPr indent="0" lvl="0" marL="0" rtl="0" algn="l">
-              <a:spcBef>
-                <a:spcPts val="0"/>
-              </a:spcBef>
-              <a:spcAft>
-                <a:spcPts val="0"/>
-              </a:spcAft>
-              <a:buClr>
-                <a:schemeClr val="dk1"/>
-              </a:buClr>
-              <a:buSzPts val="1100"/>
-              <a:buFont typeface="Arial"/>
-              <a:buNone/>
-            </a:pPr>
-            <a:r>
-              <a:rPr lang="fr" sz="1300">
-                <a:solidFill>
-                  <a:schemeClr val="dk1"/>
-                </a:solidFill>
-              </a:rPr>
-              <a:t>__________________</a:t>
-            </a:r>
-            <a:endParaRPr sz="1300"/>
-          </a:p>
-          <a:p>
-            <a:pPr indent="0" lvl="0" marL="0" rtl="0" algn="ctr">
-              <a:spcBef>
-                <a:spcPts val="0"/>
-              </a:spcBef>
-              <a:spcAft>
-                <a:spcPts val="0"/>
-              </a:spcAft>
-              <a:buNone/>
-            </a:pPr>
-            <a:r>
-              <a:t/>
-            </a:r>
-            <a:endParaRPr sz="1300"/>
-          </a:p>
-        </p:txBody>
-      </p:sp>
-      <p:sp>
-        <p:nvSpPr>
-          <p:cNvPr id="330" name="Google Shape;330;p29"/>
-          <p:cNvSpPr/>
-          <p:nvPr/>
-        </p:nvSpPr>
-        <p:spPr>
-          <a:xfrm>
-            <a:off x="3830575" y="3045950"/>
-            <a:ext cx="996300" cy="996300"/>
-          </a:xfrm>
-          <a:prstGeom prst="ellipse">
-            <a:avLst/>
-          </a:prstGeom>
-          <a:noFill/>
-          <a:ln cap="flat" cmpd="sng" w="28575">
-            <a:solidFill>
-              <a:srgbClr val="000000"/>
-            </a:solidFill>
-            <a:prstDash val="lgDash"/>
-            <a:round/>
-            <a:headEnd len="sm" w="sm" type="none"/>
-            <a:tailEnd len="sm" w="sm" type="none"/>
-          </a:ln>
-        </p:spPr>
-        <p:txBody>
-          <a:bodyPr anchorCtr="0" anchor="ctr" bIns="91425" lIns="91425" spcFirstLastPara="1" rIns="91425" wrap="square" tIns="91425">
-            <a:noAutofit/>
-          </a:bodyPr>
-          <a:lstStyle/>
-          <a:p>
-            <a:pPr indent="0" lvl="0" marL="0" rtl="0" algn="l">
-              <a:spcBef>
-                <a:spcPts val="0"/>
-              </a:spcBef>
-              <a:spcAft>
-                <a:spcPts val="0"/>
-              </a:spcAft>
-              <a:buNone/>
-            </a:pPr>
-            <a:r>
-              <a:t/>
-            </a:r>
-            <a:endParaRPr/>
-          </a:p>
-        </p:txBody>
-      </p:sp>
-      <p:sp>
-        <p:nvSpPr>
-          <p:cNvPr id="331" name="Google Shape;331;p29"/>
-          <p:cNvSpPr/>
-          <p:nvPr/>
-        </p:nvSpPr>
-        <p:spPr>
-          <a:xfrm>
-            <a:off x="3331300" y="2587562"/>
-            <a:ext cx="1913100" cy="1913100"/>
-          </a:xfrm>
-          <a:prstGeom prst="ellipse">
-            <a:avLst/>
-          </a:prstGeom>
-          <a:noFill/>
-          <a:ln cap="flat" cmpd="sng" w="28575">
-            <a:solidFill>
-              <a:srgbClr val="1155CC"/>
-            </a:solidFill>
-            <a:prstDash val="lgDash"/>
-            <a:round/>
-            <a:headEnd len="sm" w="sm" type="none"/>
-            <a:tailEnd len="sm" w="sm" type="none"/>
-          </a:ln>
-        </p:spPr>
-        <p:txBody>
-          <a:bodyPr anchorCtr="0" anchor="ctr" bIns="91425" lIns="91425" spcFirstLastPara="1" rIns="91425" wrap="square" tIns="91425">
-            <a:noAutofit/>
-          </a:bodyPr>
-          <a:lstStyle/>
-          <a:p>
-            <a:pPr indent="0" lvl="0" marL="0" rtl="0" algn="l">
-              <a:spcBef>
-                <a:spcPts val="0"/>
-              </a:spcBef>
-              <a:spcAft>
-                <a:spcPts val="0"/>
-              </a:spcAft>
-              <a:buNone/>
-            </a:pPr>
-            <a:r>
-              <a:t/>
-            </a:r>
-            <a:endParaRPr/>
-          </a:p>
-        </p:txBody>
-      </p:sp>
-      <p:sp>
-        <p:nvSpPr>
-          <p:cNvPr id="332" name="Google Shape;332;p29"/>
-          <p:cNvSpPr txBox="1"/>
-          <p:nvPr/>
-        </p:nvSpPr>
-        <p:spPr>
-          <a:xfrm>
-            <a:off x="6767800" y="3337700"/>
-            <a:ext cx="1557000" cy="596400"/>
-          </a:xfrm>
-          <a:prstGeom prst="rect">
-            <a:avLst/>
-          </a:prstGeom>
-          <a:noFill/>
-          <a:ln>
-            <a:noFill/>
-          </a:ln>
-        </p:spPr>
-        <p:txBody>
-          <a:bodyPr anchorCtr="0" anchor="t" bIns="91425" lIns="91425" spcFirstLastPara="1" rIns="91425" wrap="square" tIns="91425">
-            <a:noAutofit/>
-          </a:bodyPr>
-          <a:lstStyle/>
-          <a:p>
-            <a:pPr indent="0" lvl="0" marL="0" rtl="0" algn="ctr">
-              <a:spcBef>
-                <a:spcPts val="0"/>
-              </a:spcBef>
-              <a:spcAft>
-                <a:spcPts val="0"/>
-              </a:spcAft>
-              <a:buNone/>
-            </a:pPr>
-            <a:r>
-              <a:rPr lang="fr"/>
-              <a:t>Retour sur investissement</a:t>
-            </a:r>
-            <a:endParaRPr/>
-          </a:p>
-        </p:txBody>
-      </p:sp>
-      <p:sp>
-        <p:nvSpPr>
-          <p:cNvPr id="333" name="Google Shape;333;p29"/>
-          <p:cNvSpPr txBox="1"/>
-          <p:nvPr/>
-        </p:nvSpPr>
-        <p:spPr>
-          <a:xfrm>
-            <a:off x="6382675" y="5629550"/>
-            <a:ext cx="1557000" cy="412800"/>
-          </a:xfrm>
-          <a:prstGeom prst="rect">
-            <a:avLst/>
-          </a:prstGeom>
-          <a:noFill/>
-          <a:ln>
-            <a:noFill/>
-          </a:ln>
-        </p:spPr>
-        <p:txBody>
-          <a:bodyPr anchorCtr="0" anchor="t" bIns="91425" lIns="91425" spcFirstLastPara="1" rIns="91425" wrap="square" tIns="91425">
-            <a:noAutofit/>
-          </a:bodyPr>
-          <a:lstStyle/>
-          <a:p>
-            <a:pPr indent="0" lvl="0" marL="0" rtl="0" algn="ctr">
-              <a:spcBef>
-                <a:spcPts val="0"/>
-              </a:spcBef>
-              <a:spcAft>
-                <a:spcPts val="0"/>
-              </a:spcAft>
-              <a:buNone/>
-            </a:pPr>
-            <a:r>
-              <a:rPr lang="fr"/>
-              <a:t>Différentiation</a:t>
-            </a:r>
-            <a:endParaRPr/>
-          </a:p>
-        </p:txBody>
-      </p:sp>
-      <p:sp>
-        <p:nvSpPr>
-          <p:cNvPr id="334" name="Google Shape;334;p29"/>
-          <p:cNvSpPr txBox="1"/>
-          <p:nvPr/>
-        </p:nvSpPr>
-        <p:spPr>
-          <a:xfrm>
-            <a:off x="3558775" y="5696650"/>
-            <a:ext cx="1557000" cy="553500"/>
-          </a:xfrm>
-          <a:prstGeom prst="rect">
-            <a:avLst/>
-          </a:prstGeom>
-          <a:noFill/>
-          <a:ln>
-            <a:noFill/>
-          </a:ln>
-        </p:spPr>
-        <p:txBody>
-          <a:bodyPr anchorCtr="0" anchor="t" bIns="91425" lIns="91425" spcFirstLastPara="1" rIns="91425" wrap="square" tIns="91425">
-            <a:noAutofit/>
-          </a:bodyPr>
-          <a:lstStyle/>
-          <a:p>
-            <a:pPr indent="0" lvl="0" marL="0" rtl="0" algn="ctr">
-              <a:spcBef>
-                <a:spcPts val="0"/>
-              </a:spcBef>
-              <a:spcAft>
-                <a:spcPts val="0"/>
-              </a:spcAft>
-              <a:buNone/>
-            </a:pPr>
-            <a:r>
-              <a:rPr lang="fr"/>
-              <a:t>Maturité de l’organisation</a:t>
-            </a:r>
-            <a:endParaRPr/>
-          </a:p>
-        </p:txBody>
-      </p:sp>
-      <p:sp>
-        <p:nvSpPr>
-          <p:cNvPr id="335" name="Google Shape;335;p29"/>
-          <p:cNvSpPr txBox="1"/>
-          <p:nvPr/>
-        </p:nvSpPr>
-        <p:spPr>
-          <a:xfrm>
-            <a:off x="734875" y="5554225"/>
-            <a:ext cx="1557000" cy="596400"/>
-          </a:xfrm>
-          <a:prstGeom prst="rect">
-            <a:avLst/>
-          </a:prstGeom>
-          <a:noFill/>
-          <a:ln>
-            <a:noFill/>
-          </a:ln>
-        </p:spPr>
-        <p:txBody>
-          <a:bodyPr anchorCtr="0" anchor="t" bIns="91425" lIns="91425" spcFirstLastPara="1" rIns="91425" wrap="square" tIns="91425">
-            <a:noAutofit/>
-          </a:bodyPr>
-          <a:lstStyle/>
-          <a:p>
-            <a:pPr indent="0" lvl="0" marL="0" rtl="0" algn="l">
-              <a:spcBef>
-                <a:spcPts val="0"/>
-              </a:spcBef>
-              <a:spcAft>
-                <a:spcPts val="0"/>
-              </a:spcAft>
-              <a:buNone/>
-            </a:pPr>
-            <a:r>
-              <a:rPr lang="fr"/>
-              <a:t>Délai de mise en oeuvre</a:t>
-            </a:r>
-            <a:endParaRPr/>
-          </a:p>
-        </p:txBody>
-      </p:sp>
-      <p:sp>
-        <p:nvSpPr>
-          <p:cNvPr id="336" name="Google Shape;336;p29"/>
-          <p:cNvSpPr txBox="1"/>
-          <p:nvPr/>
-        </p:nvSpPr>
-        <p:spPr>
-          <a:xfrm>
-            <a:off x="666325" y="3216100"/>
-            <a:ext cx="1557000" cy="826200"/>
-          </a:xfrm>
-          <a:prstGeom prst="rect">
-            <a:avLst/>
-          </a:prstGeom>
-          <a:noFill/>
-          <a:ln>
-            <a:noFill/>
-          </a:ln>
-        </p:spPr>
-        <p:txBody>
-          <a:bodyPr anchorCtr="0" anchor="t" bIns="91425" lIns="91425" spcFirstLastPara="1" rIns="91425" wrap="square" tIns="91425">
-            <a:noAutofit/>
-          </a:bodyPr>
-          <a:lstStyle/>
-          <a:p>
-            <a:pPr indent="0" lvl="0" marL="0" rtl="0" algn="l">
-              <a:spcBef>
-                <a:spcPts val="0"/>
-              </a:spcBef>
-              <a:spcAft>
-                <a:spcPts val="0"/>
-              </a:spcAft>
-              <a:buNone/>
-            </a:pPr>
-            <a:r>
-              <a:rPr lang="fr"/>
-              <a:t>Effets réseau / effets d’apprentissage</a:t>
-            </a:r>
-            <a:endParaRPr/>
-          </a:p>
-        </p:txBody>
-      </p:sp>
-      <p:sp>
-        <p:nvSpPr>
-          <p:cNvPr id="337" name="Google Shape;337;p29"/>
-          <p:cNvSpPr txBox="1"/>
-          <p:nvPr/>
-        </p:nvSpPr>
-        <p:spPr>
-          <a:xfrm>
-            <a:off x="6286000" y="893800"/>
-            <a:ext cx="2043600" cy="756000"/>
-          </a:xfrm>
-          <a:prstGeom prst="rect">
-            <a:avLst/>
-          </a:prstGeom>
-          <a:noFill/>
-          <a:ln>
-            <a:noFill/>
-          </a:ln>
-        </p:spPr>
-        <p:txBody>
-          <a:bodyPr anchorCtr="0" anchor="t" bIns="91425" lIns="91425" spcFirstLastPara="1" rIns="91425" wrap="square" tIns="91425">
-            <a:noAutofit/>
-          </a:bodyPr>
-          <a:lstStyle/>
-          <a:p>
-            <a:pPr indent="0" lvl="0" marL="0" rtl="0" algn="r">
-              <a:spcBef>
-                <a:spcPts val="0"/>
-              </a:spcBef>
-              <a:spcAft>
-                <a:spcPts val="0"/>
-              </a:spcAft>
-              <a:buNone/>
-            </a:pPr>
-            <a:r>
-              <a:rPr i="1" lang="fr" sz="900"/>
-              <a:t>Contribue à</a:t>
-            </a:r>
-            <a:endParaRPr i="1" sz="900"/>
-          </a:p>
-          <a:p>
-            <a:pPr indent="0" lvl="0" marL="0" rtl="0" algn="l">
-              <a:spcBef>
-                <a:spcPts val="0"/>
-              </a:spcBef>
-              <a:spcAft>
-                <a:spcPts val="0"/>
-              </a:spcAft>
-              <a:buNone/>
-            </a:pPr>
-            <a:r>
-              <a:rPr lang="fr" sz="1300"/>
-              <a:t>Objectif Stratégique 3:</a:t>
-            </a:r>
-            <a:endParaRPr sz="1300"/>
-          </a:p>
-          <a:p>
-            <a:pPr indent="0" lvl="0" marL="0" rtl="0" algn="l">
-              <a:spcBef>
-                <a:spcPts val="0"/>
-              </a:spcBef>
-              <a:spcAft>
-                <a:spcPts val="0"/>
-              </a:spcAft>
-              <a:buNone/>
-            </a:pPr>
-            <a:r>
-              <a:t/>
-            </a:r>
-            <a:endParaRPr sz="700"/>
-          </a:p>
-          <a:p>
-            <a:pPr indent="0" lvl="0" marL="0" rtl="0" algn="l">
-              <a:spcBef>
-                <a:spcPts val="0"/>
-              </a:spcBef>
-              <a:spcAft>
-                <a:spcPts val="0"/>
-              </a:spcAft>
-              <a:buNone/>
-            </a:pPr>
-            <a:r>
-              <a:rPr lang="fr" sz="1300"/>
-              <a:t>__________________</a:t>
-            </a:r>
-            <a:endParaRPr sz="1300"/>
-          </a:p>
-        </p:txBody>
-      </p:sp>
-      <p:sp>
-        <p:nvSpPr>
-          <p:cNvPr id="338" name="Google Shape;338;p29"/>
-          <p:cNvSpPr txBox="1"/>
-          <p:nvPr/>
-        </p:nvSpPr>
-        <p:spPr>
-          <a:xfrm>
-            <a:off x="3625975" y="3186250"/>
-            <a:ext cx="323400" cy="320100"/>
-          </a:xfrm>
-          <a:prstGeom prst="rect">
-            <a:avLst/>
-          </a:prstGeom>
-          <a:noFill/>
-          <a:ln>
-            <a:noFill/>
-          </a:ln>
-        </p:spPr>
-        <p:txBody>
-          <a:bodyPr anchorCtr="0" anchor="t" bIns="91425" lIns="91425" spcFirstLastPara="1" rIns="91425" wrap="square" tIns="91425">
-            <a:noAutofit/>
-          </a:bodyPr>
-          <a:lstStyle/>
-          <a:p>
-            <a:pPr indent="0" lvl="0" marL="0" rtl="0" algn="l">
-              <a:spcBef>
-                <a:spcPts val="0"/>
-              </a:spcBef>
-              <a:spcAft>
-                <a:spcPts val="0"/>
-              </a:spcAft>
-              <a:buNone/>
-            </a:pPr>
-            <a:r>
-              <a:rPr b="1" lang="fr" sz="1000">
-                <a:solidFill>
-                  <a:srgbClr val="FF0000"/>
-                </a:solidFill>
-              </a:rPr>
-              <a:t>1</a:t>
-            </a:r>
-            <a:endParaRPr b="1" sz="1000">
-              <a:solidFill>
-                <a:srgbClr val="FF0000"/>
-              </a:solidFill>
-            </a:endParaRPr>
-          </a:p>
-        </p:txBody>
-      </p:sp>
-      <p:sp>
-        <p:nvSpPr>
-          <p:cNvPr id="339" name="Google Shape;339;p29"/>
-          <p:cNvSpPr txBox="1"/>
-          <p:nvPr/>
-        </p:nvSpPr>
-        <p:spPr>
-          <a:xfrm>
-            <a:off x="3255100" y="2866150"/>
-            <a:ext cx="323400" cy="320100"/>
-          </a:xfrm>
-          <a:prstGeom prst="rect">
-            <a:avLst/>
-          </a:prstGeom>
-          <a:noFill/>
-          <a:ln>
-            <a:noFill/>
-          </a:ln>
-        </p:spPr>
-        <p:txBody>
-          <a:bodyPr anchorCtr="0" anchor="t" bIns="91425" lIns="91425" spcFirstLastPara="1" rIns="91425" wrap="square" tIns="91425">
-            <a:noAutofit/>
-          </a:bodyPr>
-          <a:lstStyle/>
-          <a:p>
-            <a:pPr indent="0" lvl="0" marL="0" marR="0" rtl="0" algn="l">
-              <a:lnSpc>
-                <a:spcPct val="100000"/>
-              </a:lnSpc>
-              <a:spcBef>
-                <a:spcPts val="0"/>
-              </a:spcBef>
-              <a:spcAft>
-                <a:spcPts val="0"/>
-              </a:spcAft>
-              <a:buNone/>
-            </a:pPr>
-            <a:r>
-              <a:rPr b="1" lang="fr" sz="1000">
-                <a:solidFill>
-                  <a:srgbClr val="FF0000"/>
-                </a:solidFill>
-              </a:rPr>
-              <a:t>2</a:t>
-            </a:r>
-            <a:endParaRPr sz="1000"/>
-          </a:p>
-        </p:txBody>
-      </p:sp>
-      <p:sp>
-        <p:nvSpPr>
-          <p:cNvPr id="340" name="Google Shape;340;p29"/>
-          <p:cNvSpPr txBox="1"/>
-          <p:nvPr/>
-        </p:nvSpPr>
-        <p:spPr>
-          <a:xfrm>
-            <a:off x="2909400" y="2533300"/>
-            <a:ext cx="323400" cy="366300"/>
-          </a:xfrm>
-          <a:prstGeom prst="rect">
-            <a:avLst/>
-          </a:prstGeom>
-          <a:noFill/>
-          <a:ln>
-            <a:noFill/>
-          </a:ln>
-        </p:spPr>
-        <p:txBody>
-          <a:bodyPr anchorCtr="0" anchor="t" bIns="91425" lIns="91425" spcFirstLastPara="1" rIns="91425" wrap="square" tIns="91425">
-            <a:noAutofit/>
-          </a:bodyPr>
-          <a:lstStyle/>
-          <a:p>
-            <a:pPr indent="0" lvl="0" marL="0" marR="0" rtl="0" algn="l">
-              <a:lnSpc>
-                <a:spcPct val="100000"/>
-              </a:lnSpc>
-              <a:spcBef>
-                <a:spcPts val="0"/>
-              </a:spcBef>
-              <a:spcAft>
-                <a:spcPts val="0"/>
-              </a:spcAft>
-              <a:buNone/>
-            </a:pPr>
-            <a:r>
-              <a:rPr b="1" lang="fr" sz="1000">
-                <a:solidFill>
-                  <a:srgbClr val="FF0000"/>
-                </a:solidFill>
-              </a:rPr>
-              <a:t>3</a:t>
-            </a:r>
-            <a:endParaRPr b="1" sz="1000">
-              <a:solidFill>
-                <a:srgbClr val="FF0000"/>
-              </a:solidFill>
-            </a:endParaRPr>
-          </a:p>
-        </p:txBody>
-      </p:sp>
-      <p:sp>
-        <p:nvSpPr>
-          <p:cNvPr id="341" name="Google Shape;341;p29"/>
-          <p:cNvSpPr txBox="1"/>
-          <p:nvPr/>
-        </p:nvSpPr>
-        <p:spPr>
-          <a:xfrm>
-            <a:off x="2580550" y="2269050"/>
-            <a:ext cx="323400" cy="366300"/>
-          </a:xfrm>
-          <a:prstGeom prst="rect">
-            <a:avLst/>
-          </a:prstGeom>
-          <a:noFill/>
-          <a:ln>
-            <a:noFill/>
-          </a:ln>
-        </p:spPr>
-        <p:txBody>
-          <a:bodyPr anchorCtr="0" anchor="t" bIns="91425" lIns="91425" spcFirstLastPara="1" rIns="91425" wrap="square" tIns="91425">
-            <a:noAutofit/>
-          </a:bodyPr>
-          <a:lstStyle/>
-          <a:p>
-            <a:pPr indent="0" lvl="0" marL="0" marR="0" rtl="0" algn="l">
-              <a:lnSpc>
-                <a:spcPct val="100000"/>
-              </a:lnSpc>
-              <a:spcBef>
-                <a:spcPts val="0"/>
-              </a:spcBef>
-              <a:spcAft>
-                <a:spcPts val="0"/>
-              </a:spcAft>
-              <a:buNone/>
-            </a:pPr>
-            <a:r>
-              <a:rPr b="1" lang="fr" sz="1000">
-                <a:solidFill>
-                  <a:srgbClr val="FF0000"/>
-                </a:solidFill>
-              </a:rPr>
-              <a:t>4</a:t>
-            </a:r>
-            <a:endParaRPr b="1" sz="1000">
-              <a:solidFill>
-                <a:srgbClr val="FF0000"/>
-              </a:solidFill>
-            </a:endParaRPr>
-          </a:p>
-        </p:txBody>
-      </p:sp>
-      <p:sp>
-        <p:nvSpPr>
-          <p:cNvPr id="342" name="Google Shape;342;p29"/>
-          <p:cNvSpPr/>
-          <p:nvPr/>
-        </p:nvSpPr>
-        <p:spPr>
-          <a:xfrm>
-            <a:off x="6618825" y="4435100"/>
-            <a:ext cx="1855980" cy="756000"/>
-          </a:xfrm>
-          <a:prstGeom prst="flowChartTerminator">
-            <a:avLst/>
-          </a:prstGeom>
-          <a:noFill/>
-          <a:ln cap="flat" cmpd="sng" w="9525">
-            <a:solidFill>
-              <a:srgbClr val="000000"/>
-            </a:solidFill>
-            <a:prstDash val="solid"/>
-            <a:round/>
-            <a:headEnd len="sm" w="sm" type="none"/>
-            <a:tailEnd len="sm" w="sm" type="none"/>
-          </a:ln>
-        </p:spPr>
-        <p:txBody>
-          <a:bodyPr anchorCtr="0" anchor="ctr" bIns="91425" lIns="91425" spcFirstLastPara="1" rIns="91425" wrap="square" tIns="91425">
-            <a:noAutofit/>
-          </a:bodyPr>
-          <a:lstStyle/>
-          <a:p>
-            <a:pPr indent="0" lvl="0" marL="0" rtl="0" algn="ctr">
-              <a:spcBef>
-                <a:spcPts val="0"/>
-              </a:spcBef>
-              <a:spcAft>
-                <a:spcPts val="0"/>
-              </a:spcAft>
-              <a:buNone/>
-            </a:pPr>
-            <a:r>
-              <a:rPr b="1" i="1" lang="fr" sz="1000">
-                <a:solidFill>
-                  <a:srgbClr val="049CCF"/>
-                </a:solidFill>
-              </a:rPr>
-              <a:t>Pour chaque dimension, notez la performance de votre projet de 1 à 4</a:t>
-            </a:r>
-            <a:endParaRPr/>
-          </a:p>
-        </p:txBody>
-      </p:sp>
-      <p:sp>
-        <p:nvSpPr>
-          <p:cNvPr id="343" name="Google Shape;343;p29"/>
-          <p:cNvSpPr txBox="1"/>
-          <p:nvPr/>
-        </p:nvSpPr>
-        <p:spPr>
-          <a:xfrm>
-            <a:off x="638350" y="6520700"/>
-            <a:ext cx="8196300" cy="278100"/>
-          </a:xfrm>
-          <a:prstGeom prst="rect">
-            <a:avLst/>
-          </a:prstGeom>
-          <a:noFill/>
-          <a:ln>
-            <a:noFill/>
-          </a:ln>
-        </p:spPr>
-        <p:txBody>
-          <a:bodyPr anchorCtr="0" anchor="ctr" bIns="91425" lIns="91425" spcFirstLastPara="1" rIns="91425" wrap="square" tIns="91425">
-            <a:noAutofit/>
-          </a:bodyPr>
-          <a:lstStyle/>
-          <a:p>
-            <a:pPr indent="0" lvl="0" marL="0" rtl="0" algn="l">
-              <a:spcBef>
-                <a:spcPts val="0"/>
-              </a:spcBef>
-              <a:spcAft>
-                <a:spcPts val="0"/>
-              </a:spcAft>
-              <a:buNone/>
-            </a:pPr>
-            <a:r>
-              <a:rPr b="1" lang="fr" sz="800"/>
-              <a:t>Copyright © 2017-2023, Guillaume Lecuyer et Clement Levallois. DDBM is for you to use without restriction in modeling your own or other people's businesses. License CC BY-SA 4.0 Deed</a:t>
-            </a:r>
-            <a:endParaRPr sz="800"/>
-          </a:p>
-        </p:txBody>
-      </p:sp>
-      <p:sp>
-        <p:nvSpPr>
-          <p:cNvPr id="344" name="Google Shape;344;p29"/>
-          <p:cNvSpPr txBox="1"/>
-          <p:nvPr/>
-        </p:nvSpPr>
-        <p:spPr>
-          <a:xfrm>
-            <a:off x="4490200" y="263575"/>
-            <a:ext cx="4063200" cy="412800"/>
-          </a:xfrm>
-          <a:prstGeom prst="rect">
-            <a:avLst/>
-          </a:prstGeom>
-          <a:noFill/>
-          <a:ln>
-            <a:noFill/>
-          </a:ln>
-        </p:spPr>
-        <p:txBody>
-          <a:bodyPr anchorCtr="0" anchor="t" bIns="91425" lIns="91425" spcFirstLastPara="1" rIns="91425" wrap="square" tIns="91425">
-            <a:noAutofit/>
-          </a:bodyPr>
-          <a:lstStyle/>
-          <a:p>
-            <a:pPr indent="0" lvl="0" marL="0" rtl="0" algn="l">
-              <a:spcBef>
-                <a:spcPts val="0"/>
-              </a:spcBef>
-              <a:spcAft>
-                <a:spcPts val="0"/>
-              </a:spcAft>
-              <a:buNone/>
-            </a:pPr>
-            <a:r>
-              <a:rPr lang="fr" sz="1200"/>
-              <a:t>Nom de groupe:   _______________________________</a:t>
-            </a:r>
-            <a:endParaRPr sz="1200"/>
           </a:p>
         </p:txBody>
       </p:sp>
@@ -18431,7 +17954,7 @@
   <p:cSld>
     <p:spTree>
       <p:nvGrpSpPr>
-        <p:cNvPr id="348" name="Shape 348"/>
+        <p:cNvPr id="329" name="Shape 329"/>
         <p:cNvGrpSpPr/>
         <p:nvPr/>
       </p:nvGrpSpPr>
@@ -18445,14 +17968,155 @@
       </p:grpSpPr>
       <p:sp>
         <p:nvSpPr>
-          <p:cNvPr id="349" name="Google Shape;349;p30"/>
+          <p:cNvPr id="330" name="Google Shape;330;p30"/>
+          <p:cNvSpPr/>
+          <p:nvPr/>
+        </p:nvSpPr>
+        <p:spPr>
+          <a:xfrm>
+            <a:off x="505500" y="817600"/>
+            <a:ext cx="8196300" cy="5623200"/>
+          </a:xfrm>
+          <a:prstGeom prst="rect">
+            <a:avLst/>
+          </a:prstGeom>
+          <a:noFill/>
+          <a:ln cap="flat" cmpd="sng" w="28575">
+            <a:solidFill>
+              <a:srgbClr val="A64D79"/>
+            </a:solidFill>
+            <a:prstDash val="solid"/>
+            <a:round/>
+            <a:headEnd len="sm" w="sm" type="none"/>
+            <a:tailEnd len="sm" w="sm" type="none"/>
+          </a:ln>
+        </p:spPr>
+        <p:txBody>
+          <a:bodyPr anchorCtr="0" anchor="ctr" bIns="91425" lIns="91425" spcFirstLastPara="1" rIns="91425" wrap="square" tIns="91425">
+            <a:noAutofit/>
+          </a:bodyPr>
+          <a:lstStyle/>
+          <a:p>
+            <a:pPr indent="0" lvl="0" marL="0" rtl="0" algn="l">
+              <a:spcBef>
+                <a:spcPts val="0"/>
+              </a:spcBef>
+              <a:spcAft>
+                <a:spcPts val="0"/>
+              </a:spcAft>
+              <a:buNone/>
+            </a:pPr>
+            <a:r>
+              <a:t/>
+            </a:r>
+            <a:endParaRPr/>
+          </a:p>
+        </p:txBody>
+      </p:sp>
+      <p:sp>
+        <p:nvSpPr>
+          <p:cNvPr id="331" name="Google Shape;331;p30"/>
+          <p:cNvSpPr/>
+          <p:nvPr/>
+        </p:nvSpPr>
+        <p:spPr>
+          <a:xfrm>
+            <a:off x="2870500" y="2170545"/>
+            <a:ext cx="2834700" cy="2747100"/>
+          </a:xfrm>
+          <a:prstGeom prst="ellipse">
+            <a:avLst/>
+          </a:prstGeom>
+          <a:noFill/>
+          <a:ln cap="flat" cmpd="sng" w="28575">
+            <a:solidFill>
+              <a:srgbClr val="000000"/>
+            </a:solidFill>
+            <a:prstDash val="lgDash"/>
+            <a:round/>
+            <a:headEnd len="sm" w="sm" type="none"/>
+            <a:tailEnd len="sm" w="sm" type="none"/>
+          </a:ln>
+        </p:spPr>
+        <p:txBody>
+          <a:bodyPr anchorCtr="0" anchor="ctr" bIns="91425" lIns="91425" spcFirstLastPara="1" rIns="91425" wrap="square" tIns="91425">
+            <a:noAutofit/>
+          </a:bodyPr>
+          <a:lstStyle/>
+          <a:p>
+            <a:pPr indent="0" lvl="0" marL="0" rtl="0" algn="l">
+              <a:spcBef>
+                <a:spcPts val="0"/>
+              </a:spcBef>
+              <a:spcAft>
+                <a:spcPts val="0"/>
+              </a:spcAft>
+              <a:buNone/>
+            </a:pPr>
+            <a:r>
+              <a:t/>
+            </a:r>
+            <a:endParaRPr/>
+          </a:p>
+        </p:txBody>
+      </p:sp>
+      <p:sp>
+        <p:nvSpPr>
+          <p:cNvPr id="332" name="Google Shape;332;p30"/>
+          <p:cNvSpPr/>
+          <p:nvPr/>
+        </p:nvSpPr>
+        <p:spPr>
+          <a:xfrm>
+            <a:off x="2450650" y="1763601"/>
+            <a:ext cx="3674400" cy="3561000"/>
+          </a:xfrm>
+          <a:prstGeom prst="ellipse">
+            <a:avLst/>
+          </a:prstGeom>
+          <a:noFill/>
+          <a:ln cap="flat" cmpd="sng" w="28575">
+            <a:solidFill>
+              <a:srgbClr val="A64D79"/>
+            </a:solidFill>
+            <a:prstDash val="lgDash"/>
+            <a:round/>
+            <a:headEnd len="sm" w="sm" type="none"/>
+            <a:tailEnd len="sm" w="sm" type="none"/>
+          </a:ln>
+        </p:spPr>
+        <p:txBody>
+          <a:bodyPr anchorCtr="0" anchor="ctr" bIns="91425" lIns="91425" spcFirstLastPara="1" rIns="91425" wrap="square" tIns="91425">
+            <a:noAutofit/>
+          </a:bodyPr>
+          <a:lstStyle/>
+          <a:p>
+            <a:pPr indent="0" lvl="0" marL="0" rtl="0" algn="l">
+              <a:spcBef>
+                <a:spcPts val="0"/>
+              </a:spcBef>
+              <a:spcAft>
+                <a:spcPts val="0"/>
+              </a:spcAft>
+              <a:buNone/>
+            </a:pPr>
+            <a:r>
+              <a:t/>
+            </a:r>
+            <a:endParaRPr/>
+          </a:p>
+        </p:txBody>
+      </p:sp>
+      <p:sp>
+        <p:nvSpPr>
+          <p:cNvPr id="333" name="Google Shape;333;p30"/>
           <p:cNvSpPr txBox="1"/>
           <p:nvPr/>
         </p:nvSpPr>
         <p:spPr>
           <a:xfrm>
-            <a:off x="438075" y="62950"/>
-            <a:ext cx="3886800" cy="533400"/>
+            <a:off x="438075" y="0"/>
+            <a:ext cx="3886800" cy="596400"/>
           </a:xfrm>
           <a:prstGeom prst="rect">
             <a:avLst/>
@@ -18478,6 +18142,1154 @@
               <a:buNone/>
             </a:pPr>
             <a:r>
+              <a:rPr b="1" lang="fr" sz="1600">
+                <a:solidFill>
+                  <a:srgbClr val="A64D79"/>
+                </a:solidFill>
+              </a:rPr>
+              <a:t>Canevas #10.1</a:t>
+            </a:r>
+            <a:endParaRPr b="1" sz="1600">
+              <a:solidFill>
+                <a:srgbClr val="A64D79"/>
+              </a:solidFill>
+            </a:endParaRPr>
+          </a:p>
+          <a:p>
+            <a:pPr indent="0" lvl="0" marL="0" rtl="0" algn="l">
+              <a:spcBef>
+                <a:spcPts val="0"/>
+              </a:spcBef>
+              <a:spcAft>
+                <a:spcPts val="0"/>
+              </a:spcAft>
+              <a:buNone/>
+            </a:pPr>
+            <a:r>
+              <a:rPr b="1" lang="fr" sz="1600">
+                <a:solidFill>
+                  <a:srgbClr val="A64D79"/>
+                </a:solidFill>
+              </a:rPr>
+              <a:t>Synthèse Graphique</a:t>
+            </a:r>
+            <a:endParaRPr b="1" sz="1600">
+              <a:solidFill>
+                <a:srgbClr val="A64D79"/>
+              </a:solidFill>
+            </a:endParaRPr>
+          </a:p>
+        </p:txBody>
+      </p:sp>
+      <p:cxnSp>
+        <p:nvCxnSpPr>
+          <p:cNvPr id="334" name="Google Shape;334;p30"/>
+          <p:cNvCxnSpPr/>
+          <p:nvPr/>
+        </p:nvCxnSpPr>
+        <p:spPr>
+          <a:xfrm>
+            <a:off x="4349575" y="1600200"/>
+            <a:ext cx="0" cy="4164000"/>
+          </a:xfrm>
+          <a:prstGeom prst="straightConnector1">
+            <a:avLst/>
+          </a:prstGeom>
+          <a:noFill/>
+          <a:ln cap="flat" cmpd="sng" w="9525">
+            <a:solidFill>
+              <a:srgbClr val="000000"/>
+            </a:solidFill>
+            <a:prstDash val="solid"/>
+            <a:round/>
+            <a:headEnd len="med" w="med" type="none"/>
+            <a:tailEnd len="med" w="med" type="none"/>
+          </a:ln>
+        </p:spPr>
+      </p:cxnSp>
+      <p:cxnSp>
+        <p:nvCxnSpPr>
+          <p:cNvPr id="335" name="Google Shape;335;p30"/>
+          <p:cNvCxnSpPr/>
+          <p:nvPr/>
+        </p:nvCxnSpPr>
+        <p:spPr>
+          <a:xfrm flipH="1" rot="10800000">
+            <a:off x="2096525" y="3615250"/>
+            <a:ext cx="4712700" cy="18300"/>
+          </a:xfrm>
+          <a:prstGeom prst="straightConnector1">
+            <a:avLst/>
+          </a:prstGeom>
+          <a:noFill/>
+          <a:ln cap="flat" cmpd="sng" w="9525">
+            <a:solidFill>
+              <a:srgbClr val="000000"/>
+            </a:solidFill>
+            <a:prstDash val="solid"/>
+            <a:round/>
+            <a:headEnd len="med" w="med" type="none"/>
+            <a:tailEnd len="med" w="med" type="none"/>
+          </a:ln>
+        </p:spPr>
+      </p:cxnSp>
+      <p:cxnSp>
+        <p:nvCxnSpPr>
+          <p:cNvPr id="336" name="Google Shape;336;p30"/>
+          <p:cNvCxnSpPr/>
+          <p:nvPr/>
+        </p:nvCxnSpPr>
+        <p:spPr>
+          <a:xfrm>
+            <a:off x="2206550" y="1763200"/>
+            <a:ext cx="3979200" cy="3483900"/>
+          </a:xfrm>
+          <a:prstGeom prst="straightConnector1">
+            <a:avLst/>
+          </a:prstGeom>
+          <a:noFill/>
+          <a:ln cap="flat" cmpd="sng" w="9525">
+            <a:solidFill>
+              <a:srgbClr val="000000"/>
+            </a:solidFill>
+            <a:prstDash val="solid"/>
+            <a:round/>
+            <a:headEnd len="med" w="med" type="none"/>
+            <a:tailEnd len="med" w="med" type="none"/>
+          </a:ln>
+        </p:spPr>
+      </p:cxnSp>
+      <p:cxnSp>
+        <p:nvCxnSpPr>
+          <p:cNvPr id="337" name="Google Shape;337;p30"/>
+          <p:cNvCxnSpPr/>
+          <p:nvPr/>
+        </p:nvCxnSpPr>
+        <p:spPr>
+          <a:xfrm flipH="1">
+            <a:off x="2224700" y="1909900"/>
+            <a:ext cx="4382700" cy="3282300"/>
+          </a:xfrm>
+          <a:prstGeom prst="straightConnector1">
+            <a:avLst/>
+          </a:prstGeom>
+          <a:noFill/>
+          <a:ln cap="flat" cmpd="sng" w="9525">
+            <a:solidFill>
+              <a:srgbClr val="000000"/>
+            </a:solidFill>
+            <a:prstDash val="solid"/>
+            <a:round/>
+            <a:headEnd len="med" w="med" type="none"/>
+            <a:tailEnd len="med" w="med" type="none"/>
+          </a:ln>
+        </p:spPr>
+      </p:cxnSp>
+      <p:sp>
+        <p:nvSpPr>
+          <p:cNvPr id="338" name="Google Shape;338;p30"/>
+          <p:cNvSpPr txBox="1"/>
+          <p:nvPr/>
+        </p:nvSpPr>
+        <p:spPr>
+          <a:xfrm>
+            <a:off x="852975" y="904100"/>
+            <a:ext cx="2656500" cy="996300"/>
+          </a:xfrm>
+          <a:prstGeom prst="rect">
+            <a:avLst/>
+          </a:prstGeom>
+          <a:noFill/>
+          <a:ln>
+            <a:noFill/>
+          </a:ln>
+        </p:spPr>
+        <p:txBody>
+          <a:bodyPr anchorCtr="0" anchor="t" bIns="91425" lIns="91425" spcFirstLastPara="1" rIns="91425" wrap="square" tIns="91425">
+            <a:noAutofit/>
+          </a:bodyPr>
+          <a:lstStyle/>
+          <a:p>
+            <a:pPr indent="0" lvl="0" marL="0" rtl="0" algn="ctr">
+              <a:spcBef>
+                <a:spcPts val="0"/>
+              </a:spcBef>
+              <a:spcAft>
+                <a:spcPts val="0"/>
+              </a:spcAft>
+              <a:buNone/>
+            </a:pPr>
+            <a:r>
+              <a:rPr i="1" lang="fr" sz="900"/>
+              <a:t>Contribue à</a:t>
+            </a:r>
+            <a:endParaRPr i="1" sz="900"/>
+          </a:p>
+          <a:p>
+            <a:pPr indent="0" lvl="0" marL="0" rtl="0" algn="l">
+              <a:spcBef>
+                <a:spcPts val="0"/>
+              </a:spcBef>
+              <a:spcAft>
+                <a:spcPts val="0"/>
+              </a:spcAft>
+              <a:buNone/>
+            </a:pPr>
+            <a:r>
+              <a:rPr lang="fr" sz="1300"/>
+              <a:t>Objectif Stratégique 1</a:t>
+            </a:r>
+            <a:endParaRPr sz="1300"/>
+          </a:p>
+          <a:p>
+            <a:pPr indent="0" lvl="0" marL="0" rtl="0" algn="l">
+              <a:spcBef>
+                <a:spcPts val="0"/>
+              </a:spcBef>
+              <a:spcAft>
+                <a:spcPts val="0"/>
+              </a:spcAft>
+              <a:buNone/>
+            </a:pPr>
+            <a:r>
+              <a:t/>
+            </a:r>
+            <a:endParaRPr sz="700"/>
+          </a:p>
+          <a:p>
+            <a:pPr indent="0" lvl="0" marL="0" rtl="0" algn="l">
+              <a:spcBef>
+                <a:spcPts val="0"/>
+              </a:spcBef>
+              <a:spcAft>
+                <a:spcPts val="0"/>
+              </a:spcAft>
+              <a:buClr>
+                <a:schemeClr val="dk1"/>
+              </a:buClr>
+              <a:buSzPts val="1100"/>
+              <a:buFont typeface="Arial"/>
+              <a:buNone/>
+            </a:pPr>
+            <a:r>
+              <a:rPr lang="fr" sz="1300">
+                <a:solidFill>
+                  <a:schemeClr val="dk1"/>
+                </a:solidFill>
+              </a:rPr>
+              <a:t>__________________</a:t>
+            </a:r>
+            <a:endParaRPr sz="1300"/>
+          </a:p>
+        </p:txBody>
+      </p:sp>
+      <p:sp>
+        <p:nvSpPr>
+          <p:cNvPr id="339" name="Google Shape;339;p30"/>
+          <p:cNvSpPr txBox="1"/>
+          <p:nvPr/>
+        </p:nvSpPr>
+        <p:spPr>
+          <a:xfrm>
+            <a:off x="3509350" y="817600"/>
+            <a:ext cx="2043600" cy="756000"/>
+          </a:xfrm>
+          <a:prstGeom prst="rect">
+            <a:avLst/>
+          </a:prstGeom>
+          <a:noFill/>
+          <a:ln>
+            <a:noFill/>
+          </a:ln>
+        </p:spPr>
+        <p:txBody>
+          <a:bodyPr anchorCtr="0" anchor="t" bIns="91425" lIns="91425" spcFirstLastPara="1" rIns="91425" wrap="square" tIns="91425">
+            <a:noAutofit/>
+          </a:bodyPr>
+          <a:lstStyle/>
+          <a:p>
+            <a:pPr indent="0" lvl="0" marL="0" rtl="0" algn="r">
+              <a:spcBef>
+                <a:spcPts val="0"/>
+              </a:spcBef>
+              <a:spcAft>
+                <a:spcPts val="0"/>
+              </a:spcAft>
+              <a:buNone/>
+            </a:pPr>
+            <a:r>
+              <a:rPr i="1" lang="fr" sz="900"/>
+              <a:t>Contribue à</a:t>
+            </a:r>
+            <a:endParaRPr i="1" sz="900"/>
+          </a:p>
+          <a:p>
+            <a:pPr indent="0" lvl="0" marL="0" rtl="0" algn="l">
+              <a:spcBef>
+                <a:spcPts val="0"/>
+              </a:spcBef>
+              <a:spcAft>
+                <a:spcPts val="0"/>
+              </a:spcAft>
+              <a:buNone/>
+            </a:pPr>
+            <a:r>
+              <a:rPr lang="fr" sz="1300"/>
+              <a:t>Objectif Stratégique 2:</a:t>
+            </a:r>
+            <a:endParaRPr sz="1300"/>
+          </a:p>
+          <a:p>
+            <a:pPr indent="0" lvl="0" marL="0" rtl="0" algn="l">
+              <a:spcBef>
+                <a:spcPts val="0"/>
+              </a:spcBef>
+              <a:spcAft>
+                <a:spcPts val="0"/>
+              </a:spcAft>
+              <a:buNone/>
+            </a:pPr>
+            <a:r>
+              <a:t/>
+            </a:r>
+            <a:endParaRPr sz="700"/>
+          </a:p>
+          <a:p>
+            <a:pPr indent="0" lvl="0" marL="0" rtl="0" algn="l">
+              <a:spcBef>
+                <a:spcPts val="0"/>
+              </a:spcBef>
+              <a:spcAft>
+                <a:spcPts val="0"/>
+              </a:spcAft>
+              <a:buClr>
+                <a:schemeClr val="dk1"/>
+              </a:buClr>
+              <a:buSzPts val="1100"/>
+              <a:buFont typeface="Arial"/>
+              <a:buNone/>
+            </a:pPr>
+            <a:r>
+              <a:rPr lang="fr" sz="1300">
+                <a:solidFill>
+                  <a:schemeClr val="dk1"/>
+                </a:solidFill>
+              </a:rPr>
+              <a:t>__________________</a:t>
+            </a:r>
+            <a:endParaRPr sz="1300"/>
+          </a:p>
+          <a:p>
+            <a:pPr indent="0" lvl="0" marL="0" rtl="0" algn="ctr">
+              <a:spcBef>
+                <a:spcPts val="0"/>
+              </a:spcBef>
+              <a:spcAft>
+                <a:spcPts val="0"/>
+              </a:spcAft>
+              <a:buNone/>
+            </a:pPr>
+            <a:r>
+              <a:t/>
+            </a:r>
+            <a:endParaRPr sz="1300"/>
+          </a:p>
+        </p:txBody>
+      </p:sp>
+      <p:sp>
+        <p:nvSpPr>
+          <p:cNvPr id="340" name="Google Shape;340;p30"/>
+          <p:cNvSpPr/>
+          <p:nvPr/>
+        </p:nvSpPr>
+        <p:spPr>
+          <a:xfrm>
+            <a:off x="3830575" y="3045950"/>
+            <a:ext cx="996300" cy="996300"/>
+          </a:xfrm>
+          <a:prstGeom prst="ellipse">
+            <a:avLst/>
+          </a:prstGeom>
+          <a:noFill/>
+          <a:ln cap="flat" cmpd="sng" w="28575">
+            <a:solidFill>
+              <a:srgbClr val="000000"/>
+            </a:solidFill>
+            <a:prstDash val="lgDash"/>
+            <a:round/>
+            <a:headEnd len="sm" w="sm" type="none"/>
+            <a:tailEnd len="sm" w="sm" type="none"/>
+          </a:ln>
+        </p:spPr>
+        <p:txBody>
+          <a:bodyPr anchorCtr="0" anchor="ctr" bIns="91425" lIns="91425" spcFirstLastPara="1" rIns="91425" wrap="square" tIns="91425">
+            <a:noAutofit/>
+          </a:bodyPr>
+          <a:lstStyle/>
+          <a:p>
+            <a:pPr indent="0" lvl="0" marL="0" rtl="0" algn="l">
+              <a:spcBef>
+                <a:spcPts val="0"/>
+              </a:spcBef>
+              <a:spcAft>
+                <a:spcPts val="0"/>
+              </a:spcAft>
+              <a:buNone/>
+            </a:pPr>
+            <a:r>
+              <a:t/>
+            </a:r>
+            <a:endParaRPr/>
+          </a:p>
+        </p:txBody>
+      </p:sp>
+      <p:sp>
+        <p:nvSpPr>
+          <p:cNvPr id="341" name="Google Shape;341;p30"/>
+          <p:cNvSpPr/>
+          <p:nvPr/>
+        </p:nvSpPr>
+        <p:spPr>
+          <a:xfrm>
+            <a:off x="3331300" y="2587562"/>
+            <a:ext cx="1913100" cy="1913100"/>
+          </a:xfrm>
+          <a:prstGeom prst="ellipse">
+            <a:avLst/>
+          </a:prstGeom>
+          <a:noFill/>
+          <a:ln cap="flat" cmpd="sng" w="28575">
+            <a:solidFill>
+              <a:srgbClr val="1155CC"/>
+            </a:solidFill>
+            <a:prstDash val="lgDash"/>
+            <a:round/>
+            <a:headEnd len="sm" w="sm" type="none"/>
+            <a:tailEnd len="sm" w="sm" type="none"/>
+          </a:ln>
+        </p:spPr>
+        <p:txBody>
+          <a:bodyPr anchorCtr="0" anchor="ctr" bIns="91425" lIns="91425" spcFirstLastPara="1" rIns="91425" wrap="square" tIns="91425">
+            <a:noAutofit/>
+          </a:bodyPr>
+          <a:lstStyle/>
+          <a:p>
+            <a:pPr indent="0" lvl="0" marL="0" rtl="0" algn="l">
+              <a:spcBef>
+                <a:spcPts val="0"/>
+              </a:spcBef>
+              <a:spcAft>
+                <a:spcPts val="0"/>
+              </a:spcAft>
+              <a:buNone/>
+            </a:pPr>
+            <a:r>
+              <a:t/>
+            </a:r>
+            <a:endParaRPr/>
+          </a:p>
+        </p:txBody>
+      </p:sp>
+      <p:sp>
+        <p:nvSpPr>
+          <p:cNvPr id="342" name="Google Shape;342;p30"/>
+          <p:cNvSpPr txBox="1"/>
+          <p:nvPr/>
+        </p:nvSpPr>
+        <p:spPr>
+          <a:xfrm>
+            <a:off x="6767800" y="3337700"/>
+            <a:ext cx="1557000" cy="596400"/>
+          </a:xfrm>
+          <a:prstGeom prst="rect">
+            <a:avLst/>
+          </a:prstGeom>
+          <a:noFill/>
+          <a:ln>
+            <a:noFill/>
+          </a:ln>
+        </p:spPr>
+        <p:txBody>
+          <a:bodyPr anchorCtr="0" anchor="t" bIns="91425" lIns="91425" spcFirstLastPara="1" rIns="91425" wrap="square" tIns="91425">
+            <a:noAutofit/>
+          </a:bodyPr>
+          <a:lstStyle/>
+          <a:p>
+            <a:pPr indent="0" lvl="0" marL="0" rtl="0" algn="ctr">
+              <a:spcBef>
+                <a:spcPts val="0"/>
+              </a:spcBef>
+              <a:spcAft>
+                <a:spcPts val="0"/>
+              </a:spcAft>
+              <a:buNone/>
+            </a:pPr>
+            <a:r>
+              <a:rPr lang="fr"/>
+              <a:t>Retour sur investissement</a:t>
+            </a:r>
+            <a:endParaRPr/>
+          </a:p>
+        </p:txBody>
+      </p:sp>
+      <p:sp>
+        <p:nvSpPr>
+          <p:cNvPr id="343" name="Google Shape;343;p30"/>
+          <p:cNvSpPr txBox="1"/>
+          <p:nvPr/>
+        </p:nvSpPr>
+        <p:spPr>
+          <a:xfrm>
+            <a:off x="6382675" y="5629550"/>
+            <a:ext cx="1557000" cy="412800"/>
+          </a:xfrm>
+          <a:prstGeom prst="rect">
+            <a:avLst/>
+          </a:prstGeom>
+          <a:noFill/>
+          <a:ln>
+            <a:noFill/>
+          </a:ln>
+        </p:spPr>
+        <p:txBody>
+          <a:bodyPr anchorCtr="0" anchor="t" bIns="91425" lIns="91425" spcFirstLastPara="1" rIns="91425" wrap="square" tIns="91425">
+            <a:noAutofit/>
+          </a:bodyPr>
+          <a:lstStyle/>
+          <a:p>
+            <a:pPr indent="0" lvl="0" marL="0" rtl="0" algn="ctr">
+              <a:spcBef>
+                <a:spcPts val="0"/>
+              </a:spcBef>
+              <a:spcAft>
+                <a:spcPts val="0"/>
+              </a:spcAft>
+              <a:buNone/>
+            </a:pPr>
+            <a:r>
+              <a:rPr lang="fr"/>
+              <a:t>Différentiation</a:t>
+            </a:r>
+            <a:endParaRPr/>
+          </a:p>
+        </p:txBody>
+      </p:sp>
+      <p:sp>
+        <p:nvSpPr>
+          <p:cNvPr id="344" name="Google Shape;344;p30"/>
+          <p:cNvSpPr txBox="1"/>
+          <p:nvPr/>
+        </p:nvSpPr>
+        <p:spPr>
+          <a:xfrm>
+            <a:off x="3558775" y="5696650"/>
+            <a:ext cx="1557000" cy="553500"/>
+          </a:xfrm>
+          <a:prstGeom prst="rect">
+            <a:avLst/>
+          </a:prstGeom>
+          <a:noFill/>
+          <a:ln>
+            <a:noFill/>
+          </a:ln>
+        </p:spPr>
+        <p:txBody>
+          <a:bodyPr anchorCtr="0" anchor="t" bIns="91425" lIns="91425" spcFirstLastPara="1" rIns="91425" wrap="square" tIns="91425">
+            <a:noAutofit/>
+          </a:bodyPr>
+          <a:lstStyle/>
+          <a:p>
+            <a:pPr indent="0" lvl="0" marL="0" rtl="0" algn="ctr">
+              <a:spcBef>
+                <a:spcPts val="0"/>
+              </a:spcBef>
+              <a:spcAft>
+                <a:spcPts val="0"/>
+              </a:spcAft>
+              <a:buNone/>
+            </a:pPr>
+            <a:r>
+              <a:rPr lang="fr"/>
+              <a:t>Maturité de l’organisation</a:t>
+            </a:r>
+            <a:endParaRPr/>
+          </a:p>
+        </p:txBody>
+      </p:sp>
+      <p:sp>
+        <p:nvSpPr>
+          <p:cNvPr id="345" name="Google Shape;345;p30"/>
+          <p:cNvSpPr txBox="1"/>
+          <p:nvPr/>
+        </p:nvSpPr>
+        <p:spPr>
+          <a:xfrm>
+            <a:off x="734875" y="5554225"/>
+            <a:ext cx="1557000" cy="596400"/>
+          </a:xfrm>
+          <a:prstGeom prst="rect">
+            <a:avLst/>
+          </a:prstGeom>
+          <a:noFill/>
+          <a:ln>
+            <a:noFill/>
+          </a:ln>
+        </p:spPr>
+        <p:txBody>
+          <a:bodyPr anchorCtr="0" anchor="t" bIns="91425" lIns="91425" spcFirstLastPara="1" rIns="91425" wrap="square" tIns="91425">
+            <a:noAutofit/>
+          </a:bodyPr>
+          <a:lstStyle/>
+          <a:p>
+            <a:pPr indent="0" lvl="0" marL="0" rtl="0" algn="l">
+              <a:spcBef>
+                <a:spcPts val="0"/>
+              </a:spcBef>
+              <a:spcAft>
+                <a:spcPts val="0"/>
+              </a:spcAft>
+              <a:buNone/>
+            </a:pPr>
+            <a:r>
+              <a:rPr lang="fr"/>
+              <a:t>Délai de mise en oeuvre</a:t>
+            </a:r>
+            <a:endParaRPr/>
+          </a:p>
+        </p:txBody>
+      </p:sp>
+      <p:sp>
+        <p:nvSpPr>
+          <p:cNvPr id="346" name="Google Shape;346;p30"/>
+          <p:cNvSpPr txBox="1"/>
+          <p:nvPr/>
+        </p:nvSpPr>
+        <p:spPr>
+          <a:xfrm>
+            <a:off x="666325" y="3216100"/>
+            <a:ext cx="1557000" cy="826200"/>
+          </a:xfrm>
+          <a:prstGeom prst="rect">
+            <a:avLst/>
+          </a:prstGeom>
+          <a:noFill/>
+          <a:ln>
+            <a:noFill/>
+          </a:ln>
+        </p:spPr>
+        <p:txBody>
+          <a:bodyPr anchorCtr="0" anchor="t" bIns="91425" lIns="91425" spcFirstLastPara="1" rIns="91425" wrap="square" tIns="91425">
+            <a:noAutofit/>
+          </a:bodyPr>
+          <a:lstStyle/>
+          <a:p>
+            <a:pPr indent="0" lvl="0" marL="0" rtl="0" algn="l">
+              <a:spcBef>
+                <a:spcPts val="0"/>
+              </a:spcBef>
+              <a:spcAft>
+                <a:spcPts val="0"/>
+              </a:spcAft>
+              <a:buNone/>
+            </a:pPr>
+            <a:r>
+              <a:rPr lang="fr"/>
+              <a:t>Effets réseau / effets d’apprentissage</a:t>
+            </a:r>
+            <a:endParaRPr/>
+          </a:p>
+        </p:txBody>
+      </p:sp>
+      <p:sp>
+        <p:nvSpPr>
+          <p:cNvPr id="347" name="Google Shape;347;p30"/>
+          <p:cNvSpPr txBox="1"/>
+          <p:nvPr/>
+        </p:nvSpPr>
+        <p:spPr>
+          <a:xfrm>
+            <a:off x="6286000" y="893800"/>
+            <a:ext cx="2043600" cy="756000"/>
+          </a:xfrm>
+          <a:prstGeom prst="rect">
+            <a:avLst/>
+          </a:prstGeom>
+          <a:noFill/>
+          <a:ln>
+            <a:noFill/>
+          </a:ln>
+        </p:spPr>
+        <p:txBody>
+          <a:bodyPr anchorCtr="0" anchor="t" bIns="91425" lIns="91425" spcFirstLastPara="1" rIns="91425" wrap="square" tIns="91425">
+            <a:noAutofit/>
+          </a:bodyPr>
+          <a:lstStyle/>
+          <a:p>
+            <a:pPr indent="0" lvl="0" marL="0" rtl="0" algn="r">
+              <a:spcBef>
+                <a:spcPts val="0"/>
+              </a:spcBef>
+              <a:spcAft>
+                <a:spcPts val="0"/>
+              </a:spcAft>
+              <a:buNone/>
+            </a:pPr>
+            <a:r>
+              <a:rPr i="1" lang="fr" sz="900"/>
+              <a:t>Contribue à</a:t>
+            </a:r>
+            <a:endParaRPr i="1" sz="900"/>
+          </a:p>
+          <a:p>
+            <a:pPr indent="0" lvl="0" marL="0" rtl="0" algn="l">
+              <a:spcBef>
+                <a:spcPts val="0"/>
+              </a:spcBef>
+              <a:spcAft>
+                <a:spcPts val="0"/>
+              </a:spcAft>
+              <a:buNone/>
+            </a:pPr>
+            <a:r>
+              <a:rPr lang="fr" sz="1300"/>
+              <a:t>Objectif Stratégique 3:</a:t>
+            </a:r>
+            <a:endParaRPr sz="1300"/>
+          </a:p>
+          <a:p>
+            <a:pPr indent="0" lvl="0" marL="0" rtl="0" algn="l">
+              <a:spcBef>
+                <a:spcPts val="0"/>
+              </a:spcBef>
+              <a:spcAft>
+                <a:spcPts val="0"/>
+              </a:spcAft>
+              <a:buNone/>
+            </a:pPr>
+            <a:r>
+              <a:t/>
+            </a:r>
+            <a:endParaRPr sz="700"/>
+          </a:p>
+          <a:p>
+            <a:pPr indent="0" lvl="0" marL="0" rtl="0" algn="l">
+              <a:spcBef>
+                <a:spcPts val="0"/>
+              </a:spcBef>
+              <a:spcAft>
+                <a:spcPts val="0"/>
+              </a:spcAft>
+              <a:buNone/>
+            </a:pPr>
+            <a:r>
+              <a:rPr lang="fr" sz="1300"/>
+              <a:t>__________________</a:t>
+            </a:r>
+            <a:endParaRPr sz="1300"/>
+          </a:p>
+        </p:txBody>
+      </p:sp>
+      <p:sp>
+        <p:nvSpPr>
+          <p:cNvPr id="348" name="Google Shape;348;p30"/>
+          <p:cNvSpPr txBox="1"/>
+          <p:nvPr/>
+        </p:nvSpPr>
+        <p:spPr>
+          <a:xfrm>
+            <a:off x="3625975" y="3186250"/>
+            <a:ext cx="323400" cy="320100"/>
+          </a:xfrm>
+          <a:prstGeom prst="rect">
+            <a:avLst/>
+          </a:prstGeom>
+          <a:noFill/>
+          <a:ln>
+            <a:noFill/>
+          </a:ln>
+        </p:spPr>
+        <p:txBody>
+          <a:bodyPr anchorCtr="0" anchor="t" bIns="91425" lIns="91425" spcFirstLastPara="1" rIns="91425" wrap="square" tIns="91425">
+            <a:noAutofit/>
+          </a:bodyPr>
+          <a:lstStyle/>
+          <a:p>
+            <a:pPr indent="0" lvl="0" marL="0" rtl="0" algn="l">
+              <a:spcBef>
+                <a:spcPts val="0"/>
+              </a:spcBef>
+              <a:spcAft>
+                <a:spcPts val="0"/>
+              </a:spcAft>
+              <a:buNone/>
+            </a:pPr>
+            <a:r>
+              <a:rPr b="1" lang="fr" sz="1000">
+                <a:solidFill>
+                  <a:srgbClr val="FF0000"/>
+                </a:solidFill>
+              </a:rPr>
+              <a:t>1</a:t>
+            </a:r>
+            <a:endParaRPr b="1" sz="1000">
+              <a:solidFill>
+                <a:srgbClr val="FF0000"/>
+              </a:solidFill>
+            </a:endParaRPr>
+          </a:p>
+        </p:txBody>
+      </p:sp>
+      <p:sp>
+        <p:nvSpPr>
+          <p:cNvPr id="349" name="Google Shape;349;p30"/>
+          <p:cNvSpPr txBox="1"/>
+          <p:nvPr/>
+        </p:nvSpPr>
+        <p:spPr>
+          <a:xfrm>
+            <a:off x="3255100" y="2866150"/>
+            <a:ext cx="323400" cy="320100"/>
+          </a:xfrm>
+          <a:prstGeom prst="rect">
+            <a:avLst/>
+          </a:prstGeom>
+          <a:noFill/>
+          <a:ln>
+            <a:noFill/>
+          </a:ln>
+        </p:spPr>
+        <p:txBody>
+          <a:bodyPr anchorCtr="0" anchor="t" bIns="91425" lIns="91425" spcFirstLastPara="1" rIns="91425" wrap="square" tIns="91425">
+            <a:noAutofit/>
+          </a:bodyPr>
+          <a:lstStyle/>
+          <a:p>
+            <a:pPr indent="0" lvl="0" marL="0" marR="0" rtl="0" algn="l">
+              <a:lnSpc>
+                <a:spcPct val="100000"/>
+              </a:lnSpc>
+              <a:spcBef>
+                <a:spcPts val="0"/>
+              </a:spcBef>
+              <a:spcAft>
+                <a:spcPts val="0"/>
+              </a:spcAft>
+              <a:buNone/>
+            </a:pPr>
+            <a:r>
+              <a:rPr b="1" lang="fr" sz="1000">
+                <a:solidFill>
+                  <a:srgbClr val="FF0000"/>
+                </a:solidFill>
+              </a:rPr>
+              <a:t>2</a:t>
+            </a:r>
+            <a:endParaRPr sz="1000"/>
+          </a:p>
+        </p:txBody>
+      </p:sp>
+      <p:sp>
+        <p:nvSpPr>
+          <p:cNvPr id="350" name="Google Shape;350;p30"/>
+          <p:cNvSpPr txBox="1"/>
+          <p:nvPr/>
+        </p:nvSpPr>
+        <p:spPr>
+          <a:xfrm>
+            <a:off x="2909400" y="2533300"/>
+            <a:ext cx="323400" cy="366300"/>
+          </a:xfrm>
+          <a:prstGeom prst="rect">
+            <a:avLst/>
+          </a:prstGeom>
+          <a:noFill/>
+          <a:ln>
+            <a:noFill/>
+          </a:ln>
+        </p:spPr>
+        <p:txBody>
+          <a:bodyPr anchorCtr="0" anchor="t" bIns="91425" lIns="91425" spcFirstLastPara="1" rIns="91425" wrap="square" tIns="91425">
+            <a:noAutofit/>
+          </a:bodyPr>
+          <a:lstStyle/>
+          <a:p>
+            <a:pPr indent="0" lvl="0" marL="0" marR="0" rtl="0" algn="l">
+              <a:lnSpc>
+                <a:spcPct val="100000"/>
+              </a:lnSpc>
+              <a:spcBef>
+                <a:spcPts val="0"/>
+              </a:spcBef>
+              <a:spcAft>
+                <a:spcPts val="0"/>
+              </a:spcAft>
+              <a:buNone/>
+            </a:pPr>
+            <a:r>
+              <a:rPr b="1" lang="fr" sz="1000">
+                <a:solidFill>
+                  <a:srgbClr val="FF0000"/>
+                </a:solidFill>
+              </a:rPr>
+              <a:t>3</a:t>
+            </a:r>
+            <a:endParaRPr b="1" sz="1000">
+              <a:solidFill>
+                <a:srgbClr val="FF0000"/>
+              </a:solidFill>
+            </a:endParaRPr>
+          </a:p>
+        </p:txBody>
+      </p:sp>
+      <p:sp>
+        <p:nvSpPr>
+          <p:cNvPr id="351" name="Google Shape;351;p30"/>
+          <p:cNvSpPr txBox="1"/>
+          <p:nvPr/>
+        </p:nvSpPr>
+        <p:spPr>
+          <a:xfrm>
+            <a:off x="2580550" y="2269050"/>
+            <a:ext cx="323400" cy="366300"/>
+          </a:xfrm>
+          <a:prstGeom prst="rect">
+            <a:avLst/>
+          </a:prstGeom>
+          <a:noFill/>
+          <a:ln>
+            <a:noFill/>
+          </a:ln>
+        </p:spPr>
+        <p:txBody>
+          <a:bodyPr anchorCtr="0" anchor="t" bIns="91425" lIns="91425" spcFirstLastPara="1" rIns="91425" wrap="square" tIns="91425">
+            <a:noAutofit/>
+          </a:bodyPr>
+          <a:lstStyle/>
+          <a:p>
+            <a:pPr indent="0" lvl="0" marL="0" marR="0" rtl="0" algn="l">
+              <a:lnSpc>
+                <a:spcPct val="100000"/>
+              </a:lnSpc>
+              <a:spcBef>
+                <a:spcPts val="0"/>
+              </a:spcBef>
+              <a:spcAft>
+                <a:spcPts val="0"/>
+              </a:spcAft>
+              <a:buNone/>
+            </a:pPr>
+            <a:r>
+              <a:rPr b="1" lang="fr" sz="1000">
+                <a:solidFill>
+                  <a:srgbClr val="FF0000"/>
+                </a:solidFill>
+              </a:rPr>
+              <a:t>4</a:t>
+            </a:r>
+            <a:endParaRPr b="1" sz="1000">
+              <a:solidFill>
+                <a:srgbClr val="FF0000"/>
+              </a:solidFill>
+            </a:endParaRPr>
+          </a:p>
+        </p:txBody>
+      </p:sp>
+      <p:sp>
+        <p:nvSpPr>
+          <p:cNvPr id="352" name="Google Shape;352;p30"/>
+          <p:cNvSpPr/>
+          <p:nvPr/>
+        </p:nvSpPr>
+        <p:spPr>
+          <a:xfrm>
+            <a:off x="6618825" y="4435100"/>
+            <a:ext cx="1855980" cy="756000"/>
+          </a:xfrm>
+          <a:prstGeom prst="flowChartTerminator">
+            <a:avLst/>
+          </a:prstGeom>
+          <a:noFill/>
+          <a:ln cap="flat" cmpd="sng" w="9525">
+            <a:solidFill>
+              <a:srgbClr val="000000"/>
+            </a:solidFill>
+            <a:prstDash val="solid"/>
+            <a:round/>
+            <a:headEnd len="sm" w="sm" type="none"/>
+            <a:tailEnd len="sm" w="sm" type="none"/>
+          </a:ln>
+        </p:spPr>
+        <p:txBody>
+          <a:bodyPr anchorCtr="0" anchor="ctr" bIns="91425" lIns="91425" spcFirstLastPara="1" rIns="91425" wrap="square" tIns="91425">
+            <a:noAutofit/>
+          </a:bodyPr>
+          <a:lstStyle/>
+          <a:p>
+            <a:pPr indent="0" lvl="0" marL="0" rtl="0" algn="ctr">
+              <a:spcBef>
+                <a:spcPts val="0"/>
+              </a:spcBef>
+              <a:spcAft>
+                <a:spcPts val="0"/>
+              </a:spcAft>
+              <a:buNone/>
+            </a:pPr>
+            <a:r>
+              <a:rPr b="1" i="1" lang="fr" sz="1000">
+                <a:solidFill>
+                  <a:srgbClr val="049CCF"/>
+                </a:solidFill>
+              </a:rPr>
+              <a:t>Pour chaque dimension, notez la performance de votre projet de 1 à 4</a:t>
+            </a:r>
+            <a:endParaRPr/>
+          </a:p>
+        </p:txBody>
+      </p:sp>
+      <p:sp>
+        <p:nvSpPr>
+          <p:cNvPr id="353" name="Google Shape;353;p30"/>
+          <p:cNvSpPr txBox="1"/>
+          <p:nvPr/>
+        </p:nvSpPr>
+        <p:spPr>
+          <a:xfrm>
+            <a:off x="638350" y="6520700"/>
+            <a:ext cx="8196300" cy="278100"/>
+          </a:xfrm>
+          <a:prstGeom prst="rect">
+            <a:avLst/>
+          </a:prstGeom>
+          <a:noFill/>
+          <a:ln>
+            <a:noFill/>
+          </a:ln>
+        </p:spPr>
+        <p:txBody>
+          <a:bodyPr anchorCtr="0" anchor="ctr" bIns="91425" lIns="91425" spcFirstLastPara="1" rIns="91425" wrap="square" tIns="91425">
+            <a:noAutofit/>
+          </a:bodyPr>
+          <a:lstStyle/>
+          <a:p>
+            <a:pPr indent="0" lvl="0" marL="0" rtl="0" algn="l">
+              <a:spcBef>
+                <a:spcPts val="0"/>
+              </a:spcBef>
+              <a:spcAft>
+                <a:spcPts val="0"/>
+              </a:spcAft>
+              <a:buNone/>
+            </a:pPr>
+            <a:r>
+              <a:rPr b="1" lang="fr" sz="800"/>
+              <a:t>Copyright © 2017-2023, Guillaume Lecuyer et Clement Levallois. DDBM is for you to use without restriction in modeling your own or other people's businesses. License CC BY-SA 4.0 Deed</a:t>
+            </a:r>
+            <a:endParaRPr sz="800"/>
+          </a:p>
+        </p:txBody>
+      </p:sp>
+      <p:sp>
+        <p:nvSpPr>
+          <p:cNvPr id="354" name="Google Shape;354;p30"/>
+          <p:cNvSpPr txBox="1"/>
+          <p:nvPr/>
+        </p:nvSpPr>
+        <p:spPr>
+          <a:xfrm>
+            <a:off x="4490200" y="263575"/>
+            <a:ext cx="4063200" cy="412800"/>
+          </a:xfrm>
+          <a:prstGeom prst="rect">
+            <a:avLst/>
+          </a:prstGeom>
+          <a:noFill/>
+          <a:ln>
+            <a:noFill/>
+          </a:ln>
+        </p:spPr>
+        <p:txBody>
+          <a:bodyPr anchorCtr="0" anchor="t" bIns="91425" lIns="91425" spcFirstLastPara="1" rIns="91425" wrap="square" tIns="91425">
+            <a:noAutofit/>
+          </a:bodyPr>
+          <a:lstStyle/>
+          <a:p>
+            <a:pPr indent="0" lvl="0" marL="0" rtl="0" algn="l">
+              <a:spcBef>
+                <a:spcPts val="0"/>
+              </a:spcBef>
+              <a:spcAft>
+                <a:spcPts val="0"/>
+              </a:spcAft>
+              <a:buNone/>
+            </a:pPr>
+            <a:r>
+              <a:rPr lang="fr" sz="1200"/>
+              <a:t>Nom de groupe:   _______________________________</a:t>
+            </a:r>
+            <a:endParaRPr sz="1200"/>
+          </a:p>
+        </p:txBody>
+      </p:sp>
+    </p:spTree>
+  </p:cSld>
+  <p:clrMapOvr>
+    <a:masterClrMapping/>
+  </p:clrMapOvr>
+</p:sld>
+</file>
+
+<file path=ppt/slides/slide19.xml><?xml version="1.0" encoding="utf-8"?>
+<p:sld xmlns:a="http://schemas.openxmlformats.org/drawingml/2006/main" xmlns:r="http://schemas.openxmlformats.org/officeDocument/2006/relationships" xmlns:mc="http://schemas.openxmlformats.org/markup-compatibility/2006" xmlns:mv="urn:schemas-microsoft-com:mac:vml" xmlns:p="http://schemas.openxmlformats.org/presentationml/2006/main" xmlns:c="http://schemas.openxmlformats.org/drawingml/2006/chart" xmlns:dgm="http://schemas.openxmlformats.org/drawingml/2006/diagram" xmlns:o="urn:schemas-microsoft-com:office:office" xmlns:v="urn:schemas-microsoft-com:vml" xmlns:pvml="urn:schemas-microsoft-com:office:powerpoint" xmlns:com="http://schemas.openxmlformats.org/drawingml/2006/compatibility" xmlns:p14="http://schemas.microsoft.com/office/powerpoint/2010/main" xmlns:p15="http://schemas.microsoft.com/office/powerpoint/2012/main" xmlns:ahyp="http://schemas.microsoft.com/office/drawing/2018/hyperlinkcolor">
+  <p:cSld>
+    <p:spTree>
+      <p:nvGrpSpPr>
+        <p:cNvPr id="358" name="Shape 358"/>
+        <p:cNvGrpSpPr/>
+        <p:nvPr/>
+      </p:nvGrpSpPr>
+      <p:grpSpPr>
+        <a:xfrm>
+          <a:off x="0" y="0"/>
+          <a:ext cx="0" cy="0"/>
+          <a:chOff x="0" y="0"/>
+          <a:chExt cx="0" cy="0"/>
+        </a:xfrm>
+      </p:grpSpPr>
+      <p:sp>
+        <p:nvSpPr>
+          <p:cNvPr id="359" name="Google Shape;359;p31"/>
+          <p:cNvSpPr txBox="1"/>
+          <p:nvPr/>
+        </p:nvSpPr>
+        <p:spPr>
+          <a:xfrm>
+            <a:off x="438075" y="62950"/>
+            <a:ext cx="3886800" cy="533400"/>
+          </a:xfrm>
+          <a:prstGeom prst="rect">
+            <a:avLst/>
+          </a:prstGeom>
+          <a:noFill/>
+          <a:ln>
+            <a:noFill/>
+          </a:ln>
+        </p:spPr>
+        <p:txBody>
+          <a:bodyPr anchorCtr="0" anchor="t" bIns="91425" lIns="91425" spcFirstLastPara="1" rIns="91425" wrap="square" tIns="91425">
+            <a:noAutofit/>
+          </a:bodyPr>
+          <a:lstStyle/>
+          <a:p>
+            <a:pPr indent="0" lvl="0" marL="0" rtl="0" algn="l">
+              <a:spcBef>
+                <a:spcPts val="0"/>
+              </a:spcBef>
+              <a:spcAft>
+                <a:spcPts val="0"/>
+              </a:spcAft>
+              <a:buNone/>
+            </a:pPr>
+            <a:r>
               <a:rPr b="1" lang="fr" sz="1600"/>
               <a:t>Canevas #10.2 - synthèse qualitative</a:t>
             </a:r>
@@ -18487,7 +19299,7 @@
       </p:sp>
       <p:graphicFrame>
         <p:nvGraphicFramePr>
-          <p:cNvPr id="350" name="Google Shape;350;p30"/>
+          <p:cNvPr id="360" name="Google Shape;360;p31"/>
           <p:cNvGraphicFramePr/>
           <p:nvPr/>
         </p:nvGraphicFramePr>
@@ -18500,7 +19312,7 @@
             <a:tbl>
               <a:tblPr bandRow="1">
                 <a:noFill/>
-                <a:tableStyleId>{AED5BECF-DD01-4F81-973B-3C7ABF384272}</a:tableStyleId>
+                <a:tableStyleId>{ED7184C1-806F-4468-83E5-DA905AD45D50}</a:tableStyleId>
               </a:tblPr>
               <a:tblGrid>
                 <a:gridCol w="4026050"/>
@@ -19441,7 +20253,7 @@
       </p:graphicFrame>
       <p:sp>
         <p:nvSpPr>
-          <p:cNvPr id="351" name="Google Shape;351;p30"/>
+          <p:cNvPr id="361" name="Google Shape;361;p31"/>
           <p:cNvSpPr txBox="1"/>
           <p:nvPr/>
         </p:nvSpPr>
@@ -19483,7 +20295,7 @@
       </p:sp>
       <p:sp>
         <p:nvSpPr>
-          <p:cNvPr id="352" name="Google Shape;352;p30"/>
+          <p:cNvPr id="362" name="Google Shape;362;p31"/>
           <p:cNvSpPr txBox="1"/>
           <p:nvPr/>
         </p:nvSpPr>
@@ -19531,12 +20343,12 @@
 </p:sld>
 </file>
 
-<file path=ppt/slides/slide19.xml><?xml version="1.0" encoding="utf-8"?>
+<file path=ppt/slides/slide2.xml><?xml version="1.0" encoding="utf-8"?>
 <p:sld xmlns:a="http://schemas.openxmlformats.org/drawingml/2006/main" xmlns:r="http://schemas.openxmlformats.org/officeDocument/2006/relationships" xmlns:mc="http://schemas.openxmlformats.org/markup-compatibility/2006" xmlns:mv="urn:schemas-microsoft-com:mac:vml" xmlns:p="http://schemas.openxmlformats.org/presentationml/2006/main" xmlns:c="http://schemas.openxmlformats.org/drawingml/2006/chart" xmlns:dgm="http://schemas.openxmlformats.org/drawingml/2006/diagram" xmlns:o="urn:schemas-microsoft-com:office:office" xmlns:v="urn:schemas-microsoft-com:vml" xmlns:pvml="urn:schemas-microsoft-com:office:powerpoint" xmlns:com="http://schemas.openxmlformats.org/drawingml/2006/compatibility" xmlns:p14="http://schemas.microsoft.com/office/powerpoint/2010/main" xmlns:p15="http://schemas.microsoft.com/office/powerpoint/2012/main" xmlns:ahyp="http://schemas.microsoft.com/office/drawing/2018/hyperlinkcolor">
   <p:cSld>
     <p:spTree>
       <p:nvGrpSpPr>
-        <p:cNvPr id="356" name="Shape 356"/>
+        <p:cNvPr id="62" name="Shape 62"/>
         <p:cNvGrpSpPr/>
         <p:nvPr/>
       </p:nvGrpSpPr>
@@ -19550,7 +20362,813 @@
       </p:grpSpPr>
       <p:sp>
         <p:nvSpPr>
-          <p:cNvPr id="357" name="Google Shape;357;p31"/>
+          <p:cNvPr id="63" name="Google Shape;63;p14"/>
+          <p:cNvSpPr/>
+          <p:nvPr/>
+        </p:nvSpPr>
+        <p:spPr>
+          <a:xfrm>
+            <a:off x="505500" y="815988"/>
+            <a:ext cx="8196300" cy="5624700"/>
+          </a:xfrm>
+          <a:prstGeom prst="rect">
+            <a:avLst/>
+          </a:prstGeom>
+          <a:noFill/>
+          <a:ln cap="flat" cmpd="sng" w="28575">
+            <a:solidFill>
+              <a:srgbClr val="A64D79"/>
+            </a:solidFill>
+            <a:prstDash val="solid"/>
+            <a:round/>
+            <a:headEnd len="sm" w="sm" type="none"/>
+            <a:tailEnd len="sm" w="sm" type="none"/>
+          </a:ln>
+        </p:spPr>
+        <p:txBody>
+          <a:bodyPr anchorCtr="0" anchor="ctr" bIns="91425" lIns="91425" spcFirstLastPara="1" rIns="91425" wrap="square" tIns="91425">
+            <a:noAutofit/>
+          </a:bodyPr>
+          <a:lstStyle/>
+          <a:p>
+            <a:pPr indent="0" lvl="0" marL="0" rtl="0" algn="l">
+              <a:spcBef>
+                <a:spcPts val="0"/>
+              </a:spcBef>
+              <a:spcAft>
+                <a:spcPts val="0"/>
+              </a:spcAft>
+              <a:buNone/>
+            </a:pPr>
+            <a:r>
+              <a:t/>
+            </a:r>
+            <a:endParaRPr>
+              <a:solidFill>
+                <a:srgbClr val="A64D79"/>
+              </a:solidFill>
+            </a:endParaRPr>
+          </a:p>
+        </p:txBody>
+      </p:sp>
+      <p:sp>
+        <p:nvSpPr>
+          <p:cNvPr id="64" name="Google Shape;64;p14"/>
+          <p:cNvSpPr txBox="1"/>
+          <p:nvPr/>
+        </p:nvSpPr>
+        <p:spPr>
+          <a:xfrm>
+            <a:off x="438075" y="62950"/>
+            <a:ext cx="4063200" cy="533400"/>
+          </a:xfrm>
+          <a:prstGeom prst="rect">
+            <a:avLst/>
+          </a:prstGeom>
+          <a:noFill/>
+          <a:ln>
+            <a:noFill/>
+          </a:ln>
+        </p:spPr>
+        <p:txBody>
+          <a:bodyPr anchorCtr="0" anchor="t" bIns="91425" lIns="91425" spcFirstLastPara="1" rIns="91425" wrap="square" tIns="91425">
+            <a:noAutofit/>
+          </a:bodyPr>
+          <a:lstStyle/>
+          <a:p>
+            <a:pPr indent="0" lvl="0" marL="0" rtl="0" algn="l">
+              <a:spcBef>
+                <a:spcPts val="0"/>
+              </a:spcBef>
+              <a:spcAft>
+                <a:spcPts val="0"/>
+              </a:spcAft>
+              <a:buNone/>
+            </a:pPr>
+            <a:r>
+              <a:rPr b="1" lang="fr" sz="1600">
+                <a:solidFill>
+                  <a:srgbClr val="A64D79"/>
+                </a:solidFill>
+              </a:rPr>
+              <a:t>Carte d’identité du projet</a:t>
+            </a:r>
+            <a:endParaRPr b="1" sz="1600">
+              <a:solidFill>
+                <a:srgbClr val="A64D79"/>
+              </a:solidFill>
+            </a:endParaRPr>
+          </a:p>
+        </p:txBody>
+      </p:sp>
+      <p:sp>
+        <p:nvSpPr>
+          <p:cNvPr id="65" name="Google Shape;65;p14"/>
+          <p:cNvSpPr txBox="1"/>
+          <p:nvPr/>
+        </p:nvSpPr>
+        <p:spPr>
+          <a:xfrm>
+            <a:off x="4490200" y="263575"/>
+            <a:ext cx="4063200" cy="412800"/>
+          </a:xfrm>
+          <a:prstGeom prst="rect">
+            <a:avLst/>
+          </a:prstGeom>
+          <a:noFill/>
+          <a:ln>
+            <a:noFill/>
+          </a:ln>
+        </p:spPr>
+        <p:txBody>
+          <a:bodyPr anchorCtr="0" anchor="t" bIns="91425" lIns="91425" spcFirstLastPara="1" rIns="91425" wrap="square" tIns="91425">
+            <a:noAutofit/>
+          </a:bodyPr>
+          <a:lstStyle/>
+          <a:p>
+            <a:pPr indent="0" lvl="0" marL="0" rtl="0" algn="l">
+              <a:spcBef>
+                <a:spcPts val="0"/>
+              </a:spcBef>
+              <a:spcAft>
+                <a:spcPts val="0"/>
+              </a:spcAft>
+              <a:buNone/>
+            </a:pPr>
+            <a:r>
+              <a:rPr lang="fr" sz="1200"/>
+              <a:t>Date : 	   _________________________________</a:t>
+            </a:r>
+            <a:endParaRPr sz="1200"/>
+          </a:p>
+        </p:txBody>
+      </p:sp>
+      <p:sp>
+        <p:nvSpPr>
+          <p:cNvPr id="66" name="Google Shape;66;p14"/>
+          <p:cNvSpPr txBox="1"/>
+          <p:nvPr/>
+        </p:nvSpPr>
+        <p:spPr>
+          <a:xfrm>
+            <a:off x="940950" y="1192650"/>
+            <a:ext cx="7325400" cy="4472700"/>
+          </a:xfrm>
+          <a:prstGeom prst="rect">
+            <a:avLst/>
+          </a:prstGeom>
+          <a:noFill/>
+          <a:ln>
+            <a:noFill/>
+          </a:ln>
+        </p:spPr>
+        <p:txBody>
+          <a:bodyPr anchorCtr="0" anchor="t" bIns="91425" lIns="91425" spcFirstLastPara="1" rIns="91425" wrap="square" tIns="91425">
+            <a:noAutofit/>
+          </a:bodyPr>
+          <a:lstStyle/>
+          <a:p>
+            <a:pPr indent="0" lvl="0" marL="0" rtl="0" algn="l">
+              <a:spcBef>
+                <a:spcPts val="0"/>
+              </a:spcBef>
+              <a:spcAft>
+                <a:spcPts val="0"/>
+              </a:spcAft>
+              <a:buNone/>
+            </a:pPr>
+            <a:r>
+              <a:rPr b="1" lang="fr" sz="1100"/>
+              <a:t>Nom de l’entreprise</a:t>
+            </a:r>
+            <a:r>
+              <a:rPr lang="fr" sz="1100"/>
+              <a:t>: 	__________________________________</a:t>
+            </a:r>
+            <a:endParaRPr sz="1100"/>
+          </a:p>
+          <a:p>
+            <a:pPr indent="0" lvl="0" marL="0" rtl="0" algn="l">
+              <a:spcBef>
+                <a:spcPts val="0"/>
+              </a:spcBef>
+              <a:spcAft>
+                <a:spcPts val="0"/>
+              </a:spcAft>
+              <a:buNone/>
+            </a:pPr>
+            <a:r>
+              <a:t/>
+            </a:r>
+            <a:endParaRPr b="1" sz="1100"/>
+          </a:p>
+          <a:p>
+            <a:pPr indent="0" lvl="0" marL="0" rtl="0" algn="l">
+              <a:spcBef>
+                <a:spcPts val="0"/>
+              </a:spcBef>
+              <a:spcAft>
+                <a:spcPts val="0"/>
+              </a:spcAft>
+              <a:buNone/>
+            </a:pPr>
+            <a:r>
+              <a:t/>
+            </a:r>
+            <a:endParaRPr b="1" sz="1100">
+              <a:solidFill>
+                <a:schemeClr val="dk1"/>
+              </a:solidFill>
+            </a:endParaRPr>
+          </a:p>
+          <a:p>
+            <a:pPr indent="0" lvl="0" marL="0" rtl="0" algn="l">
+              <a:spcBef>
+                <a:spcPts val="0"/>
+              </a:spcBef>
+              <a:spcAft>
+                <a:spcPts val="0"/>
+              </a:spcAft>
+              <a:buClr>
+                <a:schemeClr val="dk1"/>
+              </a:buClr>
+              <a:buSzPts val="1100"/>
+              <a:buFont typeface="Arial"/>
+              <a:buNone/>
+            </a:pPr>
+            <a:r>
+              <a:rPr b="1" lang="fr" sz="1100">
+                <a:solidFill>
+                  <a:schemeClr val="dk1"/>
+                </a:solidFill>
+              </a:rPr>
+              <a:t>Numéro ou nom de votre groupe</a:t>
+            </a:r>
+            <a:r>
+              <a:rPr lang="fr" sz="1100">
+                <a:solidFill>
+                  <a:schemeClr val="dk1"/>
+                </a:solidFill>
+              </a:rPr>
+              <a:t>: 	__________________________________</a:t>
+            </a:r>
+            <a:endParaRPr sz="1100">
+              <a:solidFill>
+                <a:schemeClr val="dk1"/>
+              </a:solidFill>
+            </a:endParaRPr>
+          </a:p>
+          <a:p>
+            <a:pPr indent="0" lvl="0" marL="0" rtl="0" algn="l">
+              <a:spcBef>
+                <a:spcPts val="0"/>
+              </a:spcBef>
+              <a:spcAft>
+                <a:spcPts val="0"/>
+              </a:spcAft>
+              <a:buClr>
+                <a:schemeClr val="dk1"/>
+              </a:buClr>
+              <a:buSzPts val="1100"/>
+              <a:buFont typeface="Arial"/>
+              <a:buNone/>
+            </a:pPr>
+            <a:r>
+              <a:t/>
+            </a:r>
+            <a:endParaRPr b="1" sz="1100">
+              <a:solidFill>
+                <a:schemeClr val="dk1"/>
+              </a:solidFill>
+            </a:endParaRPr>
+          </a:p>
+          <a:p>
+            <a:pPr indent="0" lvl="0" marL="0" rtl="0" algn="l">
+              <a:spcBef>
+                <a:spcPts val="0"/>
+              </a:spcBef>
+              <a:spcAft>
+                <a:spcPts val="0"/>
+              </a:spcAft>
+              <a:buNone/>
+            </a:pPr>
+            <a:r>
+              <a:t/>
+            </a:r>
+            <a:endParaRPr b="1" sz="1100"/>
+          </a:p>
+          <a:p>
+            <a:pPr indent="0" lvl="0" marL="0" rtl="0" algn="l">
+              <a:spcBef>
+                <a:spcPts val="0"/>
+              </a:spcBef>
+              <a:spcAft>
+                <a:spcPts val="0"/>
+              </a:spcAft>
+              <a:buNone/>
+            </a:pPr>
+            <a:r>
+              <a:rPr b="1" lang="fr" sz="1100"/>
+              <a:t>Membres de l’équipe :</a:t>
+            </a:r>
+            <a:endParaRPr b="1" sz="1100"/>
+          </a:p>
+          <a:p>
+            <a:pPr indent="457200" lvl="0" marL="914400" rtl="0" algn="l">
+              <a:spcBef>
+                <a:spcPts val="0"/>
+              </a:spcBef>
+              <a:spcAft>
+                <a:spcPts val="0"/>
+              </a:spcAft>
+              <a:buNone/>
+            </a:pPr>
+            <a:r>
+              <a:t/>
+            </a:r>
+            <a:endParaRPr sz="1100"/>
+          </a:p>
+          <a:p>
+            <a:pPr indent="457200" lvl="0" marL="914400" rtl="0" algn="l">
+              <a:spcBef>
+                <a:spcPts val="0"/>
+              </a:spcBef>
+              <a:spcAft>
+                <a:spcPts val="0"/>
+              </a:spcAft>
+              <a:buNone/>
+            </a:pPr>
+            <a:r>
+              <a:t/>
+            </a:r>
+            <a:endParaRPr sz="1100"/>
+          </a:p>
+          <a:p>
+            <a:pPr indent="457200" lvl="0" marL="914400" rtl="0" algn="l">
+              <a:spcBef>
+                <a:spcPts val="0"/>
+              </a:spcBef>
+              <a:spcAft>
+                <a:spcPts val="0"/>
+              </a:spcAft>
+              <a:buNone/>
+            </a:pPr>
+            <a:r>
+              <a:rPr lang="fr" sz="1100"/>
+              <a:t>	__________________________________________________</a:t>
+            </a:r>
+            <a:endParaRPr sz="1100"/>
+          </a:p>
+          <a:p>
+            <a:pPr indent="457200" lvl="0" marL="914400" rtl="0" algn="l">
+              <a:spcBef>
+                <a:spcPts val="0"/>
+              </a:spcBef>
+              <a:spcAft>
+                <a:spcPts val="0"/>
+              </a:spcAft>
+              <a:buNone/>
+            </a:pPr>
+            <a:r>
+              <a:t/>
+            </a:r>
+            <a:endParaRPr sz="1100"/>
+          </a:p>
+          <a:p>
+            <a:pPr indent="0" lvl="0" marL="0" rtl="0" algn="l">
+              <a:spcBef>
+                <a:spcPts val="0"/>
+              </a:spcBef>
+              <a:spcAft>
+                <a:spcPts val="0"/>
+              </a:spcAft>
+              <a:buNone/>
+            </a:pPr>
+            <a:r>
+              <a:t/>
+            </a:r>
+            <a:endParaRPr b="1" sz="1100"/>
+          </a:p>
+          <a:p>
+            <a:pPr indent="457200" lvl="0" marL="1371600" rtl="0" algn="l">
+              <a:spcBef>
+                <a:spcPts val="0"/>
+              </a:spcBef>
+              <a:spcAft>
+                <a:spcPts val="0"/>
+              </a:spcAft>
+              <a:buClr>
+                <a:schemeClr val="dk1"/>
+              </a:buClr>
+              <a:buSzPts val="1100"/>
+              <a:buFont typeface="Arial"/>
+              <a:buNone/>
+            </a:pPr>
+            <a:r>
+              <a:rPr lang="fr" sz="1100">
+                <a:solidFill>
+                  <a:schemeClr val="dk1"/>
+                </a:solidFill>
+              </a:rPr>
+              <a:t>__________________________________________________</a:t>
+            </a:r>
+            <a:endParaRPr sz="1100">
+              <a:solidFill>
+                <a:schemeClr val="dk1"/>
+              </a:solidFill>
+            </a:endParaRPr>
+          </a:p>
+          <a:p>
+            <a:pPr indent="0" lvl="0" marL="0" rtl="0" algn="l">
+              <a:spcBef>
+                <a:spcPts val="0"/>
+              </a:spcBef>
+              <a:spcAft>
+                <a:spcPts val="0"/>
+              </a:spcAft>
+              <a:buClr>
+                <a:schemeClr val="dk1"/>
+              </a:buClr>
+              <a:buSzPts val="1100"/>
+              <a:buFont typeface="Arial"/>
+              <a:buNone/>
+            </a:pPr>
+            <a:r>
+              <a:t/>
+            </a:r>
+            <a:endParaRPr b="1" sz="1100">
+              <a:solidFill>
+                <a:schemeClr val="dk1"/>
+              </a:solidFill>
+            </a:endParaRPr>
+          </a:p>
+          <a:p>
+            <a:pPr indent="457200" lvl="0" marL="1371600" rtl="0" algn="l">
+              <a:spcBef>
+                <a:spcPts val="0"/>
+              </a:spcBef>
+              <a:spcAft>
+                <a:spcPts val="0"/>
+              </a:spcAft>
+              <a:buNone/>
+            </a:pPr>
+            <a:r>
+              <a:t/>
+            </a:r>
+            <a:endParaRPr sz="1100">
+              <a:solidFill>
+                <a:schemeClr val="dk1"/>
+              </a:solidFill>
+            </a:endParaRPr>
+          </a:p>
+          <a:p>
+            <a:pPr indent="457200" lvl="0" marL="1371600" rtl="0" algn="l">
+              <a:spcBef>
+                <a:spcPts val="0"/>
+              </a:spcBef>
+              <a:spcAft>
+                <a:spcPts val="0"/>
+              </a:spcAft>
+              <a:buClr>
+                <a:schemeClr val="dk1"/>
+              </a:buClr>
+              <a:buSzPts val="1100"/>
+              <a:buFont typeface="Arial"/>
+              <a:buNone/>
+            </a:pPr>
+            <a:r>
+              <a:rPr lang="fr" sz="1100">
+                <a:solidFill>
+                  <a:schemeClr val="dk1"/>
+                </a:solidFill>
+              </a:rPr>
+              <a:t>__________________________________________________</a:t>
+            </a:r>
+            <a:endParaRPr sz="1100">
+              <a:solidFill>
+                <a:schemeClr val="dk1"/>
+              </a:solidFill>
+            </a:endParaRPr>
+          </a:p>
+          <a:p>
+            <a:pPr indent="0" lvl="0" marL="0" rtl="0" algn="l">
+              <a:spcBef>
+                <a:spcPts val="0"/>
+              </a:spcBef>
+              <a:spcAft>
+                <a:spcPts val="0"/>
+              </a:spcAft>
+              <a:buClr>
+                <a:schemeClr val="dk1"/>
+              </a:buClr>
+              <a:buSzPts val="1100"/>
+              <a:buFont typeface="Arial"/>
+              <a:buNone/>
+            </a:pPr>
+            <a:r>
+              <a:t/>
+            </a:r>
+            <a:endParaRPr b="1" sz="1100">
+              <a:solidFill>
+                <a:schemeClr val="dk1"/>
+              </a:solidFill>
+            </a:endParaRPr>
+          </a:p>
+          <a:p>
+            <a:pPr indent="457200" lvl="0" marL="1371600" rtl="0" algn="l">
+              <a:spcBef>
+                <a:spcPts val="0"/>
+              </a:spcBef>
+              <a:spcAft>
+                <a:spcPts val="0"/>
+              </a:spcAft>
+              <a:buNone/>
+            </a:pPr>
+            <a:r>
+              <a:t/>
+            </a:r>
+            <a:endParaRPr sz="1100">
+              <a:solidFill>
+                <a:schemeClr val="dk1"/>
+              </a:solidFill>
+            </a:endParaRPr>
+          </a:p>
+          <a:p>
+            <a:pPr indent="457200" lvl="0" marL="1371600" rtl="0" algn="l">
+              <a:spcBef>
+                <a:spcPts val="0"/>
+              </a:spcBef>
+              <a:spcAft>
+                <a:spcPts val="0"/>
+              </a:spcAft>
+              <a:buClr>
+                <a:schemeClr val="dk1"/>
+              </a:buClr>
+              <a:buSzPts val="1100"/>
+              <a:buFont typeface="Arial"/>
+              <a:buNone/>
+            </a:pPr>
+            <a:r>
+              <a:rPr lang="fr" sz="1100">
+                <a:solidFill>
+                  <a:schemeClr val="dk1"/>
+                </a:solidFill>
+              </a:rPr>
+              <a:t>__________________________________________________</a:t>
+            </a:r>
+            <a:endParaRPr b="1" sz="1100"/>
+          </a:p>
+          <a:p>
+            <a:pPr indent="0" lvl="0" marL="0" rtl="0" algn="l">
+              <a:spcBef>
+                <a:spcPts val="0"/>
+              </a:spcBef>
+              <a:spcAft>
+                <a:spcPts val="0"/>
+              </a:spcAft>
+              <a:buClr>
+                <a:schemeClr val="dk1"/>
+              </a:buClr>
+              <a:buSzPts val="1100"/>
+              <a:buFont typeface="Arial"/>
+              <a:buNone/>
+            </a:pPr>
+            <a:r>
+              <a:t/>
+            </a:r>
+            <a:endParaRPr b="1" sz="1100">
+              <a:solidFill>
+                <a:schemeClr val="dk1"/>
+              </a:solidFill>
+            </a:endParaRPr>
+          </a:p>
+          <a:p>
+            <a:pPr indent="457200" lvl="0" marL="1371600" rtl="0" algn="l">
+              <a:spcBef>
+                <a:spcPts val="0"/>
+              </a:spcBef>
+              <a:spcAft>
+                <a:spcPts val="0"/>
+              </a:spcAft>
+              <a:buClr>
+                <a:schemeClr val="dk1"/>
+              </a:buClr>
+              <a:buSzPts val="1100"/>
+              <a:buFont typeface="Arial"/>
+              <a:buNone/>
+            </a:pPr>
+            <a:r>
+              <a:t/>
+            </a:r>
+            <a:endParaRPr sz="1100">
+              <a:solidFill>
+                <a:schemeClr val="dk1"/>
+              </a:solidFill>
+            </a:endParaRPr>
+          </a:p>
+          <a:p>
+            <a:pPr indent="457200" lvl="0" marL="1371600" rtl="0" algn="l">
+              <a:spcBef>
+                <a:spcPts val="0"/>
+              </a:spcBef>
+              <a:spcAft>
+                <a:spcPts val="0"/>
+              </a:spcAft>
+              <a:buClr>
+                <a:schemeClr val="dk1"/>
+              </a:buClr>
+              <a:buSzPts val="1100"/>
+              <a:buFont typeface="Arial"/>
+              <a:buNone/>
+            </a:pPr>
+            <a:r>
+              <a:rPr lang="fr" sz="1100">
+                <a:solidFill>
+                  <a:schemeClr val="dk1"/>
+                </a:solidFill>
+              </a:rPr>
+              <a:t>__________________________________________________</a:t>
+            </a:r>
+            <a:endParaRPr sz="1100">
+              <a:solidFill>
+                <a:schemeClr val="dk1"/>
+              </a:solidFill>
+            </a:endParaRPr>
+          </a:p>
+          <a:p>
+            <a:pPr indent="0" lvl="0" marL="0" rtl="0" algn="l">
+              <a:spcBef>
+                <a:spcPts val="0"/>
+              </a:spcBef>
+              <a:spcAft>
+                <a:spcPts val="0"/>
+              </a:spcAft>
+              <a:buClr>
+                <a:schemeClr val="dk1"/>
+              </a:buClr>
+              <a:buSzPts val="1100"/>
+              <a:buFont typeface="Arial"/>
+              <a:buNone/>
+            </a:pPr>
+            <a:r>
+              <a:t/>
+            </a:r>
+            <a:endParaRPr b="1" sz="1100">
+              <a:solidFill>
+                <a:schemeClr val="dk1"/>
+              </a:solidFill>
+            </a:endParaRPr>
+          </a:p>
+          <a:p>
+            <a:pPr indent="457200" lvl="0" marL="1371600" rtl="0" algn="l">
+              <a:spcBef>
+                <a:spcPts val="0"/>
+              </a:spcBef>
+              <a:spcAft>
+                <a:spcPts val="0"/>
+              </a:spcAft>
+              <a:buNone/>
+            </a:pPr>
+            <a:r>
+              <a:t/>
+            </a:r>
+            <a:endParaRPr sz="1100">
+              <a:solidFill>
+                <a:schemeClr val="dk1"/>
+              </a:solidFill>
+            </a:endParaRPr>
+          </a:p>
+          <a:p>
+            <a:pPr indent="457200" lvl="0" marL="1371600" rtl="0" algn="l">
+              <a:spcBef>
+                <a:spcPts val="0"/>
+              </a:spcBef>
+              <a:spcAft>
+                <a:spcPts val="0"/>
+              </a:spcAft>
+              <a:buClr>
+                <a:schemeClr val="dk1"/>
+              </a:buClr>
+              <a:buSzPts val="1100"/>
+              <a:buFont typeface="Arial"/>
+              <a:buNone/>
+            </a:pPr>
+            <a:r>
+              <a:rPr lang="fr" sz="1100">
+                <a:solidFill>
+                  <a:schemeClr val="dk1"/>
+                </a:solidFill>
+              </a:rPr>
+              <a:t>__________________________________________________</a:t>
+            </a:r>
+            <a:endParaRPr sz="1100">
+              <a:solidFill>
+                <a:schemeClr val="dk1"/>
+              </a:solidFill>
+            </a:endParaRPr>
+          </a:p>
+          <a:p>
+            <a:pPr indent="0" lvl="0" marL="0" rtl="0" algn="l">
+              <a:spcBef>
+                <a:spcPts val="0"/>
+              </a:spcBef>
+              <a:spcAft>
+                <a:spcPts val="0"/>
+              </a:spcAft>
+              <a:buNone/>
+            </a:pPr>
+            <a:r>
+              <a:t/>
+            </a:r>
+            <a:endParaRPr b="1" sz="1100"/>
+          </a:p>
+          <a:p>
+            <a:pPr indent="0" lvl="0" marL="0" rtl="0" algn="l">
+              <a:spcBef>
+                <a:spcPts val="0"/>
+              </a:spcBef>
+              <a:spcAft>
+                <a:spcPts val="0"/>
+              </a:spcAft>
+              <a:buNone/>
+            </a:pPr>
+            <a:r>
+              <a:t/>
+            </a:r>
+            <a:endParaRPr sz="1100"/>
+          </a:p>
+        </p:txBody>
+      </p:sp>
+      <p:sp>
+        <p:nvSpPr>
+          <p:cNvPr id="67" name="Google Shape;67;p14"/>
+          <p:cNvSpPr txBox="1"/>
+          <p:nvPr/>
+        </p:nvSpPr>
+        <p:spPr>
+          <a:xfrm>
+            <a:off x="638350" y="6520700"/>
+            <a:ext cx="8196300" cy="278100"/>
+          </a:xfrm>
+          <a:prstGeom prst="rect">
+            <a:avLst/>
+          </a:prstGeom>
+          <a:noFill/>
+          <a:ln>
+            <a:noFill/>
+          </a:ln>
+        </p:spPr>
+        <p:txBody>
+          <a:bodyPr anchorCtr="0" anchor="ctr" bIns="91425" lIns="91425" spcFirstLastPara="1" rIns="91425" wrap="square" tIns="91425">
+            <a:noAutofit/>
+          </a:bodyPr>
+          <a:lstStyle/>
+          <a:p>
+            <a:pPr indent="0" lvl="0" marL="0" rtl="0" algn="l">
+              <a:spcBef>
+                <a:spcPts val="0"/>
+              </a:spcBef>
+              <a:spcAft>
+                <a:spcPts val="0"/>
+              </a:spcAft>
+              <a:buNone/>
+            </a:pPr>
+            <a:r>
+              <a:rPr b="1" lang="fr" sz="800"/>
+              <a:t>Copyright © 2017-2023, Guillaume Lecuyer et Clement Levallois. DDBM is for you to use without restriction in modeling your own or other people's businesses. License CC BY-SA 4.0 Deed</a:t>
+            </a:r>
+            <a:endParaRPr sz="800"/>
+          </a:p>
+        </p:txBody>
+      </p:sp>
+    </p:spTree>
+  </p:cSld>
+  <p:clrMapOvr>
+    <a:masterClrMapping/>
+  </p:clrMapOvr>
+</p:sld>
+</file>
+
+<file path=ppt/slides/slide20.xml><?xml version="1.0" encoding="utf-8"?>
+<p:sld xmlns:a="http://schemas.openxmlformats.org/drawingml/2006/main" xmlns:r="http://schemas.openxmlformats.org/officeDocument/2006/relationships" xmlns:mc="http://schemas.openxmlformats.org/markup-compatibility/2006" xmlns:mv="urn:schemas-microsoft-com:mac:vml" xmlns:p="http://schemas.openxmlformats.org/presentationml/2006/main" xmlns:c="http://schemas.openxmlformats.org/drawingml/2006/chart" xmlns:dgm="http://schemas.openxmlformats.org/drawingml/2006/diagram" xmlns:o="urn:schemas-microsoft-com:office:office" xmlns:v="urn:schemas-microsoft-com:vml" xmlns:pvml="urn:schemas-microsoft-com:office:powerpoint" xmlns:com="http://schemas.openxmlformats.org/drawingml/2006/compatibility" xmlns:p14="http://schemas.microsoft.com/office/powerpoint/2010/main" xmlns:p15="http://schemas.microsoft.com/office/powerpoint/2012/main" xmlns:ahyp="http://schemas.microsoft.com/office/drawing/2018/hyperlinkcolor">
+  <p:cSld>
+    <p:spTree>
+      <p:nvGrpSpPr>
+        <p:cNvPr id="366" name="Shape 366"/>
+        <p:cNvGrpSpPr/>
+        <p:nvPr/>
+      </p:nvGrpSpPr>
+      <p:grpSpPr>
+        <a:xfrm>
+          <a:off x="0" y="0"/>
+          <a:ext cx="0" cy="0"/>
+          <a:chOff x="0" y="0"/>
+          <a:chExt cx="0" cy="0"/>
+        </a:xfrm>
+      </p:grpSpPr>
+      <p:sp>
+        <p:nvSpPr>
+          <p:cNvPr id="367" name="Google Shape;367;p32"/>
           <p:cNvSpPr/>
           <p:nvPr/>
         </p:nvSpPr>
@@ -19598,7 +21216,7 @@
       </p:sp>
       <p:sp>
         <p:nvSpPr>
-          <p:cNvPr id="358" name="Google Shape;358;p31"/>
+          <p:cNvPr id="368" name="Google Shape;368;p32"/>
           <p:cNvSpPr txBox="1"/>
           <p:nvPr/>
         </p:nvSpPr>
@@ -19648,7 +21266,7 @@
       </p:sp>
       <p:sp>
         <p:nvSpPr>
-          <p:cNvPr id="359" name="Google Shape;359;p31"/>
+          <p:cNvPr id="369" name="Google Shape;369;p32"/>
           <p:cNvSpPr txBox="1"/>
           <p:nvPr/>
         </p:nvSpPr>
@@ -19690,7 +21308,7 @@
       </p:sp>
       <p:sp>
         <p:nvSpPr>
-          <p:cNvPr id="360" name="Google Shape;360;p31"/>
+          <p:cNvPr id="370" name="Google Shape;370;p32"/>
           <p:cNvSpPr txBox="1"/>
           <p:nvPr/>
         </p:nvSpPr>
@@ -19732,7 +21350,7 @@
       </p:sp>
       <p:grpSp>
         <p:nvGrpSpPr>
-          <p:cNvPr id="361" name="Google Shape;361;p31"/>
+          <p:cNvPr id="371" name="Google Shape;371;p32"/>
           <p:cNvGrpSpPr/>
           <p:nvPr/>
         </p:nvGrpSpPr>
@@ -19746,7 +21364,7 @@
         </p:grpSpPr>
         <p:sp>
           <p:nvSpPr>
-            <p:cNvPr id="362" name="Google Shape;362;p31"/>
+            <p:cNvPr id="372" name="Google Shape;372;p32"/>
             <p:cNvSpPr/>
             <p:nvPr/>
           </p:nvSpPr>
@@ -19807,7 +21425,7 @@
         </p:sp>
         <p:sp>
           <p:nvSpPr>
-            <p:cNvPr id="363" name="Google Shape;363;p31"/>
+            <p:cNvPr id="373" name="Google Shape;373;p32"/>
             <p:cNvSpPr/>
             <p:nvPr/>
           </p:nvSpPr>
@@ -19868,7 +21486,7 @@
       </p:grpSp>
       <p:grpSp>
         <p:nvGrpSpPr>
-          <p:cNvPr id="364" name="Google Shape;364;p31"/>
+          <p:cNvPr id="374" name="Google Shape;374;p32"/>
           <p:cNvGrpSpPr/>
           <p:nvPr/>
         </p:nvGrpSpPr>
@@ -19882,7 +21500,7 @@
         </p:grpSpPr>
         <p:sp>
           <p:nvSpPr>
-            <p:cNvPr id="365" name="Google Shape;365;p31"/>
+            <p:cNvPr id="375" name="Google Shape;375;p32"/>
             <p:cNvSpPr/>
             <p:nvPr/>
           </p:nvSpPr>
@@ -19943,7 +21561,7 @@
         </p:sp>
         <p:sp>
           <p:nvSpPr>
-            <p:cNvPr id="366" name="Google Shape;366;p31"/>
+            <p:cNvPr id="376" name="Google Shape;376;p32"/>
             <p:cNvSpPr/>
             <p:nvPr/>
           </p:nvSpPr>
@@ -20004,7 +21622,7 @@
       </p:grpSp>
       <p:grpSp>
         <p:nvGrpSpPr>
-          <p:cNvPr id="367" name="Google Shape;367;p31"/>
+          <p:cNvPr id="377" name="Google Shape;377;p32"/>
           <p:cNvGrpSpPr/>
           <p:nvPr/>
         </p:nvGrpSpPr>
@@ -20018,7 +21636,7 @@
         </p:grpSpPr>
         <p:sp>
           <p:nvSpPr>
-            <p:cNvPr id="368" name="Google Shape;368;p31"/>
+            <p:cNvPr id="378" name="Google Shape;378;p32"/>
             <p:cNvSpPr/>
             <p:nvPr/>
           </p:nvSpPr>
@@ -20079,7 +21697,7 @@
         </p:sp>
         <p:sp>
           <p:nvSpPr>
-            <p:cNvPr id="369" name="Google Shape;369;p31"/>
+            <p:cNvPr id="379" name="Google Shape;379;p32"/>
             <p:cNvSpPr/>
             <p:nvPr/>
           </p:nvSpPr>
@@ -20140,7 +21758,7 @@
       </p:grpSp>
       <p:grpSp>
         <p:nvGrpSpPr>
-          <p:cNvPr id="370" name="Google Shape;370;p31"/>
+          <p:cNvPr id="380" name="Google Shape;380;p32"/>
           <p:cNvGrpSpPr/>
           <p:nvPr/>
         </p:nvGrpSpPr>
@@ -20154,7 +21772,7 @@
         </p:grpSpPr>
         <p:sp>
           <p:nvSpPr>
-            <p:cNvPr id="371" name="Google Shape;371;p31"/>
+            <p:cNvPr id="381" name="Google Shape;381;p32"/>
             <p:cNvSpPr/>
             <p:nvPr/>
           </p:nvSpPr>
@@ -20215,7 +21833,7 @@
         </p:sp>
         <p:sp>
           <p:nvSpPr>
-            <p:cNvPr id="372" name="Google Shape;372;p31"/>
+            <p:cNvPr id="382" name="Google Shape;382;p32"/>
             <p:cNvSpPr/>
             <p:nvPr/>
           </p:nvSpPr>
@@ -20276,7 +21894,7 @@
       </p:grpSp>
       <p:sp>
         <p:nvSpPr>
-          <p:cNvPr id="373" name="Google Shape;373;p31"/>
+          <p:cNvPr id="383" name="Google Shape;383;p32"/>
           <p:cNvSpPr/>
           <p:nvPr/>
         </p:nvSpPr>
@@ -20334,7 +21952,7 @@
       </p:sp>
       <p:sp>
         <p:nvSpPr>
-          <p:cNvPr id="374" name="Google Shape;374;p31"/>
+          <p:cNvPr id="384" name="Google Shape;384;p32"/>
           <p:cNvSpPr/>
           <p:nvPr/>
         </p:nvSpPr>
@@ -20400,7 +22018,7 @@
       </p:sp>
       <p:sp>
         <p:nvSpPr>
-          <p:cNvPr id="375" name="Google Shape;375;p31"/>
+          <p:cNvPr id="385" name="Google Shape;385;p32"/>
           <p:cNvSpPr/>
           <p:nvPr/>
         </p:nvSpPr>
@@ -20458,7 +22076,7 @@
       </p:sp>
       <p:sp>
         <p:nvSpPr>
-          <p:cNvPr id="376" name="Google Shape;376;p31"/>
+          <p:cNvPr id="386" name="Google Shape;386;p32"/>
           <p:cNvSpPr/>
           <p:nvPr/>
         </p:nvSpPr>
@@ -20516,7 +22134,7 @@
       </p:sp>
       <p:sp>
         <p:nvSpPr>
-          <p:cNvPr id="377" name="Google Shape;377;p31"/>
+          <p:cNvPr id="387" name="Google Shape;387;p32"/>
           <p:cNvSpPr/>
           <p:nvPr/>
         </p:nvSpPr>
@@ -20574,7 +22192,7 @@
       </p:sp>
       <p:sp>
         <p:nvSpPr>
-          <p:cNvPr id="378" name="Google Shape;378;p31"/>
+          <p:cNvPr id="388" name="Google Shape;388;p32"/>
           <p:cNvSpPr txBox="1"/>
           <p:nvPr/>
         </p:nvSpPr>
@@ -20624,7 +22242,7 @@
       </p:sp>
       <p:sp>
         <p:nvSpPr>
-          <p:cNvPr id="379" name="Google Shape;379;p31"/>
+          <p:cNvPr id="389" name="Google Shape;389;p32"/>
           <p:cNvSpPr txBox="1"/>
           <p:nvPr/>
         </p:nvSpPr>
@@ -20679,7 +22297,7 @@
       </p:sp>
       <p:sp>
         <p:nvSpPr>
-          <p:cNvPr id="380" name="Google Shape;380;p31"/>
+          <p:cNvPr id="390" name="Google Shape;390;p32"/>
           <p:cNvSpPr txBox="1"/>
           <p:nvPr/>
         </p:nvSpPr>
@@ -20729,7 +22347,7 @@
       </p:sp>
       <p:sp>
         <p:nvSpPr>
-          <p:cNvPr id="381" name="Google Shape;381;p31"/>
+          <p:cNvPr id="391" name="Google Shape;391;p32"/>
           <p:cNvSpPr txBox="1"/>
           <p:nvPr/>
         </p:nvSpPr>
@@ -20779,7 +22397,7 @@
       </p:sp>
       <p:sp>
         <p:nvSpPr>
-          <p:cNvPr id="382" name="Google Shape;382;p31"/>
+          <p:cNvPr id="392" name="Google Shape;392;p32"/>
           <p:cNvSpPr txBox="1"/>
           <p:nvPr/>
         </p:nvSpPr>
@@ -20829,7 +22447,7 @@
       </p:sp>
       <p:sp>
         <p:nvSpPr>
-          <p:cNvPr id="383" name="Google Shape;383;p31"/>
+          <p:cNvPr id="393" name="Google Shape;393;p32"/>
           <p:cNvSpPr txBox="1"/>
           <p:nvPr/>
         </p:nvSpPr>
@@ -20874,812 +22492,6 @@
                 <a:schemeClr val="dk2"/>
               </a:solidFill>
             </a:endParaRPr>
-          </a:p>
-        </p:txBody>
-      </p:sp>
-    </p:spTree>
-  </p:cSld>
-  <p:clrMapOvr>
-    <a:masterClrMapping/>
-  </p:clrMapOvr>
-</p:sld>
-</file>
-
-<file path=ppt/slides/slide2.xml><?xml version="1.0" encoding="utf-8"?>
-<p:sld xmlns:a="http://schemas.openxmlformats.org/drawingml/2006/main" xmlns:r="http://schemas.openxmlformats.org/officeDocument/2006/relationships" xmlns:mc="http://schemas.openxmlformats.org/markup-compatibility/2006" xmlns:mv="urn:schemas-microsoft-com:mac:vml" xmlns:p="http://schemas.openxmlformats.org/presentationml/2006/main" xmlns:c="http://schemas.openxmlformats.org/drawingml/2006/chart" xmlns:dgm="http://schemas.openxmlformats.org/drawingml/2006/diagram" xmlns:o="urn:schemas-microsoft-com:office:office" xmlns:v="urn:schemas-microsoft-com:vml" xmlns:pvml="urn:schemas-microsoft-com:office:powerpoint" xmlns:com="http://schemas.openxmlformats.org/drawingml/2006/compatibility" xmlns:p14="http://schemas.microsoft.com/office/powerpoint/2010/main" xmlns:p15="http://schemas.microsoft.com/office/powerpoint/2012/main" xmlns:ahyp="http://schemas.microsoft.com/office/drawing/2018/hyperlinkcolor">
-  <p:cSld>
-    <p:spTree>
-      <p:nvGrpSpPr>
-        <p:cNvPr id="62" name="Shape 62"/>
-        <p:cNvGrpSpPr/>
-        <p:nvPr/>
-      </p:nvGrpSpPr>
-      <p:grpSpPr>
-        <a:xfrm>
-          <a:off x="0" y="0"/>
-          <a:ext cx="0" cy="0"/>
-          <a:chOff x="0" y="0"/>
-          <a:chExt cx="0" cy="0"/>
-        </a:xfrm>
-      </p:grpSpPr>
-      <p:sp>
-        <p:nvSpPr>
-          <p:cNvPr id="63" name="Google Shape;63;p14"/>
-          <p:cNvSpPr/>
-          <p:nvPr/>
-        </p:nvSpPr>
-        <p:spPr>
-          <a:xfrm>
-            <a:off x="505500" y="815988"/>
-            <a:ext cx="8196300" cy="5624700"/>
-          </a:xfrm>
-          <a:prstGeom prst="rect">
-            <a:avLst/>
-          </a:prstGeom>
-          <a:noFill/>
-          <a:ln cap="flat" cmpd="sng" w="28575">
-            <a:solidFill>
-              <a:srgbClr val="A64D79"/>
-            </a:solidFill>
-            <a:prstDash val="solid"/>
-            <a:round/>
-            <a:headEnd len="sm" w="sm" type="none"/>
-            <a:tailEnd len="sm" w="sm" type="none"/>
-          </a:ln>
-        </p:spPr>
-        <p:txBody>
-          <a:bodyPr anchorCtr="0" anchor="ctr" bIns="91425" lIns="91425" spcFirstLastPara="1" rIns="91425" wrap="square" tIns="91425">
-            <a:noAutofit/>
-          </a:bodyPr>
-          <a:lstStyle/>
-          <a:p>
-            <a:pPr indent="0" lvl="0" marL="0" rtl="0" algn="l">
-              <a:spcBef>
-                <a:spcPts val="0"/>
-              </a:spcBef>
-              <a:spcAft>
-                <a:spcPts val="0"/>
-              </a:spcAft>
-              <a:buNone/>
-            </a:pPr>
-            <a:r>
-              <a:t/>
-            </a:r>
-            <a:endParaRPr>
-              <a:solidFill>
-                <a:srgbClr val="A64D79"/>
-              </a:solidFill>
-            </a:endParaRPr>
-          </a:p>
-        </p:txBody>
-      </p:sp>
-      <p:sp>
-        <p:nvSpPr>
-          <p:cNvPr id="64" name="Google Shape;64;p14"/>
-          <p:cNvSpPr txBox="1"/>
-          <p:nvPr/>
-        </p:nvSpPr>
-        <p:spPr>
-          <a:xfrm>
-            <a:off x="438075" y="62950"/>
-            <a:ext cx="4063200" cy="533400"/>
-          </a:xfrm>
-          <a:prstGeom prst="rect">
-            <a:avLst/>
-          </a:prstGeom>
-          <a:noFill/>
-          <a:ln>
-            <a:noFill/>
-          </a:ln>
-        </p:spPr>
-        <p:txBody>
-          <a:bodyPr anchorCtr="0" anchor="t" bIns="91425" lIns="91425" spcFirstLastPara="1" rIns="91425" wrap="square" tIns="91425">
-            <a:noAutofit/>
-          </a:bodyPr>
-          <a:lstStyle/>
-          <a:p>
-            <a:pPr indent="0" lvl="0" marL="0" rtl="0" algn="l">
-              <a:spcBef>
-                <a:spcPts val="0"/>
-              </a:spcBef>
-              <a:spcAft>
-                <a:spcPts val="0"/>
-              </a:spcAft>
-              <a:buNone/>
-            </a:pPr>
-            <a:r>
-              <a:rPr b="1" lang="fr" sz="1600">
-                <a:solidFill>
-                  <a:srgbClr val="A64D79"/>
-                </a:solidFill>
-              </a:rPr>
-              <a:t>Carte d’identité du projet</a:t>
-            </a:r>
-            <a:endParaRPr b="1" sz="1600">
-              <a:solidFill>
-                <a:srgbClr val="A64D79"/>
-              </a:solidFill>
-            </a:endParaRPr>
-          </a:p>
-        </p:txBody>
-      </p:sp>
-      <p:sp>
-        <p:nvSpPr>
-          <p:cNvPr id="65" name="Google Shape;65;p14"/>
-          <p:cNvSpPr txBox="1"/>
-          <p:nvPr/>
-        </p:nvSpPr>
-        <p:spPr>
-          <a:xfrm>
-            <a:off x="4490200" y="263575"/>
-            <a:ext cx="4063200" cy="412800"/>
-          </a:xfrm>
-          <a:prstGeom prst="rect">
-            <a:avLst/>
-          </a:prstGeom>
-          <a:noFill/>
-          <a:ln>
-            <a:noFill/>
-          </a:ln>
-        </p:spPr>
-        <p:txBody>
-          <a:bodyPr anchorCtr="0" anchor="t" bIns="91425" lIns="91425" spcFirstLastPara="1" rIns="91425" wrap="square" tIns="91425">
-            <a:noAutofit/>
-          </a:bodyPr>
-          <a:lstStyle/>
-          <a:p>
-            <a:pPr indent="0" lvl="0" marL="0" rtl="0" algn="l">
-              <a:spcBef>
-                <a:spcPts val="0"/>
-              </a:spcBef>
-              <a:spcAft>
-                <a:spcPts val="0"/>
-              </a:spcAft>
-              <a:buNone/>
-            </a:pPr>
-            <a:r>
-              <a:rPr lang="fr" sz="1200"/>
-              <a:t>Date : 	   _________________________________</a:t>
-            </a:r>
-            <a:endParaRPr sz="1200"/>
-          </a:p>
-        </p:txBody>
-      </p:sp>
-      <p:sp>
-        <p:nvSpPr>
-          <p:cNvPr id="66" name="Google Shape;66;p14"/>
-          <p:cNvSpPr txBox="1"/>
-          <p:nvPr/>
-        </p:nvSpPr>
-        <p:spPr>
-          <a:xfrm>
-            <a:off x="940950" y="1192650"/>
-            <a:ext cx="7325400" cy="4472700"/>
-          </a:xfrm>
-          <a:prstGeom prst="rect">
-            <a:avLst/>
-          </a:prstGeom>
-          <a:noFill/>
-          <a:ln>
-            <a:noFill/>
-          </a:ln>
-        </p:spPr>
-        <p:txBody>
-          <a:bodyPr anchorCtr="0" anchor="t" bIns="91425" lIns="91425" spcFirstLastPara="1" rIns="91425" wrap="square" tIns="91425">
-            <a:noAutofit/>
-          </a:bodyPr>
-          <a:lstStyle/>
-          <a:p>
-            <a:pPr indent="0" lvl="0" marL="0" rtl="0" algn="l">
-              <a:spcBef>
-                <a:spcPts val="0"/>
-              </a:spcBef>
-              <a:spcAft>
-                <a:spcPts val="0"/>
-              </a:spcAft>
-              <a:buNone/>
-            </a:pPr>
-            <a:r>
-              <a:rPr b="1" lang="fr" sz="1100"/>
-              <a:t>Nom de l’entreprise</a:t>
-            </a:r>
-            <a:r>
-              <a:rPr lang="fr" sz="1100"/>
-              <a:t>: 	__________________________________</a:t>
-            </a:r>
-            <a:endParaRPr sz="1100"/>
-          </a:p>
-          <a:p>
-            <a:pPr indent="0" lvl="0" marL="0" rtl="0" algn="l">
-              <a:spcBef>
-                <a:spcPts val="0"/>
-              </a:spcBef>
-              <a:spcAft>
-                <a:spcPts val="0"/>
-              </a:spcAft>
-              <a:buNone/>
-            </a:pPr>
-            <a:r>
-              <a:t/>
-            </a:r>
-            <a:endParaRPr b="1" sz="1100"/>
-          </a:p>
-          <a:p>
-            <a:pPr indent="0" lvl="0" marL="0" rtl="0" algn="l">
-              <a:spcBef>
-                <a:spcPts val="0"/>
-              </a:spcBef>
-              <a:spcAft>
-                <a:spcPts val="0"/>
-              </a:spcAft>
-              <a:buNone/>
-            </a:pPr>
-            <a:r>
-              <a:t/>
-            </a:r>
-            <a:endParaRPr b="1" sz="1100">
-              <a:solidFill>
-                <a:schemeClr val="dk1"/>
-              </a:solidFill>
-            </a:endParaRPr>
-          </a:p>
-          <a:p>
-            <a:pPr indent="0" lvl="0" marL="0" rtl="0" algn="l">
-              <a:spcBef>
-                <a:spcPts val="0"/>
-              </a:spcBef>
-              <a:spcAft>
-                <a:spcPts val="0"/>
-              </a:spcAft>
-              <a:buClr>
-                <a:schemeClr val="dk1"/>
-              </a:buClr>
-              <a:buSzPts val="1100"/>
-              <a:buFont typeface="Arial"/>
-              <a:buNone/>
-            </a:pPr>
-            <a:r>
-              <a:rPr b="1" lang="fr" sz="1100">
-                <a:solidFill>
-                  <a:schemeClr val="dk1"/>
-                </a:solidFill>
-              </a:rPr>
-              <a:t>Numéro ou nom de votre groupe</a:t>
-            </a:r>
-            <a:r>
-              <a:rPr lang="fr" sz="1100">
-                <a:solidFill>
-                  <a:schemeClr val="dk1"/>
-                </a:solidFill>
-              </a:rPr>
-              <a:t>: 	__________________________________</a:t>
-            </a:r>
-            <a:endParaRPr sz="1100">
-              <a:solidFill>
-                <a:schemeClr val="dk1"/>
-              </a:solidFill>
-            </a:endParaRPr>
-          </a:p>
-          <a:p>
-            <a:pPr indent="0" lvl="0" marL="0" rtl="0" algn="l">
-              <a:spcBef>
-                <a:spcPts val="0"/>
-              </a:spcBef>
-              <a:spcAft>
-                <a:spcPts val="0"/>
-              </a:spcAft>
-              <a:buClr>
-                <a:schemeClr val="dk1"/>
-              </a:buClr>
-              <a:buSzPts val="1100"/>
-              <a:buFont typeface="Arial"/>
-              <a:buNone/>
-            </a:pPr>
-            <a:r>
-              <a:t/>
-            </a:r>
-            <a:endParaRPr b="1" sz="1100">
-              <a:solidFill>
-                <a:schemeClr val="dk1"/>
-              </a:solidFill>
-            </a:endParaRPr>
-          </a:p>
-          <a:p>
-            <a:pPr indent="0" lvl="0" marL="0" rtl="0" algn="l">
-              <a:spcBef>
-                <a:spcPts val="0"/>
-              </a:spcBef>
-              <a:spcAft>
-                <a:spcPts val="0"/>
-              </a:spcAft>
-              <a:buNone/>
-            </a:pPr>
-            <a:r>
-              <a:t/>
-            </a:r>
-            <a:endParaRPr b="1" sz="1100"/>
-          </a:p>
-          <a:p>
-            <a:pPr indent="0" lvl="0" marL="0" rtl="0" algn="l">
-              <a:spcBef>
-                <a:spcPts val="0"/>
-              </a:spcBef>
-              <a:spcAft>
-                <a:spcPts val="0"/>
-              </a:spcAft>
-              <a:buNone/>
-            </a:pPr>
-            <a:r>
-              <a:rPr b="1" lang="fr" sz="1100"/>
-              <a:t>Membres de l’équipe :</a:t>
-            </a:r>
-            <a:endParaRPr b="1" sz="1100"/>
-          </a:p>
-          <a:p>
-            <a:pPr indent="457200" lvl="0" marL="914400" rtl="0" algn="l">
-              <a:spcBef>
-                <a:spcPts val="0"/>
-              </a:spcBef>
-              <a:spcAft>
-                <a:spcPts val="0"/>
-              </a:spcAft>
-              <a:buNone/>
-            </a:pPr>
-            <a:r>
-              <a:t/>
-            </a:r>
-            <a:endParaRPr sz="1100"/>
-          </a:p>
-          <a:p>
-            <a:pPr indent="457200" lvl="0" marL="914400" rtl="0" algn="l">
-              <a:spcBef>
-                <a:spcPts val="0"/>
-              </a:spcBef>
-              <a:spcAft>
-                <a:spcPts val="0"/>
-              </a:spcAft>
-              <a:buNone/>
-            </a:pPr>
-            <a:r>
-              <a:t/>
-            </a:r>
-            <a:endParaRPr sz="1100"/>
-          </a:p>
-          <a:p>
-            <a:pPr indent="457200" lvl="0" marL="914400" rtl="0" algn="l">
-              <a:spcBef>
-                <a:spcPts val="0"/>
-              </a:spcBef>
-              <a:spcAft>
-                <a:spcPts val="0"/>
-              </a:spcAft>
-              <a:buNone/>
-            </a:pPr>
-            <a:r>
-              <a:rPr lang="fr" sz="1100"/>
-              <a:t>	__________________________________________________</a:t>
-            </a:r>
-            <a:endParaRPr sz="1100"/>
-          </a:p>
-          <a:p>
-            <a:pPr indent="457200" lvl="0" marL="914400" rtl="0" algn="l">
-              <a:spcBef>
-                <a:spcPts val="0"/>
-              </a:spcBef>
-              <a:spcAft>
-                <a:spcPts val="0"/>
-              </a:spcAft>
-              <a:buNone/>
-            </a:pPr>
-            <a:r>
-              <a:t/>
-            </a:r>
-            <a:endParaRPr sz="1100"/>
-          </a:p>
-          <a:p>
-            <a:pPr indent="0" lvl="0" marL="0" rtl="0" algn="l">
-              <a:spcBef>
-                <a:spcPts val="0"/>
-              </a:spcBef>
-              <a:spcAft>
-                <a:spcPts val="0"/>
-              </a:spcAft>
-              <a:buNone/>
-            </a:pPr>
-            <a:r>
-              <a:t/>
-            </a:r>
-            <a:endParaRPr b="1" sz="1100"/>
-          </a:p>
-          <a:p>
-            <a:pPr indent="457200" lvl="0" marL="1371600" rtl="0" algn="l">
-              <a:spcBef>
-                <a:spcPts val="0"/>
-              </a:spcBef>
-              <a:spcAft>
-                <a:spcPts val="0"/>
-              </a:spcAft>
-              <a:buClr>
-                <a:schemeClr val="dk1"/>
-              </a:buClr>
-              <a:buSzPts val="1100"/>
-              <a:buFont typeface="Arial"/>
-              <a:buNone/>
-            </a:pPr>
-            <a:r>
-              <a:rPr lang="fr" sz="1100">
-                <a:solidFill>
-                  <a:schemeClr val="dk1"/>
-                </a:solidFill>
-              </a:rPr>
-              <a:t>__________________________________________________</a:t>
-            </a:r>
-            <a:endParaRPr sz="1100">
-              <a:solidFill>
-                <a:schemeClr val="dk1"/>
-              </a:solidFill>
-            </a:endParaRPr>
-          </a:p>
-          <a:p>
-            <a:pPr indent="0" lvl="0" marL="0" rtl="0" algn="l">
-              <a:spcBef>
-                <a:spcPts val="0"/>
-              </a:spcBef>
-              <a:spcAft>
-                <a:spcPts val="0"/>
-              </a:spcAft>
-              <a:buClr>
-                <a:schemeClr val="dk1"/>
-              </a:buClr>
-              <a:buSzPts val="1100"/>
-              <a:buFont typeface="Arial"/>
-              <a:buNone/>
-            </a:pPr>
-            <a:r>
-              <a:t/>
-            </a:r>
-            <a:endParaRPr b="1" sz="1100">
-              <a:solidFill>
-                <a:schemeClr val="dk1"/>
-              </a:solidFill>
-            </a:endParaRPr>
-          </a:p>
-          <a:p>
-            <a:pPr indent="457200" lvl="0" marL="1371600" rtl="0" algn="l">
-              <a:spcBef>
-                <a:spcPts val="0"/>
-              </a:spcBef>
-              <a:spcAft>
-                <a:spcPts val="0"/>
-              </a:spcAft>
-              <a:buNone/>
-            </a:pPr>
-            <a:r>
-              <a:t/>
-            </a:r>
-            <a:endParaRPr sz="1100">
-              <a:solidFill>
-                <a:schemeClr val="dk1"/>
-              </a:solidFill>
-            </a:endParaRPr>
-          </a:p>
-          <a:p>
-            <a:pPr indent="457200" lvl="0" marL="1371600" rtl="0" algn="l">
-              <a:spcBef>
-                <a:spcPts val="0"/>
-              </a:spcBef>
-              <a:spcAft>
-                <a:spcPts val="0"/>
-              </a:spcAft>
-              <a:buClr>
-                <a:schemeClr val="dk1"/>
-              </a:buClr>
-              <a:buSzPts val="1100"/>
-              <a:buFont typeface="Arial"/>
-              <a:buNone/>
-            </a:pPr>
-            <a:r>
-              <a:rPr lang="fr" sz="1100">
-                <a:solidFill>
-                  <a:schemeClr val="dk1"/>
-                </a:solidFill>
-              </a:rPr>
-              <a:t>__________________________________________________</a:t>
-            </a:r>
-            <a:endParaRPr sz="1100">
-              <a:solidFill>
-                <a:schemeClr val="dk1"/>
-              </a:solidFill>
-            </a:endParaRPr>
-          </a:p>
-          <a:p>
-            <a:pPr indent="0" lvl="0" marL="0" rtl="0" algn="l">
-              <a:spcBef>
-                <a:spcPts val="0"/>
-              </a:spcBef>
-              <a:spcAft>
-                <a:spcPts val="0"/>
-              </a:spcAft>
-              <a:buClr>
-                <a:schemeClr val="dk1"/>
-              </a:buClr>
-              <a:buSzPts val="1100"/>
-              <a:buFont typeface="Arial"/>
-              <a:buNone/>
-            </a:pPr>
-            <a:r>
-              <a:t/>
-            </a:r>
-            <a:endParaRPr b="1" sz="1100">
-              <a:solidFill>
-                <a:schemeClr val="dk1"/>
-              </a:solidFill>
-            </a:endParaRPr>
-          </a:p>
-          <a:p>
-            <a:pPr indent="457200" lvl="0" marL="1371600" rtl="0" algn="l">
-              <a:spcBef>
-                <a:spcPts val="0"/>
-              </a:spcBef>
-              <a:spcAft>
-                <a:spcPts val="0"/>
-              </a:spcAft>
-              <a:buNone/>
-            </a:pPr>
-            <a:r>
-              <a:t/>
-            </a:r>
-            <a:endParaRPr sz="1100">
-              <a:solidFill>
-                <a:schemeClr val="dk1"/>
-              </a:solidFill>
-            </a:endParaRPr>
-          </a:p>
-          <a:p>
-            <a:pPr indent="457200" lvl="0" marL="1371600" rtl="0" algn="l">
-              <a:spcBef>
-                <a:spcPts val="0"/>
-              </a:spcBef>
-              <a:spcAft>
-                <a:spcPts val="0"/>
-              </a:spcAft>
-              <a:buClr>
-                <a:schemeClr val="dk1"/>
-              </a:buClr>
-              <a:buSzPts val="1100"/>
-              <a:buFont typeface="Arial"/>
-              <a:buNone/>
-            </a:pPr>
-            <a:r>
-              <a:rPr lang="fr" sz="1100">
-                <a:solidFill>
-                  <a:schemeClr val="dk1"/>
-                </a:solidFill>
-              </a:rPr>
-              <a:t>__________________________________________________</a:t>
-            </a:r>
-            <a:endParaRPr b="1" sz="1100"/>
-          </a:p>
-          <a:p>
-            <a:pPr indent="0" lvl="0" marL="0" rtl="0" algn="l">
-              <a:spcBef>
-                <a:spcPts val="0"/>
-              </a:spcBef>
-              <a:spcAft>
-                <a:spcPts val="0"/>
-              </a:spcAft>
-              <a:buClr>
-                <a:schemeClr val="dk1"/>
-              </a:buClr>
-              <a:buSzPts val="1100"/>
-              <a:buFont typeface="Arial"/>
-              <a:buNone/>
-            </a:pPr>
-            <a:r>
-              <a:t/>
-            </a:r>
-            <a:endParaRPr b="1" sz="1100">
-              <a:solidFill>
-                <a:schemeClr val="dk1"/>
-              </a:solidFill>
-            </a:endParaRPr>
-          </a:p>
-          <a:p>
-            <a:pPr indent="457200" lvl="0" marL="1371600" rtl="0" algn="l">
-              <a:spcBef>
-                <a:spcPts val="0"/>
-              </a:spcBef>
-              <a:spcAft>
-                <a:spcPts val="0"/>
-              </a:spcAft>
-              <a:buClr>
-                <a:schemeClr val="dk1"/>
-              </a:buClr>
-              <a:buSzPts val="1100"/>
-              <a:buFont typeface="Arial"/>
-              <a:buNone/>
-            </a:pPr>
-            <a:r>
-              <a:t/>
-            </a:r>
-            <a:endParaRPr sz="1100">
-              <a:solidFill>
-                <a:schemeClr val="dk1"/>
-              </a:solidFill>
-            </a:endParaRPr>
-          </a:p>
-          <a:p>
-            <a:pPr indent="457200" lvl="0" marL="1371600" rtl="0" algn="l">
-              <a:spcBef>
-                <a:spcPts val="0"/>
-              </a:spcBef>
-              <a:spcAft>
-                <a:spcPts val="0"/>
-              </a:spcAft>
-              <a:buClr>
-                <a:schemeClr val="dk1"/>
-              </a:buClr>
-              <a:buSzPts val="1100"/>
-              <a:buFont typeface="Arial"/>
-              <a:buNone/>
-            </a:pPr>
-            <a:r>
-              <a:rPr lang="fr" sz="1100">
-                <a:solidFill>
-                  <a:schemeClr val="dk1"/>
-                </a:solidFill>
-              </a:rPr>
-              <a:t>__________________________________________________</a:t>
-            </a:r>
-            <a:endParaRPr sz="1100">
-              <a:solidFill>
-                <a:schemeClr val="dk1"/>
-              </a:solidFill>
-            </a:endParaRPr>
-          </a:p>
-          <a:p>
-            <a:pPr indent="0" lvl="0" marL="0" rtl="0" algn="l">
-              <a:spcBef>
-                <a:spcPts val="0"/>
-              </a:spcBef>
-              <a:spcAft>
-                <a:spcPts val="0"/>
-              </a:spcAft>
-              <a:buClr>
-                <a:schemeClr val="dk1"/>
-              </a:buClr>
-              <a:buSzPts val="1100"/>
-              <a:buFont typeface="Arial"/>
-              <a:buNone/>
-            </a:pPr>
-            <a:r>
-              <a:t/>
-            </a:r>
-            <a:endParaRPr b="1" sz="1100">
-              <a:solidFill>
-                <a:schemeClr val="dk1"/>
-              </a:solidFill>
-            </a:endParaRPr>
-          </a:p>
-          <a:p>
-            <a:pPr indent="457200" lvl="0" marL="1371600" rtl="0" algn="l">
-              <a:spcBef>
-                <a:spcPts val="0"/>
-              </a:spcBef>
-              <a:spcAft>
-                <a:spcPts val="0"/>
-              </a:spcAft>
-              <a:buNone/>
-            </a:pPr>
-            <a:r>
-              <a:t/>
-            </a:r>
-            <a:endParaRPr sz="1100">
-              <a:solidFill>
-                <a:schemeClr val="dk1"/>
-              </a:solidFill>
-            </a:endParaRPr>
-          </a:p>
-          <a:p>
-            <a:pPr indent="457200" lvl="0" marL="1371600" rtl="0" algn="l">
-              <a:spcBef>
-                <a:spcPts val="0"/>
-              </a:spcBef>
-              <a:spcAft>
-                <a:spcPts val="0"/>
-              </a:spcAft>
-              <a:buClr>
-                <a:schemeClr val="dk1"/>
-              </a:buClr>
-              <a:buSzPts val="1100"/>
-              <a:buFont typeface="Arial"/>
-              <a:buNone/>
-            </a:pPr>
-            <a:r>
-              <a:rPr lang="fr" sz="1100">
-                <a:solidFill>
-                  <a:schemeClr val="dk1"/>
-                </a:solidFill>
-              </a:rPr>
-              <a:t>__________________________________________________</a:t>
-            </a:r>
-            <a:endParaRPr sz="1100">
-              <a:solidFill>
-                <a:schemeClr val="dk1"/>
-              </a:solidFill>
-            </a:endParaRPr>
-          </a:p>
-          <a:p>
-            <a:pPr indent="0" lvl="0" marL="0" rtl="0" algn="l">
-              <a:spcBef>
-                <a:spcPts val="0"/>
-              </a:spcBef>
-              <a:spcAft>
-                <a:spcPts val="0"/>
-              </a:spcAft>
-              <a:buNone/>
-            </a:pPr>
-            <a:r>
-              <a:t/>
-            </a:r>
-            <a:endParaRPr b="1" sz="1100"/>
-          </a:p>
-          <a:p>
-            <a:pPr indent="0" lvl="0" marL="0" rtl="0" algn="l">
-              <a:spcBef>
-                <a:spcPts val="0"/>
-              </a:spcBef>
-              <a:spcAft>
-                <a:spcPts val="0"/>
-              </a:spcAft>
-              <a:buNone/>
-            </a:pPr>
-            <a:r>
-              <a:t/>
-            </a:r>
-            <a:endParaRPr sz="1100"/>
-          </a:p>
-        </p:txBody>
-      </p:sp>
-      <p:sp>
-        <p:nvSpPr>
-          <p:cNvPr id="67" name="Google Shape;67;p14"/>
-          <p:cNvSpPr txBox="1"/>
-          <p:nvPr/>
-        </p:nvSpPr>
-        <p:spPr>
-          <a:xfrm>
-            <a:off x="638350" y="6520700"/>
-            <a:ext cx="8196300" cy="278100"/>
-          </a:xfrm>
-          <a:prstGeom prst="rect">
-            <a:avLst/>
-          </a:prstGeom>
-          <a:noFill/>
-          <a:ln>
-            <a:noFill/>
-          </a:ln>
-        </p:spPr>
-        <p:txBody>
-          <a:bodyPr anchorCtr="0" anchor="ctr" bIns="91425" lIns="91425" spcFirstLastPara="1" rIns="91425" wrap="square" tIns="91425">
-            <a:noAutofit/>
-          </a:bodyPr>
-          <a:lstStyle/>
-          <a:p>
-            <a:pPr indent="0" lvl="0" marL="0" rtl="0" algn="l">
-              <a:spcBef>
-                <a:spcPts val="0"/>
-              </a:spcBef>
-              <a:spcAft>
-                <a:spcPts val="0"/>
-              </a:spcAft>
-              <a:buNone/>
-            </a:pPr>
-            <a:r>
-              <a:rPr b="1" lang="fr" sz="800"/>
-              <a:t>Copyright © 2017-2023, Guillaume Lecuyer et Clement Levallois. DDBM is for you to use without restriction in modeling your own or other people's businesses. License CC BY-SA 4.0 Deed</a:t>
-            </a:r>
-            <a:endParaRPr sz="800"/>
           </a:p>
         </p:txBody>
       </p:sp>
@@ -27174,6 +27986,285 @@
 </file>
 
 <file path=ppt/theme/theme1.xml><?xml version="1.0" encoding="utf-8"?>
+<a:theme xmlns:a="http://schemas.openxmlformats.org/drawingml/2006/main" xmlns:r="http://schemas.openxmlformats.org/officeDocument/2006/relationships">
+  <a:themeElements>
+    <a:clrScheme name="Default">
+      <a:dk1>
+        <a:srgbClr val="000000"/>
+      </a:dk1>
+      <a:lt1>
+        <a:srgbClr val="FFFFFF"/>
+      </a:lt1>
+      <a:dk2>
+        <a:srgbClr val="158158"/>
+      </a:dk2>
+      <a:lt2>
+        <a:srgbClr val="F3F3F3"/>
+      </a:lt2>
+      <a:accent1>
+        <a:srgbClr val="058DC7"/>
+      </a:accent1>
+      <a:accent2>
+        <a:srgbClr val="50B432"/>
+      </a:accent2>
+      <a:accent3>
+        <a:srgbClr val="ED561B"/>
+      </a:accent3>
+      <a:accent4>
+        <a:srgbClr val="EDEF00"/>
+      </a:accent4>
+      <a:accent5>
+        <a:srgbClr val="24CBE5"/>
+      </a:accent5>
+      <a:accent6>
+        <a:srgbClr val="64E572"/>
+      </a:accent6>
+      <a:hlink>
+        <a:srgbClr val="2200CC"/>
+      </a:hlink>
+      <a:folHlink>
+        <a:srgbClr val="551A8B"/>
+      </a:folHlink>
+    </a:clrScheme>
+    <a:fontScheme name="Office">
+      <a:majorFont>
+        <a:latin typeface="Arial"/>
+        <a:ea typeface=""/>
+        <a:cs typeface=""/>
+        <a:font script="Jpan" typeface="ＭＳ Ｐゴシック"/>
+        <a:font script="Hang" typeface="맑은 고딕"/>
+        <a:font script="Hans" typeface="宋体"/>
+        <a:font script="Hant" typeface="新細明體"/>
+        <a:font script="Arab" typeface="Times New Roman"/>
+        <a:font script="Hebr" typeface="Times New Roman"/>
+        <a:font script="Thai" typeface="Angsana New"/>
+        <a:font script="Ethi" typeface="Nyala"/>
+        <a:font script="Beng" typeface="Vrinda"/>
+        <a:font script="Gujr" typeface="Shruti"/>
+        <a:font script="Khmr" typeface="MoolBoran"/>
+        <a:font script="Knda" typeface="Tunga"/>
+        <a:font script="Guru" typeface="Raavi"/>
+        <a:font script="Cans" typeface="Euphemia"/>
+        <a:font script="Cher" typeface="Plantagenet Cherokee"/>
+        <a:font script="Yiii" typeface="Microsoft Yi Baiti"/>
+        <a:font script="Tibt" typeface="Microsoft Himalaya"/>
+        <a:font script="Thaa" typeface="MV Boli"/>
+        <a:font script="Deva" typeface="Mangal"/>
+        <a:font script="Telu" typeface="Gautami"/>
+        <a:font script="Taml" typeface="Latha"/>
+        <a:font script="Syrc" typeface="Estrangelo Edessa"/>
+        <a:font script="Orya" typeface="Kalinga"/>
+        <a:font script="Mlym" typeface="Kartika"/>
+        <a:font script="Laoo" typeface="DokChampa"/>
+        <a:font script="Sinh" typeface="Iskoola Pota"/>
+        <a:font script="Mong" typeface="Mongolian Baiti"/>
+        <a:font script="Viet" typeface="Times New Roman"/>
+        <a:font script="Uigh" typeface="Microsoft Uighur"/>
+        <a:font script="Geor" typeface="Sylfaen"/>
+      </a:majorFont>
+      <a:minorFont>
+        <a:latin typeface="Arial"/>
+        <a:ea typeface=""/>
+        <a:cs typeface=""/>
+        <a:font script="Jpan" typeface="ＭＳ Ｐゴシック"/>
+        <a:font script="Hang" typeface="맑은 고딕"/>
+        <a:font script="Hans" typeface="宋体"/>
+        <a:font script="Hant" typeface="新細明體"/>
+        <a:font script="Arab" typeface="Arial"/>
+        <a:font script="Hebr" typeface="Arial"/>
+        <a:font script="Thai" typeface="Cordia New"/>
+        <a:font script="Ethi" typeface="Nyala"/>
+        <a:font script="Beng" typeface="Vrinda"/>
+        <a:font script="Gujr" typeface="Shruti"/>
+        <a:font script="Khmr" typeface="DaunPenh"/>
+        <a:font script="Knda" typeface="Tunga"/>
+        <a:font script="Guru" typeface="Raavi"/>
+        <a:font script="Cans" typeface="Euphemia"/>
+        <a:font script="Cher" typeface="Plantagenet Cherokee"/>
+        <a:font script="Yiii" typeface="Microsoft Yi Baiti"/>
+        <a:font script="Tibt" typeface="Microsoft Himalaya"/>
+        <a:font script="Thaa" typeface="MV Boli"/>
+        <a:font script="Deva" typeface="Mangal"/>
+        <a:font script="Telu" typeface="Gautami"/>
+        <a:font script="Taml" typeface="Latha"/>
+        <a:font script="Syrc" typeface="Estrangelo Edessa"/>
+        <a:font script="Orya" typeface="Kalinga"/>
+        <a:font script="Mlym" typeface="Kartika"/>
+        <a:font script="Laoo" typeface="DokChampa"/>
+        <a:font script="Sinh" typeface="Iskoola Pota"/>
+        <a:font script="Mong" typeface="Mongolian Baiti"/>
+        <a:font script="Viet" typeface="Arial"/>
+        <a:font script="Uigh" typeface="Microsoft Uighur"/>
+        <a:font script="Geor" typeface="Sylfaen"/>
+      </a:minorFont>
+    </a:fontScheme>
+    <a:fmtScheme name="Office">
+      <a:fillStyleLst>
+        <a:solidFill>
+          <a:schemeClr val="phClr"/>
+        </a:solidFill>
+        <a:gradFill rotWithShape="1">
+          <a:gsLst>
+            <a:gs pos="0">
+              <a:schemeClr val="phClr">
+                <a:tint val="50000"/>
+                <a:satMod val="300000"/>
+              </a:schemeClr>
+            </a:gs>
+            <a:gs pos="35000">
+              <a:schemeClr val="phClr">
+                <a:tint val="37000"/>
+                <a:satMod val="300000"/>
+              </a:schemeClr>
+            </a:gs>
+            <a:gs pos="100000">
+              <a:schemeClr val="phClr">
+                <a:tint val="15000"/>
+                <a:satMod val="350000"/>
+              </a:schemeClr>
+            </a:gs>
+          </a:gsLst>
+          <a:lin ang="16200000" scaled="1"/>
+        </a:gradFill>
+        <a:gradFill rotWithShape="1">
+          <a:gsLst>
+            <a:gs pos="0">
+              <a:schemeClr val="phClr">
+                <a:tint val="100000"/>
+                <a:shade val="100000"/>
+                <a:satMod val="130000"/>
+              </a:schemeClr>
+            </a:gs>
+            <a:gs pos="100000">
+              <a:schemeClr val="phClr">
+                <a:tint val="50000"/>
+                <a:shade val="100000"/>
+                <a:satMod val="350000"/>
+              </a:schemeClr>
+            </a:gs>
+          </a:gsLst>
+          <a:lin ang="16200000" scaled="0"/>
+        </a:gradFill>
+      </a:fillStyleLst>
+      <a:lnStyleLst>
+        <a:ln w="9525" cap="flat" cmpd="sng" algn="ctr">
+          <a:solidFill>
+            <a:schemeClr val="phClr">
+              <a:shade val="95000"/>
+              <a:satMod val="105000"/>
+            </a:schemeClr>
+          </a:solidFill>
+          <a:prstDash val="solid"/>
+        </a:ln>
+        <a:ln w="25400" cap="flat" cmpd="sng" algn="ctr">
+          <a:solidFill>
+            <a:schemeClr val="phClr"/>
+          </a:solidFill>
+          <a:prstDash val="solid"/>
+        </a:ln>
+        <a:ln w="38100" cap="flat" cmpd="sng" algn="ctr">
+          <a:solidFill>
+            <a:schemeClr val="phClr"/>
+          </a:solidFill>
+          <a:prstDash val="solid"/>
+        </a:ln>
+      </a:lnStyleLst>
+      <a:effectStyleLst>
+        <a:effectStyle>
+          <a:effectLst>
+            <a:outerShdw blurRad="40000" dist="20000" dir="5400000" rotWithShape="0">
+              <a:srgbClr val="000000">
+                <a:alpha val="38000"/>
+              </a:srgbClr>
+            </a:outerShdw>
+          </a:effectLst>
+        </a:effectStyle>
+        <a:effectStyle>
+          <a:effectLst>
+            <a:outerShdw blurRad="40000" dist="23000" dir="5400000" rotWithShape="0">
+              <a:srgbClr val="000000">
+                <a:alpha val="35000"/>
+              </a:srgbClr>
+            </a:outerShdw>
+          </a:effectLst>
+        </a:effectStyle>
+        <a:effectStyle>
+          <a:effectLst>
+            <a:outerShdw blurRad="40000" dist="23000" dir="5400000" rotWithShape="0">
+              <a:srgbClr val="000000">
+                <a:alpha val="35000"/>
+              </a:srgbClr>
+            </a:outerShdw>
+          </a:effectLst>
+          <a:scene3d>
+            <a:camera prst="orthographicFront">
+              <a:rot lat="0" lon="0" rev="0"/>
+            </a:camera>
+            <a:lightRig rig="threePt" dir="t">
+              <a:rot lat="0" lon="0" rev="1200000"/>
+            </a:lightRig>
+          </a:scene3d>
+          <a:sp3d>
+            <a:bevelT w="63500" h="25400"/>
+          </a:sp3d>
+        </a:effectStyle>
+      </a:effectStyleLst>
+      <a:bgFillStyleLst>
+        <a:solidFill>
+          <a:schemeClr val="phClr"/>
+        </a:solidFill>
+        <a:gradFill rotWithShape="1">
+          <a:gsLst>
+            <a:gs pos="0">
+              <a:schemeClr val="phClr">
+                <a:tint val="40000"/>
+                <a:satMod val="350000"/>
+              </a:schemeClr>
+            </a:gs>
+            <a:gs pos="40000">
+              <a:schemeClr val="phClr">
+                <a:tint val="45000"/>
+                <a:shade val="99000"/>
+                <a:satMod val="350000"/>
+              </a:schemeClr>
+            </a:gs>
+            <a:gs pos="100000">
+              <a:schemeClr val="phClr">
+                <a:shade val="20000"/>
+                <a:satMod val="255000"/>
+              </a:schemeClr>
+            </a:gs>
+          </a:gsLst>
+          <a:path path="circle">
+            <a:fillToRect l="50000" t="-80000" r="50000" b="180000"/>
+          </a:path>
+        </a:gradFill>
+        <a:gradFill rotWithShape="1">
+          <a:gsLst>
+            <a:gs pos="0">
+              <a:schemeClr val="phClr">
+                <a:tint val="80000"/>
+                <a:satMod val="300000"/>
+              </a:schemeClr>
+            </a:gs>
+            <a:gs pos="100000">
+              <a:schemeClr val="phClr">
+                <a:shade val="30000"/>
+                <a:satMod val="200000"/>
+              </a:schemeClr>
+            </a:gs>
+          </a:gsLst>
+          <a:path path="circle">
+            <a:fillToRect l="50000" t="50000" r="50000" b="50000"/>
+          </a:path>
+        </a:gradFill>
+      </a:bgFillStyleLst>
+    </a:fmtScheme>
+  </a:themeElements>
+</a:theme>
+</file>
+
+<file path=ppt/theme/theme2.xml><?xml version="1.0" encoding="utf-8"?>
 <a:theme xmlns:a="http://schemas.openxmlformats.org/drawingml/2006/main" xmlns:r="http://schemas.openxmlformats.org/officeDocument/2006/relationships" name="Simple Light">
   <a:themeElements>
     <a:clrScheme name="Simple Light">
@@ -27450,283 +28541,4 @@
     </a:fmtScheme>
   </a:themeElements>
 </a:theme>
-</file>
-
-<file path=ppt/theme/theme2.xml><?xml version="1.0" encoding="utf-8"?>
-<a:theme xmlns:a="http://schemas.openxmlformats.org/drawingml/2006/main" xmlns:r="http://schemas.openxmlformats.org/officeDocument/2006/relationships">
-  <a:themeElements>
-    <a:clrScheme name="Default">
-      <a:dk1>
-        <a:srgbClr val="000000"/>
-      </a:dk1>
-      <a:lt1>
-        <a:srgbClr val="FFFFFF"/>
-      </a:lt1>
-      <a:dk2>
-        <a:srgbClr val="158158"/>
-      </a:dk2>
-      <a:lt2>
-        <a:srgbClr val="F3F3F3"/>
-      </a:lt2>
-      <a:accent1>
-        <a:srgbClr val="058DC7"/>
-      </a:accent1>
-      <a:accent2>
-        <a:srgbClr val="50B432"/>
-      </a:accent2>
-      <a:accent3>
-        <a:srgbClr val="ED561B"/>
-      </a:accent3>
-      <a:accent4>
-        <a:srgbClr val="EDEF00"/>
-      </a:accent4>
-      <a:accent5>
-        <a:srgbClr val="24CBE5"/>
-      </a:accent5>
-      <a:accent6>
-        <a:srgbClr val="64E572"/>
-      </a:accent6>
-      <a:hlink>
-        <a:srgbClr val="2200CC"/>
-      </a:hlink>
-      <a:folHlink>
-        <a:srgbClr val="551A8B"/>
-      </a:folHlink>
-    </a:clrScheme>
-    <a:fontScheme name="Office">
-      <a:majorFont>
-        <a:latin typeface="Arial"/>
-        <a:ea typeface=""/>
-        <a:cs typeface=""/>
-        <a:font script="Jpan" typeface="ＭＳ Ｐゴシック"/>
-        <a:font script="Hang" typeface="맑은 고딕"/>
-        <a:font script="Hans" typeface="宋体"/>
-        <a:font script="Hant" typeface="新細明體"/>
-        <a:font script="Arab" typeface="Times New Roman"/>
-        <a:font script="Hebr" typeface="Times New Roman"/>
-        <a:font script="Thai" typeface="Angsana New"/>
-        <a:font script="Ethi" typeface="Nyala"/>
-        <a:font script="Beng" typeface="Vrinda"/>
-        <a:font script="Gujr" typeface="Shruti"/>
-        <a:font script="Khmr" typeface="MoolBoran"/>
-        <a:font script="Knda" typeface="Tunga"/>
-        <a:font script="Guru" typeface="Raavi"/>
-        <a:font script="Cans" typeface="Euphemia"/>
-        <a:font script="Cher" typeface="Plantagenet Cherokee"/>
-        <a:font script="Yiii" typeface="Microsoft Yi Baiti"/>
-        <a:font script="Tibt" typeface="Microsoft Himalaya"/>
-        <a:font script="Thaa" typeface="MV Boli"/>
-        <a:font script="Deva" typeface="Mangal"/>
-        <a:font script="Telu" typeface="Gautami"/>
-        <a:font script="Taml" typeface="Latha"/>
-        <a:font script="Syrc" typeface="Estrangelo Edessa"/>
-        <a:font script="Orya" typeface="Kalinga"/>
-        <a:font script="Mlym" typeface="Kartika"/>
-        <a:font script="Laoo" typeface="DokChampa"/>
-        <a:font script="Sinh" typeface="Iskoola Pota"/>
-        <a:font script="Mong" typeface="Mongolian Baiti"/>
-        <a:font script="Viet" typeface="Times New Roman"/>
-        <a:font script="Uigh" typeface="Microsoft Uighur"/>
-        <a:font script="Geor" typeface="Sylfaen"/>
-      </a:majorFont>
-      <a:minorFont>
-        <a:latin typeface="Arial"/>
-        <a:ea typeface=""/>
-        <a:cs typeface=""/>
-        <a:font script="Jpan" typeface="ＭＳ Ｐゴシック"/>
-        <a:font script="Hang" typeface="맑은 고딕"/>
-        <a:font script="Hans" typeface="宋体"/>
-        <a:font script="Hant" typeface="新細明體"/>
-        <a:font script="Arab" typeface="Arial"/>
-        <a:font script="Hebr" typeface="Arial"/>
-        <a:font script="Thai" typeface="Cordia New"/>
-        <a:font script="Ethi" typeface="Nyala"/>
-        <a:font script="Beng" typeface="Vrinda"/>
-        <a:font script="Gujr" typeface="Shruti"/>
-        <a:font script="Khmr" typeface="DaunPenh"/>
-        <a:font script="Knda" typeface="Tunga"/>
-        <a:font script="Guru" typeface="Raavi"/>
-        <a:font script="Cans" typeface="Euphemia"/>
-        <a:font script="Cher" typeface="Plantagenet Cherokee"/>
-        <a:font script="Yiii" typeface="Microsoft Yi Baiti"/>
-        <a:font script="Tibt" typeface="Microsoft Himalaya"/>
-        <a:font script="Thaa" typeface="MV Boli"/>
-        <a:font script="Deva" typeface="Mangal"/>
-        <a:font script="Telu" typeface="Gautami"/>
-        <a:font script="Taml" typeface="Latha"/>
-        <a:font script="Syrc" typeface="Estrangelo Edessa"/>
-        <a:font script="Orya" typeface="Kalinga"/>
-        <a:font script="Mlym" typeface="Kartika"/>
-        <a:font script="Laoo" typeface="DokChampa"/>
-        <a:font script="Sinh" typeface="Iskoola Pota"/>
-        <a:font script="Mong" typeface="Mongolian Baiti"/>
-        <a:font script="Viet" typeface="Arial"/>
-        <a:font script="Uigh" typeface="Microsoft Uighur"/>
-        <a:font script="Geor" typeface="Sylfaen"/>
-      </a:minorFont>
-    </a:fontScheme>
-    <a:fmtScheme name="Office">
-      <a:fillStyleLst>
-        <a:solidFill>
-          <a:schemeClr val="phClr"/>
-        </a:solidFill>
-        <a:gradFill rotWithShape="1">
-          <a:gsLst>
-            <a:gs pos="0">
-              <a:schemeClr val="phClr">
-                <a:tint val="50000"/>
-                <a:satMod val="300000"/>
-              </a:schemeClr>
-            </a:gs>
-            <a:gs pos="35000">
-              <a:schemeClr val="phClr">
-                <a:tint val="37000"/>
-                <a:satMod val="300000"/>
-              </a:schemeClr>
-            </a:gs>
-            <a:gs pos="100000">
-              <a:schemeClr val="phClr">
-                <a:tint val="15000"/>
-                <a:satMod val="350000"/>
-              </a:schemeClr>
-            </a:gs>
-          </a:gsLst>
-          <a:lin ang="16200000" scaled="1"/>
-        </a:gradFill>
-        <a:gradFill rotWithShape="1">
-          <a:gsLst>
-            <a:gs pos="0">
-              <a:schemeClr val="phClr">
-                <a:tint val="100000"/>
-                <a:shade val="100000"/>
-                <a:satMod val="130000"/>
-              </a:schemeClr>
-            </a:gs>
-            <a:gs pos="100000">
-              <a:schemeClr val="phClr">
-                <a:tint val="50000"/>
-                <a:shade val="100000"/>
-                <a:satMod val="350000"/>
-              </a:schemeClr>
-            </a:gs>
-          </a:gsLst>
-          <a:lin ang="16200000" scaled="0"/>
-        </a:gradFill>
-      </a:fillStyleLst>
-      <a:lnStyleLst>
-        <a:ln w="9525" cap="flat" cmpd="sng" algn="ctr">
-          <a:solidFill>
-            <a:schemeClr val="phClr">
-              <a:shade val="95000"/>
-              <a:satMod val="105000"/>
-            </a:schemeClr>
-          </a:solidFill>
-          <a:prstDash val="solid"/>
-        </a:ln>
-        <a:ln w="25400" cap="flat" cmpd="sng" algn="ctr">
-          <a:solidFill>
-            <a:schemeClr val="phClr"/>
-          </a:solidFill>
-          <a:prstDash val="solid"/>
-        </a:ln>
-        <a:ln w="38100" cap="flat" cmpd="sng" algn="ctr">
-          <a:solidFill>
-            <a:schemeClr val="phClr"/>
-          </a:solidFill>
-          <a:prstDash val="solid"/>
-        </a:ln>
-      </a:lnStyleLst>
-      <a:effectStyleLst>
-        <a:effectStyle>
-          <a:effectLst>
-            <a:outerShdw blurRad="40000" dist="20000" dir="5400000" rotWithShape="0">
-              <a:srgbClr val="000000">
-                <a:alpha val="38000"/>
-              </a:srgbClr>
-            </a:outerShdw>
-          </a:effectLst>
-        </a:effectStyle>
-        <a:effectStyle>
-          <a:effectLst>
-            <a:outerShdw blurRad="40000" dist="23000" dir="5400000" rotWithShape="0">
-              <a:srgbClr val="000000">
-                <a:alpha val="35000"/>
-              </a:srgbClr>
-            </a:outerShdw>
-          </a:effectLst>
-        </a:effectStyle>
-        <a:effectStyle>
-          <a:effectLst>
-            <a:outerShdw blurRad="40000" dist="23000" dir="5400000" rotWithShape="0">
-              <a:srgbClr val="000000">
-                <a:alpha val="35000"/>
-              </a:srgbClr>
-            </a:outerShdw>
-          </a:effectLst>
-          <a:scene3d>
-            <a:camera prst="orthographicFront">
-              <a:rot lat="0" lon="0" rev="0"/>
-            </a:camera>
-            <a:lightRig rig="threePt" dir="t">
-              <a:rot lat="0" lon="0" rev="1200000"/>
-            </a:lightRig>
-          </a:scene3d>
-          <a:sp3d>
-            <a:bevelT w="63500" h="25400"/>
-          </a:sp3d>
-        </a:effectStyle>
-      </a:effectStyleLst>
-      <a:bgFillStyleLst>
-        <a:solidFill>
-          <a:schemeClr val="phClr"/>
-        </a:solidFill>
-        <a:gradFill rotWithShape="1">
-          <a:gsLst>
-            <a:gs pos="0">
-              <a:schemeClr val="phClr">
-                <a:tint val="40000"/>
-                <a:satMod val="350000"/>
-              </a:schemeClr>
-            </a:gs>
-            <a:gs pos="40000">
-              <a:schemeClr val="phClr">
-                <a:tint val="45000"/>
-                <a:shade val="99000"/>
-                <a:satMod val="350000"/>
-              </a:schemeClr>
-            </a:gs>
-            <a:gs pos="100000">
-              <a:schemeClr val="phClr">
-                <a:shade val="20000"/>
-                <a:satMod val="255000"/>
-              </a:schemeClr>
-            </a:gs>
-          </a:gsLst>
-          <a:path path="circle">
-            <a:fillToRect l="50000" t="-80000" r="50000" b="180000"/>
-          </a:path>
-        </a:gradFill>
-        <a:gradFill rotWithShape="1">
-          <a:gsLst>
-            <a:gs pos="0">
-              <a:schemeClr val="phClr">
-                <a:tint val="80000"/>
-                <a:satMod val="300000"/>
-              </a:schemeClr>
-            </a:gs>
-            <a:gs pos="100000">
-              <a:schemeClr val="phClr">
-                <a:shade val="30000"/>
-                <a:satMod val="200000"/>
-              </a:schemeClr>
-            </a:gs>
-          </a:gsLst>
-          <a:path path="circle">
-            <a:fillToRect l="50000" t="50000" r="50000" b="50000"/>
-          </a:path>
-        </a:gradFill>
-      </a:bgFillStyleLst>
-    </a:fmtScheme>
-  </a:themeElements>
-</a:theme>
 </file>